--- a/Courses/Software-Sciences/Module-2-DS-and-Algo-New/04-Stack-and-Queue/04-Stack-and-Queue.pptx
+++ b/Courses/Software-Sciences/Module-2-DS-and-Algo-New/04-Stack-and-Queue/04-Stack-and-Queue.pptx
@@ -14,10 +14,10 @@
     <p:sldId id="256" r:id="rId2"/>
     <p:sldId id="257" r:id="rId3"/>
     <p:sldId id="730" r:id="rId4"/>
-    <p:sldId id="399" r:id="rId5"/>
-    <p:sldId id="728" r:id="rId6"/>
-    <p:sldId id="729" r:id="rId7"/>
-    <p:sldId id="420" r:id="rId8"/>
+    <p:sldId id="728" r:id="rId5"/>
+    <p:sldId id="420" r:id="rId6"/>
+    <p:sldId id="733" r:id="rId7"/>
+    <p:sldId id="729" r:id="rId8"/>
     <p:sldId id="259" r:id="rId9"/>
     <p:sldId id="260" r:id="rId10"/>
     <p:sldId id="261" r:id="rId11"/>
@@ -157,10 +157,10 @@
         <p14:section name="Линейни структури от данни" id="{B4313D5A-4860-41C6-9ED1-ED09D2CBF358}">
           <p14:sldIdLst>
             <p14:sldId id="730"/>
-            <p14:sldId id="399"/>
             <p14:sldId id="728"/>
+            <p14:sldId id="420"/>
+            <p14:sldId id="733"/>
             <p14:sldId id="729"/>
-            <p14:sldId id="420"/>
           </p14:sldIdLst>
         </p14:section>
         <p14:section name="Стекове" id="{4C0A2BF5-49EF-49B2-A251-E79272C1AAE0}">
@@ -331,7 +331,7 @@
           <a:p>
             <a:fld id="{4E087215-0C8F-4762-A664-737A353EC9A4}" type="datetimeFigureOut">
               <a:rPr lang="bg-BG" smtClean="0"/>
-              <a:t>16.1.2023 г.</a:t>
+              <a:t>19.01.23 г.</a:t>
             </a:fld>
             <a:endParaRPr lang="bg-BG"/>
           </a:p>
@@ -522,7 +522,7 @@
           <a:p>
             <a:fld id="{72D84649-876A-46C9-8472-14CB09C070D8}" type="datetimeFigureOut">
               <a:rPr lang="en-US" smtClean="0"/>
-              <a:t>1/16/2023</a:t>
+              <a:t>1/19/23</a:t>
             </a:fld>
             <a:endParaRPr lang="en-US"/>
           </a:p>
@@ -1792,7 +1792,7 @@
           <a:p>
             <a:fld id="{2BF067CD-8E6B-4360-9AA8-C5DF2A48A6D1}" type="slidenum">
               <a:rPr lang="en-US" smtClean="0"/>
-              <a:t>5</a:t>
+              <a:t>4</a:t>
             </a:fld>
             <a:endParaRPr lang="en-US" dirty="0"/>
           </a:p>
@@ -2094,7 +2094,7 @@
           <a:p>
             <a:fld id="{2BF067CD-8E6B-4360-9AA8-C5DF2A48A6D1}" type="slidenum">
               <a:rPr lang="en-US" smtClean="0"/>
-              <a:t>6</a:t>
+              <a:t>7</a:t>
             </a:fld>
             <a:endParaRPr lang="en-US" dirty="0"/>
           </a:p>
@@ -15411,7 +15411,7 @@
                             </p:stCondLst>
                             <p:childTnLst>
                               <p:par>
-                                <p:cTn id="5" presetID="1" presetClass="entr" presetSubtype="0" fill="hold" grpId="0" nodeType="clickEffect">
+                                <p:cTn id="5" presetID="1" presetClass="entr" presetSubtype="0" fill="hold" nodeType="clickEffect">
                                   <p:stCondLst>
                                     <p:cond delay="0"/>
                                   </p:stCondLst>
@@ -15419,6 +15419,55 @@
                                     <p:set>
                                       <p:cBhvr>
                                         <p:cTn id="6" dur="1" fill="hold">
+                                          <p:stCondLst>
+                                            <p:cond delay="0"/>
+                                          </p:stCondLst>
+                                        </p:cTn>
+                                        <p:tgtEl>
+                                          <p:spTgt spid="6">
+                                            <p:txEl>
+                                              <p:pRg st="2" end="2"/>
+                                            </p:txEl>
+                                          </p:spTgt>
+                                        </p:tgtEl>
+                                        <p:attrNameLst>
+                                          <p:attrName>style.visibility</p:attrName>
+                                        </p:attrNameLst>
+                                      </p:cBhvr>
+                                      <p:to>
+                                        <p:strVal val="visible"/>
+                                      </p:to>
+                                    </p:set>
+                                  </p:childTnLst>
+                                </p:cTn>
+                              </p:par>
+                            </p:childTnLst>
+                          </p:cTn>
+                        </p:par>
+                      </p:childTnLst>
+                    </p:cTn>
+                  </p:par>
+                  <p:par>
+                    <p:cTn id="7" fill="hold">
+                      <p:stCondLst>
+                        <p:cond delay="indefinite"/>
+                      </p:stCondLst>
+                      <p:childTnLst>
+                        <p:par>
+                          <p:cTn id="8" fill="hold">
+                            <p:stCondLst>
+                              <p:cond delay="0"/>
+                            </p:stCondLst>
+                            <p:childTnLst>
+                              <p:par>
+                                <p:cTn id="9" presetID="1" presetClass="entr" presetSubtype="0" fill="hold" grpId="0" nodeType="clickEffect">
+                                  <p:stCondLst>
+                                    <p:cond delay="0"/>
+                                  </p:stCondLst>
+                                  <p:childTnLst>
+                                    <p:set>
+                                      <p:cBhvr>
+                                        <p:cTn id="10" dur="1" fill="hold">
                                           <p:stCondLst>
                                             <p:cond delay="0"/>
                                           </p:stCondLst>
@@ -15438,14 +15487,14 @@
                                 </p:cTn>
                               </p:par>
                               <p:par>
-                                <p:cTn id="7" presetID="1" presetClass="entr" presetSubtype="0" fill="hold" grpId="0" nodeType="withEffect">
+                                <p:cTn id="11" presetID="1" presetClass="entr" presetSubtype="0" fill="hold" grpId="0" nodeType="withEffect">
                                   <p:stCondLst>
                                     <p:cond delay="0"/>
                                   </p:stCondLst>
                                   <p:childTnLst>
                                     <p:set>
                                       <p:cBhvr>
-                                        <p:cTn id="8" dur="1" fill="hold">
+                                        <p:cTn id="12" dur="1" fill="hold">
                                           <p:stCondLst>
                                             <p:cond delay="0"/>
                                           </p:stCondLst>
@@ -15465,14 +15514,14 @@
                                 </p:cTn>
                               </p:par>
                               <p:par>
-                                <p:cTn id="9" presetID="1" presetClass="entr" presetSubtype="0" fill="hold" grpId="0" nodeType="withEffect">
+                                <p:cTn id="13" presetID="1" presetClass="entr" presetSubtype="0" fill="hold" grpId="0" nodeType="withEffect">
                                   <p:stCondLst>
                                     <p:cond delay="0"/>
                                   </p:stCondLst>
                                   <p:childTnLst>
                                     <p:set>
                                       <p:cBhvr>
-                                        <p:cTn id="10" dur="1" fill="hold">
+                                        <p:cTn id="14" dur="1" fill="hold">
                                           <p:stCondLst>
                                             <p:cond delay="0"/>
                                           </p:stCondLst>
@@ -15498,26 +15547,26 @@
                     </p:cTn>
                   </p:par>
                   <p:par>
-                    <p:cTn id="11" fill="hold">
+                    <p:cTn id="15" fill="hold">
                       <p:stCondLst>
                         <p:cond delay="indefinite"/>
                       </p:stCondLst>
                       <p:childTnLst>
                         <p:par>
-                          <p:cTn id="12" fill="hold">
+                          <p:cTn id="16" fill="hold">
                             <p:stCondLst>
                               <p:cond delay="0"/>
                             </p:stCondLst>
                             <p:childTnLst>
                               <p:par>
-                                <p:cTn id="13" presetID="1" presetClass="entr" presetSubtype="0" fill="hold" grpId="0" nodeType="clickEffect">
+                                <p:cTn id="17" presetID="1" presetClass="entr" presetSubtype="0" fill="hold" grpId="0" nodeType="clickEffect">
                                   <p:stCondLst>
                                     <p:cond delay="0"/>
                                   </p:stCondLst>
                                   <p:childTnLst>
                                     <p:set>
                                       <p:cBhvr>
-                                        <p:cTn id="14" dur="1" fill="hold">
+                                        <p:cTn id="18" dur="1" fill="hold">
                                           <p:stCondLst>
                                             <p:cond delay="0"/>
                                           </p:stCondLst>
@@ -15537,14 +15586,14 @@
                                 </p:cTn>
                               </p:par>
                               <p:par>
-                                <p:cTn id="15" presetID="1" presetClass="entr" presetSubtype="0" fill="hold" grpId="0" nodeType="withEffect">
+                                <p:cTn id="19" presetID="1" presetClass="entr" presetSubtype="0" fill="hold" grpId="0" nodeType="withEffect">
                                   <p:stCondLst>
                                     <p:cond delay="0"/>
                                   </p:stCondLst>
                                   <p:childTnLst>
                                     <p:set>
                                       <p:cBhvr>
-                                        <p:cTn id="16" dur="1" fill="hold">
+                                        <p:cTn id="20" dur="1" fill="hold">
                                           <p:stCondLst>
                                             <p:cond delay="0"/>
                                           </p:stCondLst>
@@ -15564,14 +15613,14 @@
                                 </p:cTn>
                               </p:par>
                               <p:par>
-                                <p:cTn id="17" presetID="1" presetClass="entr" presetSubtype="0" fill="hold" grpId="0" nodeType="withEffect">
+                                <p:cTn id="21" presetID="1" presetClass="entr" presetSubtype="0" fill="hold" grpId="0" nodeType="withEffect">
                                   <p:stCondLst>
                                     <p:cond delay="0"/>
                                   </p:stCondLst>
                                   <p:childTnLst>
                                     <p:set>
                                       <p:cBhvr>
-                                        <p:cTn id="18" dur="1" fill="hold">
+                                        <p:cTn id="22" dur="1" fill="hold">
                                           <p:stCondLst>
                                             <p:cond delay="0"/>
                                           </p:stCondLst>
@@ -17067,8 +17116,8 @@
         </p:nvSpPr>
         <p:spPr bwMode="auto">
           <a:xfrm>
-            <a:off x="4974468" y="4418742"/>
-            <a:ext cx="4345161" cy="467078"/>
+            <a:off x="4974469" y="4418742"/>
+            <a:ext cx="4001532" cy="467078"/>
           </a:xfrm>
           <a:prstGeom prst="wedgeRoundRectCallout">
             <a:avLst>
@@ -17852,6 +17901,12 @@
               </a:rPr>
               <a:t> </a:t>
             </a:r>
+            <a:br>
+              <a:rPr lang="en-US" sz="3600" dirty="0">
+                <a:ea typeface="+mn-lt"/>
+                <a:cs typeface="+mn-lt"/>
+              </a:rPr>
+            </a:br>
             <a:r>
               <a:rPr lang="en-US" sz="3600" dirty="0" err="1">
                 <a:ea typeface="+mn-lt"/>
@@ -21127,7 +21182,7 @@
             </a:r>
             <a:r>
               <a:rPr lang="en-US" sz="3950" dirty="0" err="1"/>
-              <a:t>Сумана</a:t>
+              <a:t>Сума</a:t>
             </a:r>
             <a:r>
               <a:rPr lang="en-US" sz="3950" dirty="0"/>
@@ -21145,6 +21200,7 @@
               <a:rPr lang="en-US" sz="3950" dirty="0" err="1"/>
               <a:t>стек</a:t>
             </a:r>
+            <a:endParaRPr lang="en-US" sz="3950" dirty="0"/>
           </a:p>
         </p:txBody>
       </p:sp>
@@ -21643,7 +21699,7 @@
                             </p:stCondLst>
                             <p:childTnLst>
                               <p:par>
-                                <p:cTn id="5" presetID="1" presetClass="entr" presetSubtype="0" fill="hold" grpId="0" nodeType="clickEffect">
+                                <p:cTn id="5" presetID="1" presetClass="entr" presetSubtype="0" fill="hold" nodeType="clickEffect">
                                   <p:stCondLst>
                                     <p:cond delay="0"/>
                                   </p:stCondLst>
@@ -21656,7 +21712,11 @@
                                           </p:stCondLst>
                                         </p:cTn>
                                         <p:tgtEl>
-                                          <p:spTgt spid="36"/>
+                                          <p:spTgt spid="7">
+                                            <p:txEl>
+                                              <p:pRg st="2" end="2"/>
+                                            </p:txEl>
+                                          </p:spTgt>
                                         </p:tgtEl>
                                         <p:attrNameLst>
                                           <p:attrName>style.visibility</p:attrName>
@@ -21669,35 +21729,26 @@
                                   </p:childTnLst>
                                 </p:cTn>
                               </p:par>
+                            </p:childTnLst>
+                          </p:cTn>
+                        </p:par>
+                      </p:childTnLst>
+                    </p:cTn>
+                  </p:par>
+                  <p:par>
+                    <p:cTn id="7" fill="hold">
+                      <p:stCondLst>
+                        <p:cond delay="indefinite"/>
+                      </p:stCondLst>
+                      <p:childTnLst>
+                        <p:par>
+                          <p:cTn id="8" fill="hold">
+                            <p:stCondLst>
+                              <p:cond delay="0"/>
+                            </p:stCondLst>
+                            <p:childTnLst>
                               <p:par>
-                                <p:cTn id="7" presetID="1" presetClass="entr" presetSubtype="0" fill="hold" grpId="0" nodeType="withEffect">
-                                  <p:stCondLst>
-                                    <p:cond delay="0"/>
-                                  </p:stCondLst>
-                                  <p:childTnLst>
-                                    <p:set>
-                                      <p:cBhvr>
-                                        <p:cTn id="8" dur="1" fill="hold">
-                                          <p:stCondLst>
-                                            <p:cond delay="0"/>
-                                          </p:stCondLst>
-                                        </p:cTn>
-                                        <p:tgtEl>
-                                          <p:spTgt spid="38"/>
-                                        </p:tgtEl>
-                                        <p:attrNameLst>
-                                          <p:attrName>style.visibility</p:attrName>
-                                        </p:attrNameLst>
-                                      </p:cBhvr>
-                                      <p:to>
-                                        <p:strVal val="visible"/>
-                                      </p:to>
-                                    </p:set>
-                                  </p:childTnLst>
-                                </p:cTn>
-                              </p:par>
-                              <p:par>
-                                <p:cTn id="9" presetID="1" presetClass="entr" presetSubtype="0" fill="hold" grpId="0" nodeType="withEffect">
+                                <p:cTn id="9" presetID="1" presetClass="entr" presetSubtype="0" fill="hold" nodeType="clickEffect">
                                   <p:stCondLst>
                                     <p:cond delay="0"/>
                                   </p:stCondLst>
@@ -21710,7 +21761,11 @@
                                           </p:stCondLst>
                                         </p:cTn>
                                         <p:tgtEl>
-                                          <p:spTgt spid="37"/>
+                                          <p:spTgt spid="7">
+                                            <p:txEl>
+                                              <p:pRg st="3" end="3"/>
+                                            </p:txEl>
+                                          </p:spTgt>
                                         </p:tgtEl>
                                         <p:attrNameLst>
                                           <p:attrName>style.visibility</p:attrName>
@@ -21755,7 +21810,7 @@
                                           </p:stCondLst>
                                         </p:cTn>
                                         <p:tgtEl>
-                                          <p:spTgt spid="26"/>
+                                          <p:spTgt spid="36"/>
                                         </p:tgtEl>
                                         <p:attrNameLst>
                                           <p:attrName>style.visibility</p:attrName>
@@ -21782,7 +21837,7 @@
                                           </p:stCondLst>
                                         </p:cTn>
                                         <p:tgtEl>
-                                          <p:spTgt spid="28"/>
+                                          <p:spTgt spid="38"/>
                                         </p:tgtEl>
                                         <p:attrNameLst>
                                           <p:attrName>style.visibility</p:attrName>
@@ -21804,6 +21859,105 @@
                                     <p:set>
                                       <p:cBhvr>
                                         <p:cTn id="18" dur="1" fill="hold">
+                                          <p:stCondLst>
+                                            <p:cond delay="0"/>
+                                          </p:stCondLst>
+                                        </p:cTn>
+                                        <p:tgtEl>
+                                          <p:spTgt spid="37"/>
+                                        </p:tgtEl>
+                                        <p:attrNameLst>
+                                          <p:attrName>style.visibility</p:attrName>
+                                        </p:attrNameLst>
+                                      </p:cBhvr>
+                                      <p:to>
+                                        <p:strVal val="visible"/>
+                                      </p:to>
+                                    </p:set>
+                                  </p:childTnLst>
+                                </p:cTn>
+                              </p:par>
+                            </p:childTnLst>
+                          </p:cTn>
+                        </p:par>
+                      </p:childTnLst>
+                    </p:cTn>
+                  </p:par>
+                  <p:par>
+                    <p:cTn id="19" fill="hold">
+                      <p:stCondLst>
+                        <p:cond delay="indefinite"/>
+                      </p:stCondLst>
+                      <p:childTnLst>
+                        <p:par>
+                          <p:cTn id="20" fill="hold">
+                            <p:stCondLst>
+                              <p:cond delay="0"/>
+                            </p:stCondLst>
+                            <p:childTnLst>
+                              <p:par>
+                                <p:cTn id="21" presetID="1" presetClass="entr" presetSubtype="0" fill="hold" grpId="0" nodeType="clickEffect">
+                                  <p:stCondLst>
+                                    <p:cond delay="0"/>
+                                  </p:stCondLst>
+                                  <p:childTnLst>
+                                    <p:set>
+                                      <p:cBhvr>
+                                        <p:cTn id="22" dur="1" fill="hold">
+                                          <p:stCondLst>
+                                            <p:cond delay="0"/>
+                                          </p:stCondLst>
+                                        </p:cTn>
+                                        <p:tgtEl>
+                                          <p:spTgt spid="26"/>
+                                        </p:tgtEl>
+                                        <p:attrNameLst>
+                                          <p:attrName>style.visibility</p:attrName>
+                                        </p:attrNameLst>
+                                      </p:cBhvr>
+                                      <p:to>
+                                        <p:strVal val="visible"/>
+                                      </p:to>
+                                    </p:set>
+                                  </p:childTnLst>
+                                </p:cTn>
+                              </p:par>
+                              <p:par>
+                                <p:cTn id="23" presetID="1" presetClass="entr" presetSubtype="0" fill="hold" grpId="0" nodeType="withEffect">
+                                  <p:stCondLst>
+                                    <p:cond delay="0"/>
+                                  </p:stCondLst>
+                                  <p:childTnLst>
+                                    <p:set>
+                                      <p:cBhvr>
+                                        <p:cTn id="24" dur="1" fill="hold">
+                                          <p:stCondLst>
+                                            <p:cond delay="0"/>
+                                          </p:stCondLst>
+                                        </p:cTn>
+                                        <p:tgtEl>
+                                          <p:spTgt spid="28"/>
+                                        </p:tgtEl>
+                                        <p:attrNameLst>
+                                          <p:attrName>style.visibility</p:attrName>
+                                        </p:attrNameLst>
+                                      </p:cBhvr>
+                                      <p:to>
+                                        <p:strVal val="visible"/>
+                                      </p:to>
+                                    </p:set>
+                                  </p:childTnLst>
+                                </p:cTn>
+                              </p:par>
+                              <p:par>
+                                <p:cTn id="25" presetID="1" presetClass="entr" presetSubtype="0" fill="hold" grpId="0" nodeType="withEffect">
+                                  <p:stCondLst>
+                                    <p:cond delay="0"/>
+                                  </p:stCondLst>
+                                  <p:childTnLst>
+                                    <p:set>
+                                      <p:cBhvr>
+                                        <p:cTn id="26" dur="1" fill="hold">
                                           <p:stCondLst>
                                             <p:cond delay="0"/>
                                           </p:stCondLst>
@@ -21894,7 +22048,12 @@
             <p:ph type="body" sz="quarter" idx="13"/>
           </p:nvPr>
         </p:nvSpPr>
-        <p:spPr/>
+        <p:spPr>
+          <a:xfrm>
+            <a:off x="523586" y="1407655"/>
+            <a:ext cx="9049234" cy="5207396"/>
+          </a:xfrm>
+        </p:spPr>
         <p:txBody>
           <a:bodyPr vert="horz" lIns="108000" tIns="36000" rIns="108000" bIns="36000" rtlCol="0" anchor="t">
             <a:normAutofit fontScale="92500"/>
@@ -22043,36 +22202,24 @@
           <a:p>
             <a:pPr lvl="1" indent="-360045"/>
             <a:r>
-              <a:rPr lang="en-US" sz="3350" b="1" dirty="0">
-                <a:latin typeface="Consolas"/>
-              </a:rPr>
-              <a:t>Push(), Pop(), Peek(), </a:t>
-            </a:r>
-            <a:r>
-              <a:rPr lang="en-US" sz="3350" b="1" noProof="1">
-                <a:latin typeface="Consolas"/>
-              </a:rPr>
-              <a:t>ToArray(), </a:t>
-            </a:r>
-            <a:r>
-              <a:rPr lang="en-US" sz="3350" b="1" dirty="0">
-                <a:latin typeface="Consolas"/>
-              </a:rPr>
-              <a:t>Contains()</a:t>
-            </a:r>
-            <a:r>
               <a:rPr lang="en-US" sz="3350" dirty="0">
                 <a:latin typeface="Consolas"/>
               </a:rPr>
-              <a:t> и </a:t>
-            </a:r>
-            <a:r>
-              <a:rPr lang="en-US" sz="3350" b="1" dirty="0">
+              <a:t>Push(), Pop(), Peek(), </a:t>
+            </a:r>
+            <a:r>
+              <a:rPr lang="en-US" sz="3350" noProof="1">
                 <a:latin typeface="Consolas"/>
               </a:rPr>
-              <a:t>Count</a:t>
-            </a:r>
-            <a:endParaRPr lang="en-US" sz="3350" b="1" dirty="0">
+              <a:t>ToArray(), </a:t>
+            </a:r>
+            <a:r>
+              <a:rPr lang="en-US" sz="3350" dirty="0">
+                <a:latin typeface="Consolas"/>
+              </a:rPr>
+              <a:t>Contains() и Count</a:t>
+            </a:r>
+            <a:endParaRPr lang="en-US" sz="3350" dirty="0">
               <a:latin typeface="Consolas"/>
               <a:cs typeface="Calibri"/>
             </a:endParaRPr>
@@ -22159,19 +22306,19 @@
           <a:p>
             <a:pPr lvl="1" indent="-360045"/>
             <a:r>
-              <a:rPr lang="en-US" sz="3350" b="1" dirty="0">
+              <a:rPr lang="en-US" sz="3350" dirty="0">
                 <a:latin typeface="Consolas"/>
               </a:rPr>
               <a:t>Enqueue(), Dequeue(), Peek(), </a:t>
             </a:r>
             <a:r>
-              <a:rPr lang="en-US" sz="3350" b="1" noProof="1">
+              <a:rPr lang="en-US" sz="3350" noProof="1">
                 <a:latin typeface="Consolas"/>
               </a:rPr>
               <a:t>ToArray(), </a:t>
             </a:r>
             <a:r>
-              <a:rPr lang="en-US" sz="3350" b="1" dirty="0">
+              <a:rPr lang="en-US" sz="3350" dirty="0">
                 <a:latin typeface="Consolas"/>
               </a:rPr>
               <a:t>Contains()</a:t>
@@ -22181,12 +22328,12 @@
               <a:t> и </a:t>
             </a:r>
             <a:r>
-              <a:rPr lang="en-US" sz="3350" b="1" dirty="0">
+              <a:rPr lang="en-US" sz="3350" dirty="0">
                 <a:latin typeface="Consolas"/>
               </a:rPr>
               <a:t>Count</a:t>
             </a:r>
-            <a:endParaRPr lang="en-GB" sz="3399" b="1" dirty="0">
+            <a:endParaRPr lang="en-GB" sz="3399" dirty="0">
               <a:latin typeface="Consolas"/>
               <a:cs typeface="Calibri"/>
             </a:endParaRPr>
@@ -22696,7 +22843,7 @@
                 <a:ea typeface="+mj-lt"/>
                 <a:cs typeface="+mj-lt"/>
               </a:rPr>
-              <a:t>Сумана</a:t>
+              <a:t>Сума</a:t>
             </a:r>
             <a:r>
               <a:rPr lang="en-US" sz="3950" dirty="0">
@@ -23002,7 +23149,7 @@
                 <a:latin typeface="Consolas"/>
                 <a:cs typeface="Consolas" pitchFamily="49" charset="0"/>
               </a:rPr>
-              <a:t>TODO:Парсваме числата и ги добавяме</a:t>
+              <a:t>TODO: Парсваме числата и ги добавяме</a:t>
             </a:r>
             <a:endParaRPr lang="bg-BG" sz="2599" b="1" i="1" noProof="1">
               <a:solidFill>
@@ -23749,7 +23896,7 @@
                 <a:ea typeface="+mj-lt"/>
                 <a:cs typeface="+mj-lt"/>
               </a:rPr>
-              <a:t>Сумана</a:t>
+              <a:t>Сума</a:t>
             </a:r>
             <a:r>
               <a:rPr lang="en-US" sz="3950" dirty="0">
@@ -24903,7 +25050,7 @@
                                         <p:tgtEl>
                                           <p:spTgt spid="7">
                                             <p:txEl>
-                                              <p:pRg st="0" end="0"/>
+                                              <p:pRg st="1" end="1"/>
                                             </p:txEl>
                                           </p:spTgt>
                                         </p:tgtEl>
@@ -24937,7 +25084,7 @@
                             </p:stCondLst>
                             <p:childTnLst>
                               <p:par>
-                                <p:cTn id="9" presetID="1" presetClass="entr" presetSubtype="0" fill="hold" nodeType="clickEffect">
+                                <p:cTn id="9" presetID="1" presetClass="entr" presetSubtype="0" fill="hold" grpId="0" nodeType="clickEffect">
                                   <p:stCondLst>
                                     <p:cond delay="0"/>
                                   </p:stCondLst>
@@ -24945,55 +25092,6 @@
                                     <p:set>
                                       <p:cBhvr>
                                         <p:cTn id="10" dur="1" fill="hold">
-                                          <p:stCondLst>
-                                            <p:cond delay="0"/>
-                                          </p:stCondLst>
-                                        </p:cTn>
-                                        <p:tgtEl>
-                                          <p:spTgt spid="7">
-                                            <p:txEl>
-                                              <p:pRg st="1" end="1"/>
-                                            </p:txEl>
-                                          </p:spTgt>
-                                        </p:tgtEl>
-                                        <p:attrNameLst>
-                                          <p:attrName>style.visibility</p:attrName>
-                                        </p:attrNameLst>
-                                      </p:cBhvr>
-                                      <p:to>
-                                        <p:strVal val="visible"/>
-                                      </p:to>
-                                    </p:set>
-                                  </p:childTnLst>
-                                </p:cTn>
-                              </p:par>
-                            </p:childTnLst>
-                          </p:cTn>
-                        </p:par>
-                      </p:childTnLst>
-                    </p:cTn>
-                  </p:par>
-                  <p:par>
-                    <p:cTn id="11" fill="hold">
-                      <p:stCondLst>
-                        <p:cond delay="indefinite"/>
-                      </p:stCondLst>
-                      <p:childTnLst>
-                        <p:par>
-                          <p:cTn id="12" fill="hold">
-                            <p:stCondLst>
-                              <p:cond delay="0"/>
-                            </p:stCondLst>
-                            <p:childTnLst>
-                              <p:par>
-                                <p:cTn id="13" presetID="1" presetClass="entr" presetSubtype="0" fill="hold" grpId="0" nodeType="clickEffect">
-                                  <p:stCondLst>
-                                    <p:cond delay="0"/>
-                                  </p:stCondLst>
-                                  <p:childTnLst>
-                                    <p:set>
-                                      <p:cBhvr>
-                                        <p:cTn id="14" dur="1" fill="hold">
                                           <p:stCondLst>
                                             <p:cond delay="0"/>
                                           </p:stCondLst>
@@ -25013,14 +25111,14 @@
                                 </p:cTn>
                               </p:par>
                               <p:par>
-                                <p:cTn id="15" presetID="1" presetClass="entr" presetSubtype="0" fill="hold" grpId="0" nodeType="withEffect">
+                                <p:cTn id="11" presetID="1" presetClass="entr" presetSubtype="0" fill="hold" grpId="0" nodeType="withEffect">
                                   <p:stCondLst>
                                     <p:cond delay="0"/>
                                   </p:stCondLst>
                                   <p:childTnLst>
                                     <p:set>
                                       <p:cBhvr>
-                                        <p:cTn id="16" dur="1" fill="hold">
+                                        <p:cTn id="12" dur="1" fill="hold">
                                           <p:stCondLst>
                                             <p:cond delay="0"/>
                                           </p:stCondLst>
@@ -25040,14 +25138,14 @@
                                 </p:cTn>
                               </p:par>
                               <p:par>
-                                <p:cTn id="17" presetID="1" presetClass="entr" presetSubtype="0" fill="hold" grpId="0" nodeType="withEffect">
+                                <p:cTn id="13" presetID="1" presetClass="entr" presetSubtype="0" fill="hold" grpId="0" nodeType="withEffect">
                                   <p:stCondLst>
                                     <p:cond delay="0"/>
                                   </p:stCondLst>
                                   <p:childTnLst>
                                     <p:set>
                                       <p:cBhvr>
-                                        <p:cTn id="18" dur="1" fill="hold">
+                                        <p:cTn id="14" dur="1" fill="hold">
                                           <p:stCondLst>
                                             <p:cond delay="0"/>
                                           </p:stCondLst>
@@ -26020,6 +26118,68 @@
       </p:pic>
       <p:sp>
         <p:nvSpPr>
+          <p:cNvPr id="5" name="Subtitle 4">
+            <a:extLst>
+              <a:ext uri="{FF2B5EF4-FFF2-40B4-BE49-F238E27FC236}">
+                <a16:creationId xmlns:a16="http://schemas.microsoft.com/office/drawing/2014/main" id="{96674A86-12B0-8CE9-E016-E34C1CBBFAD1}"/>
+              </a:ext>
+            </a:extLst>
+          </p:cNvPr>
+          <p:cNvSpPr>
+            <a:spLocks noGrp="1"/>
+          </p:cNvSpPr>
+          <p:nvPr>
+            <p:ph type="subTitle" sz="quarter" idx="11"/>
+          </p:nvPr>
+        </p:nvSpPr>
+        <p:spPr/>
+        <p:txBody>
+          <a:bodyPr/>
+          <a:lstStyle/>
+          <a:p>
+            <a:r>
+              <a:rPr lang="en-US" sz="3600" b="1" dirty="0">
+                <a:latin typeface="Consolas"/>
+                <a:cs typeface="Calibri"/>
+              </a:rPr>
+              <a:t>Enqueue()</a:t>
+            </a:r>
+            <a:r>
+              <a:rPr lang="bg-BG" sz="3600" b="1" dirty="0">
+                <a:latin typeface="Consolas"/>
+                <a:cs typeface="Calibri"/>
+              </a:rPr>
+              <a:t>, </a:t>
+            </a:r>
+            <a:r>
+              <a:rPr lang="en-US" sz="3600" b="1" dirty="0">
+                <a:latin typeface="Consolas"/>
+                <a:cs typeface="Calibri"/>
+              </a:rPr>
+              <a:t>Dequeue() </a:t>
+            </a:r>
+            <a:r>
+              <a:rPr lang="bg-BG" sz="3600" b="1" dirty="0">
+                <a:latin typeface="Consolas"/>
+                <a:cs typeface="Calibri"/>
+              </a:rPr>
+              <a:t>, </a:t>
+            </a:r>
+            <a:r>
+              <a:rPr lang="en-US" sz="3600" b="1" dirty="0">
+                <a:latin typeface="Consolas"/>
+                <a:cs typeface="Calibri"/>
+              </a:rPr>
+              <a:t>Peek()</a:t>
+            </a:r>
+            <a:endParaRPr lang="en-US" sz="3600" b="1" dirty="0">
+              <a:latin typeface="Consolas"/>
+            </a:endParaRPr>
+          </a:p>
+        </p:txBody>
+      </p:sp>
+      <p:sp>
+        <p:nvSpPr>
           <p:cNvPr id="4" name="Title 3">
             <a:extLst>
               <a:ext uri="{FF2B5EF4-FFF2-40B4-BE49-F238E27FC236}">
@@ -26040,135 +26200,34 @@
           <a:lstStyle/>
           <a:p>
             <a:r>
-              <a:rPr lang="en-GB" sz="5350" dirty="0" err="1">
-                <a:cs typeface="Calibri"/>
-              </a:rPr>
+              <a:rPr lang="en-GB" dirty="0" err="1"/>
               <a:t>Общ</a:t>
             </a:r>
             <a:r>
-              <a:rPr lang="en-GB" sz="5350" dirty="0">
-                <a:cs typeface="Calibri"/>
-              </a:rPr>
+              <a:rPr lang="en-GB" dirty="0"/>
               <a:t> </a:t>
             </a:r>
             <a:r>
-              <a:rPr lang="en-GB" sz="5350" dirty="0" err="1">
-                <a:cs typeface="Calibri"/>
-              </a:rPr>
+              <a:rPr lang="en-GB" dirty="0" err="1"/>
               <a:t>преглед</a:t>
             </a:r>
             <a:r>
-              <a:rPr lang="en-GB" sz="5350" dirty="0">
-                <a:cs typeface="Calibri"/>
-              </a:rPr>
+              <a:rPr lang="en-GB" dirty="0"/>
               <a:t> и </a:t>
             </a:r>
             <a:r>
-              <a:rPr lang="en-GB" sz="5350" dirty="0" err="1">
-                <a:cs typeface="Calibri"/>
-              </a:rPr>
+              <a:rPr lang="en-GB" dirty="0" err="1"/>
               <a:t>работа</a:t>
             </a:r>
             <a:r>
-              <a:rPr lang="en-GB" sz="5350" dirty="0">
-                <a:cs typeface="Calibri"/>
-              </a:rPr>
+              <a:rPr lang="en-GB" dirty="0"/>
               <a:t> с </a:t>
             </a:r>
             <a:r>
-              <a:rPr lang="en-GB" sz="5350" dirty="0" err="1">
-                <a:cs typeface="Calibri"/>
-              </a:rPr>
+              <a:rPr lang="en-GB" dirty="0" err="1"/>
               <a:t>опашка</a:t>
             </a:r>
-            <a:endParaRPr lang="en-GB" sz="5350" b="0" dirty="0">
-              <a:ea typeface="+mj-lt"/>
-              <a:cs typeface="+mj-lt"/>
-            </a:endParaRPr>
-          </a:p>
-        </p:txBody>
-      </p:sp>
-      <p:sp>
-        <p:nvSpPr>
-          <p:cNvPr id="3" name="Текстово поле 2">
-            <a:extLst>
-              <a:ext uri="{FF2B5EF4-FFF2-40B4-BE49-F238E27FC236}">
-                <a16:creationId xmlns:a16="http://schemas.microsoft.com/office/drawing/2014/main" id="{EDD5744C-58A1-2E69-D3FF-D1CEBCA119B8}"/>
-              </a:ext>
-            </a:extLst>
-          </p:cNvPr>
-          <p:cNvSpPr txBox="1"/>
-          <p:nvPr/>
-        </p:nvSpPr>
-        <p:spPr>
-          <a:xfrm>
-            <a:off x="0" y="5725885"/>
-            <a:ext cx="12191999" cy="604049"/>
-          </a:xfrm>
-          <a:prstGeom prst="rect">
-            <a:avLst/>
-          </a:prstGeom>
-          <a:solidFill>
-            <a:schemeClr val="bg2"/>
-          </a:solidFill>
-          <a:ln w="12700">
-            <a:solidFill>
-              <a:schemeClr val="bg2"/>
-            </a:solidFill>
-          </a:ln>
-        </p:spPr>
-        <p:txBody>
-          <a:bodyPr rot="0" spcFirstLastPara="0" vertOverflow="overflow" horzOverflow="overflow" vert="horz" wrap="square" lIns="144000" tIns="108000" rIns="144000" bIns="108000" numCol="1" spcCol="0" rtlCol="0" fromWordArt="0" anchor="t" anchorCtr="0" forceAA="0" compatLnSpc="1">
-            <a:prstTxWarp prst="textNoShape">
-              <a:avLst/>
-            </a:prstTxWarp>
-            <a:spAutoFit/>
-          </a:bodyPr>
-          <a:lstStyle/>
-          <a:p>
-            <a:pPr algn="ctr">
-              <a:lnSpc>
-                <a:spcPct val="110000"/>
-              </a:lnSpc>
-            </a:pPr>
-            <a:r>
-              <a:rPr lang="en-US" sz="2400" b="1" dirty="0">
-                <a:latin typeface="Consolas"/>
-                <a:cs typeface="Calibri"/>
-              </a:rPr>
-              <a:t>Enqueue()</a:t>
-            </a:r>
-            <a:r>
-              <a:rPr lang="bg-BG" sz="2400" b="1" dirty="0">
-                <a:latin typeface="Consolas"/>
-                <a:cs typeface="Calibri"/>
-              </a:rPr>
-              <a:t>, </a:t>
-            </a:r>
-            <a:r>
-              <a:rPr lang="en-US" sz="2400" b="1" dirty="0">
-                <a:latin typeface="Consolas"/>
-                <a:cs typeface="Calibri"/>
-              </a:rPr>
-              <a:t>Dequeue() </a:t>
-            </a:r>
-            <a:r>
-              <a:rPr lang="bg-BG" sz="2400" b="1" dirty="0">
-                <a:latin typeface="Consolas"/>
-                <a:cs typeface="Calibri"/>
-              </a:rPr>
-              <a:t>, </a:t>
-            </a:r>
-            <a:r>
-              <a:rPr lang="en-US" sz="2400" b="1" dirty="0">
-                <a:latin typeface="Consolas"/>
-                <a:cs typeface="Calibri"/>
-              </a:rPr>
-              <a:t>Peek()</a:t>
-            </a:r>
-            <a:endParaRPr lang="en-US" b="1" dirty="0">
-              <a:latin typeface="Consolas"/>
-            </a:endParaRPr>
+            <a:endParaRPr lang="en-GB" dirty="0"/>
           </a:p>
         </p:txBody>
       </p:sp>
@@ -26220,12 +26279,7 @@
             <p:ph type="body" sz="quarter" idx="10"/>
           </p:nvPr>
         </p:nvSpPr>
-        <p:spPr>
-          <a:xfrm>
-            <a:off x="1597173" y="1248063"/>
-            <a:ext cx="10686207" cy="5263789"/>
-          </a:xfrm>
-        </p:spPr>
+        <p:spPr/>
         <p:txBody>
           <a:bodyPr vert="horz" lIns="108000" tIns="36000" rIns="108000" bIns="36000" rtlCol="0" anchor="t">
             <a:normAutofit/>
@@ -26383,7 +26437,7 @@
           <a:p>
             <a:pPr lvl="1" indent="-360045">
               <a:spcBef>
-                <a:spcPts val="800"/>
+                <a:spcPts val="2500"/>
               </a:spcBef>
               <a:spcAft>
                 <a:spcPts val="800"/>
@@ -26459,7 +26513,7 @@
           <a:p>
             <a:pPr lvl="1" indent="-360045">
               <a:spcBef>
-                <a:spcPts val="800"/>
+                <a:spcPts val="2500"/>
               </a:spcBef>
               <a:spcAft>
                 <a:spcPts val="800"/>
@@ -27339,7 +27393,7 @@
         </p:nvGrpSpPr>
         <p:grpSpPr>
           <a:xfrm>
-            <a:off x="2896434" y="5453473"/>
+            <a:off x="2896435" y="5832437"/>
             <a:ext cx="6415393" cy="697156"/>
             <a:chOff x="2894012" y="5712774"/>
             <a:chExt cx="6417064" cy="697338"/>
@@ -28045,7 +28099,7 @@
         </p:nvGrpSpPr>
         <p:grpSpPr>
           <a:xfrm>
-            <a:off x="2896433" y="3757623"/>
+            <a:off x="2896435" y="3906391"/>
             <a:ext cx="6415393" cy="1216702"/>
             <a:chOff x="2894012" y="3691254"/>
             <a:chExt cx="6417064" cy="1217019"/>
@@ -29012,9 +29066,36 @@
                                         <p:tgtEl>
                                           <p:spTgt spid="6">
                                             <p:txEl>
-                                              <p:pRg st="0" end="0"/>
+                                              <p:pRg st="1" end="1"/>
                                             </p:txEl>
                                           </p:spTgt>
+                                        </p:tgtEl>
+                                        <p:attrNameLst>
+                                          <p:attrName>style.visibility</p:attrName>
+                                        </p:attrNameLst>
+                                      </p:cBhvr>
+                                      <p:to>
+                                        <p:strVal val="visible"/>
+                                      </p:to>
+                                    </p:set>
+                                  </p:childTnLst>
+                                </p:cTn>
+                              </p:par>
+                              <p:par>
+                                <p:cTn id="7" presetID="1" presetClass="entr" presetSubtype="0" fill="hold" nodeType="withEffect">
+                                  <p:stCondLst>
+                                    <p:cond delay="0"/>
+                                  </p:stCondLst>
+                                  <p:childTnLst>
+                                    <p:set>
+                                      <p:cBhvr>
+                                        <p:cTn id="8" dur="1" fill="hold">
+                                          <p:stCondLst>
+                                            <p:cond delay="0"/>
+                                          </p:stCondLst>
+                                        </p:cTn>
+                                        <p:tgtEl>
+                                          <p:spTgt spid="15"/>
                                         </p:tgtEl>
                                         <p:attrNameLst>
                                           <p:attrName>style.visibility</p:attrName>
@@ -29034,26 +29115,26 @@
                     </p:cTn>
                   </p:par>
                   <p:par>
-                    <p:cTn id="7" fill="hold">
+                    <p:cTn id="9" fill="hold">
                       <p:stCondLst>
                         <p:cond delay="indefinite"/>
                       </p:stCondLst>
                       <p:childTnLst>
                         <p:par>
-                          <p:cTn id="8" fill="hold">
+                          <p:cTn id="10" fill="hold">
                             <p:stCondLst>
                               <p:cond delay="0"/>
                             </p:stCondLst>
                             <p:childTnLst>
                               <p:par>
-                                <p:cTn id="9" presetID="1" presetClass="entr" presetSubtype="0" fill="hold" nodeType="clickEffect">
+                                <p:cTn id="11" presetID="1" presetClass="entr" presetSubtype="0" fill="hold" nodeType="clickEffect">
                                   <p:stCondLst>
                                     <p:cond delay="0"/>
                                   </p:stCondLst>
                                   <p:childTnLst>
                                     <p:set>
                                       <p:cBhvr>
-                                        <p:cTn id="10" dur="1" fill="hold">
+                                        <p:cTn id="12" dur="1" fill="hold">
                                           <p:stCondLst>
                                             <p:cond delay="0"/>
                                           </p:stCondLst>
@@ -29061,7 +29142,7 @@
                                         <p:tgtEl>
                                           <p:spTgt spid="6">
                                             <p:txEl>
-                                              <p:pRg st="1" end="1"/>
+                                              <p:pRg st="3" end="3"/>
                                             </p:txEl>
                                           </p:spTgt>
                                         </p:tgtEl>
@@ -29076,26 +29157,8 @@
                                   </p:childTnLst>
                                 </p:cTn>
                               </p:par>
-                            </p:childTnLst>
-                          </p:cTn>
-                        </p:par>
-                      </p:childTnLst>
-                    </p:cTn>
-                  </p:par>
-                  <p:par>
-                    <p:cTn id="11" fill="hold">
-                      <p:stCondLst>
-                        <p:cond delay="indefinite"/>
-                      </p:stCondLst>
-                      <p:childTnLst>
-                        <p:par>
-                          <p:cTn id="12" fill="hold">
-                            <p:stCondLst>
-                              <p:cond delay="0"/>
-                            </p:stCondLst>
-                            <p:childTnLst>
                               <p:par>
-                                <p:cTn id="13" presetID="1" presetClass="entr" presetSubtype="0" fill="hold" nodeType="clickEffect">
+                                <p:cTn id="13" presetID="1" presetClass="entr" presetSubtype="0" fill="hold" nodeType="withEffect">
                                   <p:stCondLst>
                                     <p:cond delay="0"/>
                                   </p:stCondLst>
@@ -29108,7 +29171,7 @@
                                           </p:stCondLst>
                                         </p:cTn>
                                         <p:tgtEl>
-                                          <p:spTgt spid="15"/>
+                                          <p:spTgt spid="3"/>
                                         </p:tgtEl>
                                         <p:attrNameLst>
                                           <p:attrName>style.visibility</p:attrName>
@@ -29155,7 +29218,7 @@
                                         <p:tgtEl>
                                           <p:spTgt spid="6">
                                             <p:txEl>
-                                              <p:pRg st="3" end="3"/>
+                                              <p:pRg st="5" end="5"/>
                                             </p:txEl>
                                           </p:spTgt>
                                         </p:tgtEl>
@@ -29179,82 +29242,6 @@
                                     <p:set>
                                       <p:cBhvr>
                                         <p:cTn id="20" dur="1" fill="hold">
-                                          <p:stCondLst>
-                                            <p:cond delay="0"/>
-                                          </p:stCondLst>
-                                        </p:cTn>
-                                        <p:tgtEl>
-                                          <p:spTgt spid="3"/>
-                                        </p:tgtEl>
-                                        <p:attrNameLst>
-                                          <p:attrName>style.visibility</p:attrName>
-                                        </p:attrNameLst>
-                                      </p:cBhvr>
-                                      <p:to>
-                                        <p:strVal val="visible"/>
-                                      </p:to>
-                                    </p:set>
-                                  </p:childTnLst>
-                                </p:cTn>
-                              </p:par>
-                            </p:childTnLst>
-                          </p:cTn>
-                        </p:par>
-                      </p:childTnLst>
-                    </p:cTn>
-                  </p:par>
-                  <p:par>
-                    <p:cTn id="21" fill="hold">
-                      <p:stCondLst>
-                        <p:cond delay="indefinite"/>
-                      </p:stCondLst>
-                      <p:childTnLst>
-                        <p:par>
-                          <p:cTn id="22" fill="hold">
-                            <p:stCondLst>
-                              <p:cond delay="0"/>
-                            </p:stCondLst>
-                            <p:childTnLst>
-                              <p:par>
-                                <p:cTn id="23" presetID="1" presetClass="entr" presetSubtype="0" fill="hold" nodeType="clickEffect">
-                                  <p:stCondLst>
-                                    <p:cond delay="0"/>
-                                  </p:stCondLst>
-                                  <p:childTnLst>
-                                    <p:set>
-                                      <p:cBhvr>
-                                        <p:cTn id="24" dur="1" fill="hold">
-                                          <p:stCondLst>
-                                            <p:cond delay="0"/>
-                                          </p:stCondLst>
-                                        </p:cTn>
-                                        <p:tgtEl>
-                                          <p:spTgt spid="6">
-                                            <p:txEl>
-                                              <p:pRg st="5" end="5"/>
-                                            </p:txEl>
-                                          </p:spTgt>
-                                        </p:tgtEl>
-                                        <p:attrNameLst>
-                                          <p:attrName>style.visibility</p:attrName>
-                                        </p:attrNameLst>
-                                      </p:cBhvr>
-                                      <p:to>
-                                        <p:strVal val="visible"/>
-                                      </p:to>
-                                    </p:set>
-                                  </p:childTnLst>
-                                </p:cTn>
-                              </p:par>
-                              <p:par>
-                                <p:cTn id="25" presetID="1" presetClass="entr" presetSubtype="0" fill="hold" nodeType="withEffect">
-                                  <p:stCondLst>
-                                    <p:cond delay="0"/>
-                                  </p:stCondLst>
-                                  <p:childTnLst>
-                                    <p:set>
-                                      <p:cBhvr>
-                                        <p:cTn id="26" dur="1" fill="hold">
                                           <p:stCondLst>
                                             <p:cond delay="0"/>
                                           </p:stCondLst>
@@ -35097,7 +35084,7 @@
                                         <p:tgtEl>
                                           <p:spTgt spid="7">
                                             <p:txEl>
-                                              <p:pRg st="0" end="0"/>
+                                              <p:pRg st="1" end="1"/>
                                             </p:txEl>
                                           </p:spTgt>
                                         </p:tgtEl>
@@ -35146,7 +35133,7 @@
                                         <p:tgtEl>
                                           <p:spTgt spid="7">
                                             <p:txEl>
-                                              <p:pRg st="1" end="1"/>
+                                              <p:pRg st="2" end="2"/>
                                             </p:txEl>
                                           </p:spTgt>
                                         </p:tgtEl>
@@ -35195,7 +35182,7 @@
                                         <p:tgtEl>
                                           <p:spTgt spid="7">
                                             <p:txEl>
-                                              <p:pRg st="2" end="2"/>
+                                              <p:pRg st="3" end="3"/>
                                             </p:txEl>
                                           </p:spTgt>
                                         </p:tgtEl>
@@ -35229,7 +35216,7 @@
                             </p:stCondLst>
                             <p:childTnLst>
                               <p:par>
-                                <p:cTn id="17" presetID="1" presetClass="entr" presetSubtype="0" fill="hold" nodeType="clickEffect">
+                                <p:cTn id="17" presetID="1" presetClass="entr" presetSubtype="0" fill="hold" grpId="0" nodeType="clickEffect">
                                   <p:stCondLst>
                                     <p:cond delay="0"/>
                                   </p:stCondLst>
@@ -35237,55 +35224,6 @@
                                     <p:set>
                                       <p:cBhvr>
                                         <p:cTn id="18" dur="1" fill="hold">
-                                          <p:stCondLst>
-                                            <p:cond delay="0"/>
-                                          </p:stCondLst>
-                                        </p:cTn>
-                                        <p:tgtEl>
-                                          <p:spTgt spid="7">
-                                            <p:txEl>
-                                              <p:pRg st="3" end="3"/>
-                                            </p:txEl>
-                                          </p:spTgt>
-                                        </p:tgtEl>
-                                        <p:attrNameLst>
-                                          <p:attrName>style.visibility</p:attrName>
-                                        </p:attrNameLst>
-                                      </p:cBhvr>
-                                      <p:to>
-                                        <p:strVal val="visible"/>
-                                      </p:to>
-                                    </p:set>
-                                  </p:childTnLst>
-                                </p:cTn>
-                              </p:par>
-                            </p:childTnLst>
-                          </p:cTn>
-                        </p:par>
-                      </p:childTnLst>
-                    </p:cTn>
-                  </p:par>
-                  <p:par>
-                    <p:cTn id="19" fill="hold">
-                      <p:stCondLst>
-                        <p:cond delay="indefinite"/>
-                      </p:stCondLst>
-                      <p:childTnLst>
-                        <p:par>
-                          <p:cTn id="20" fill="hold">
-                            <p:stCondLst>
-                              <p:cond delay="0"/>
-                            </p:stCondLst>
-                            <p:childTnLst>
-                              <p:par>
-                                <p:cTn id="21" presetID="1" presetClass="entr" presetSubtype="0" fill="hold" grpId="0" nodeType="clickEffect">
-                                  <p:stCondLst>
-                                    <p:cond delay="0"/>
-                                  </p:stCondLst>
-                                  <p:childTnLst>
-                                    <p:set>
-                                      <p:cBhvr>
-                                        <p:cTn id="22" dur="1" fill="hold">
                                           <p:stCondLst>
                                             <p:cond delay="0"/>
                                           </p:stCondLst>
@@ -35305,14 +35243,14 @@
                                 </p:cTn>
                               </p:par>
                               <p:par>
-                                <p:cTn id="23" presetID="1" presetClass="entr" presetSubtype="0" fill="hold" grpId="0" nodeType="withEffect">
+                                <p:cTn id="19" presetID="1" presetClass="entr" presetSubtype="0" fill="hold" grpId="0" nodeType="withEffect">
                                   <p:stCondLst>
                                     <p:cond delay="0"/>
                                   </p:stCondLst>
                                   <p:childTnLst>
                                     <p:set>
                                       <p:cBhvr>
-                                        <p:cTn id="24" dur="1" fill="hold">
+                                        <p:cTn id="20" dur="1" fill="hold">
                                           <p:stCondLst>
                                             <p:cond delay="0"/>
                                           </p:stCondLst>
@@ -35332,14 +35270,14 @@
                                 </p:cTn>
                               </p:par>
                               <p:par>
-                                <p:cTn id="25" presetID="1" presetClass="entr" presetSubtype="0" fill="hold" grpId="0" nodeType="withEffect">
+                                <p:cTn id="21" presetID="1" presetClass="entr" presetSubtype="0" fill="hold" grpId="0" nodeType="withEffect">
                                   <p:stCondLst>
                                     <p:cond delay="0"/>
                                   </p:stCondLst>
                                   <p:childTnLst>
                                     <p:set>
                                       <p:cBhvr>
-                                        <p:cTn id="26" dur="1" fill="hold">
+                                        <p:cTn id="22" dur="1" fill="hold">
                                           <p:stCondLst>
                                             <p:cond delay="0"/>
                                           </p:stCondLst>
@@ -35463,13 +35401,9 @@
           <a:lstStyle/>
           <a:p>
             <a:r>
-              <a:rPr lang="bg-BG" sz="5350" dirty="0">
-                <a:ea typeface="+mj-lt"/>
-                <a:cs typeface="+mj-lt"/>
-              </a:rPr>
+              <a:rPr lang="bg-BG" dirty="0"/>
               <a:t>Линейни структури от данни</a:t>
             </a:r>
-            <a:endParaRPr lang="bg-BG" dirty="0"/>
           </a:p>
         </p:txBody>
       </p:sp>
@@ -37290,13 +37224,13 @@
         </p:nvSpPr>
         <p:spPr bwMode="auto">
           <a:xfrm>
-            <a:off x="38481" y="4249677"/>
+            <a:off x="168331" y="4621095"/>
             <a:ext cx="2556869" cy="1018235"/>
           </a:xfrm>
           <a:prstGeom prst="wedgeRoundRectCallout">
             <a:avLst>
-              <a:gd name="adj1" fmla="val 51170"/>
-              <a:gd name="adj2" fmla="val -82218"/>
+              <a:gd name="adj1" fmla="val 42656"/>
+              <a:gd name="adj2" fmla="val -108945"/>
               <a:gd name="adj3" fmla="val 16667"/>
             </a:avLst>
           </a:prstGeom>
@@ -37425,7 +37359,7 @@
         <p:spPr bwMode="auto">
           <a:xfrm>
             <a:off x="4926305" y="4913614"/>
-            <a:ext cx="2744695" cy="1018235"/>
+            <a:ext cx="2789695" cy="1018235"/>
           </a:xfrm>
           <a:prstGeom prst="wedgeRoundRectCallout">
             <a:avLst>
@@ -37495,7 +37429,7 @@
               </a:rPr>
               <a:t> </a:t>
             </a:r>
-            <a:r>
+            <a:br>
               <a:rPr lang="bg-BG" sz="2350" b="1" dirty="0">
                 <a:solidFill>
                   <a:srgbClr val="FFFFFF"/>
@@ -37503,8 +37437,7 @@
                 <a:ea typeface="+mn-lt"/>
                 <a:cs typeface="+mn-lt"/>
               </a:rPr>
-              <a:t>   </a:t>
-            </a:r>
+            </a:br>
             <a:r>
               <a:rPr lang="en-US" sz="2350" b="1" dirty="0" err="1">
                 <a:solidFill>
@@ -37513,7 +37446,7 @@
                 <a:ea typeface="+mn-lt"/>
                 <a:cs typeface="+mn-lt"/>
               </a:rPr>
-              <a:t>вътрешният</a:t>
+              <a:t>вътрешния</a:t>
             </a:r>
             <a:r>
               <a:rPr lang="en-US" sz="2350" b="1" dirty="0">
@@ -37526,7 +37459,7 @@
               <a:t> </a:t>
             </a:r>
             <a:r>
-              <a:rPr lang="en-US" sz="2350" b="1" dirty="0" err="1">
+              <a:rPr lang="bg-BG" sz="2350" b="1" dirty="0">
                 <a:solidFill>
                   <a:srgbClr val="FFFFFF"/>
                 </a:solidFill>
@@ -37534,14 +37467,6 @@
                 <a:cs typeface="+mn-lt"/>
               </a:rPr>
               <a:t>масив</a:t>
-            </a:r>
-            <a:r>
-              <a:rPr lang="en-US" sz="2350" b="1" dirty="0">
-                <a:solidFill>
-                  <a:srgbClr val="FFFFFF"/>
-                </a:solidFill>
-              </a:rPr>
-              <a:t> </a:t>
             </a:r>
             <a:endParaRPr lang="bg-BG" sz="2350" b="1" dirty="0">
               <a:solidFill>
@@ -38722,7 +38647,7 @@
                                         <p:tgtEl>
                                           <p:spTgt spid="7">
                                             <p:txEl>
-                                              <p:pRg st="0" end="0"/>
+                                              <p:pRg st="1" end="1"/>
                                             </p:txEl>
                                           </p:spTgt>
                                         </p:tgtEl>
@@ -38771,7 +38696,7 @@
                                         <p:tgtEl>
                                           <p:spTgt spid="7">
                                             <p:txEl>
-                                              <p:pRg st="1" end="1"/>
+                                              <p:pRg st="2" end="2"/>
                                             </p:txEl>
                                           </p:spTgt>
                                         </p:tgtEl>
@@ -38805,7 +38730,7 @@
                             </p:stCondLst>
                             <p:childTnLst>
                               <p:par>
-                                <p:cTn id="13" presetID="1" presetClass="entr" presetSubtype="0" fill="hold" nodeType="clickEffect">
+                                <p:cTn id="13" presetID="1" presetClass="entr" presetSubtype="0" fill="hold" grpId="0" nodeType="clickEffect">
                                   <p:stCondLst>
                                     <p:cond delay="0"/>
                                   </p:stCondLst>
@@ -38813,55 +38738,6 @@
                                     <p:set>
                                       <p:cBhvr>
                                         <p:cTn id="14" dur="1" fill="hold">
-                                          <p:stCondLst>
-                                            <p:cond delay="0"/>
-                                          </p:stCondLst>
-                                        </p:cTn>
-                                        <p:tgtEl>
-                                          <p:spTgt spid="7">
-                                            <p:txEl>
-                                              <p:pRg st="2" end="2"/>
-                                            </p:txEl>
-                                          </p:spTgt>
-                                        </p:tgtEl>
-                                        <p:attrNameLst>
-                                          <p:attrName>style.visibility</p:attrName>
-                                        </p:attrNameLst>
-                                      </p:cBhvr>
-                                      <p:to>
-                                        <p:strVal val="visible"/>
-                                      </p:to>
-                                    </p:set>
-                                  </p:childTnLst>
-                                </p:cTn>
-                              </p:par>
-                            </p:childTnLst>
-                          </p:cTn>
-                        </p:par>
-                      </p:childTnLst>
-                    </p:cTn>
-                  </p:par>
-                  <p:par>
-                    <p:cTn id="15" fill="hold">
-                      <p:stCondLst>
-                        <p:cond delay="indefinite"/>
-                      </p:stCondLst>
-                      <p:childTnLst>
-                        <p:par>
-                          <p:cTn id="16" fill="hold">
-                            <p:stCondLst>
-                              <p:cond delay="0"/>
-                            </p:stCondLst>
-                            <p:childTnLst>
-                              <p:par>
-                                <p:cTn id="17" presetID="1" presetClass="entr" presetSubtype="0" fill="hold" grpId="0" nodeType="clickEffect">
-                                  <p:stCondLst>
-                                    <p:cond delay="0"/>
-                                  </p:stCondLst>
-                                  <p:childTnLst>
-                                    <p:set>
-                                      <p:cBhvr>
-                                        <p:cTn id="18" dur="1" fill="hold">
                                           <p:stCondLst>
                                             <p:cond delay="0"/>
                                           </p:stCondLst>
@@ -38881,14 +38757,14 @@
                                 </p:cTn>
                               </p:par>
                               <p:par>
-                                <p:cTn id="19" presetID="1" presetClass="entr" presetSubtype="0" fill="hold" grpId="0" nodeType="withEffect">
+                                <p:cTn id="15" presetID="1" presetClass="entr" presetSubtype="0" fill="hold" grpId="0" nodeType="withEffect">
                                   <p:stCondLst>
                                     <p:cond delay="0"/>
                                   </p:stCondLst>
                                   <p:childTnLst>
                                     <p:set>
                                       <p:cBhvr>
-                                        <p:cTn id="20" dur="1" fill="hold">
+                                        <p:cTn id="16" dur="1" fill="hold">
                                           <p:stCondLst>
                                             <p:cond delay="0"/>
                                           </p:stCondLst>
@@ -38908,14 +38784,14 @@
                                 </p:cTn>
                               </p:par>
                               <p:par>
-                                <p:cTn id="21" presetID="1" presetClass="entr" presetSubtype="0" fill="hold" grpId="0" nodeType="withEffect">
+                                <p:cTn id="17" presetID="1" presetClass="entr" presetSubtype="0" fill="hold" grpId="0" nodeType="withEffect">
                                   <p:stCondLst>
                                     <p:cond delay="0"/>
                                   </p:stCondLst>
                                   <p:childTnLst>
                                     <p:set>
                                       <p:cBhvr>
-                                        <p:cTn id="22" dur="1" fill="hold">
+                                        <p:cTn id="18" dur="1" fill="hold">
                                           <p:stCondLst>
                                             <p:cond delay="0"/>
                                           </p:stCondLst>
@@ -41471,970 +41347,6 @@
       </p:grpSpPr>
       <p:sp>
         <p:nvSpPr>
-          <p:cNvPr id="3" name="Content Placeholder 2"/>
-          <p:cNvSpPr>
-            <a:spLocks noGrp="1"/>
-          </p:cNvSpPr>
-          <p:nvPr>
-            <p:ph type="body" sz="quarter" idx="10"/>
-          </p:nvPr>
-        </p:nvSpPr>
-        <p:spPr>
-          <a:xfrm>
-            <a:off x="191940" y="3397696"/>
-            <a:ext cx="11815018" cy="3326337"/>
-          </a:xfrm>
-        </p:spPr>
-        <p:txBody>
-          <a:bodyPr vert="horz" lIns="108000" tIns="36000" rIns="108000" bIns="36000" rtlCol="0" anchor="t">
-            <a:normAutofit/>
-          </a:bodyPr>
-          <a:lstStyle/>
-          <a:p>
-            <a:pPr marL="360045" indent="-360045">
-              <a:lnSpc>
-                <a:spcPct val="100000"/>
-              </a:lnSpc>
-            </a:pPr>
-            <a:r>
-              <a:rPr lang="en-US" sz="3350" dirty="0"/>
-              <a:t>Примери </a:t>
-            </a:r>
-            <a:r>
-              <a:rPr lang="en-US" sz="3350" dirty="0" err="1"/>
-              <a:t>за</a:t>
-            </a:r>
-            <a:r>
-              <a:rPr lang="en-US" sz="3350" dirty="0"/>
-              <a:t> </a:t>
-            </a:r>
-            <a:r>
-              <a:rPr lang="en-US" sz="3350" dirty="0" err="1"/>
-              <a:t>структ</a:t>
-            </a:r>
-            <a:r>
-              <a:rPr lang="bg-BG" sz="3350" dirty="0"/>
-              <a:t>у</a:t>
-            </a:r>
-            <a:r>
-              <a:rPr lang="en-US" sz="3350" dirty="0" err="1"/>
-              <a:t>ра</a:t>
-            </a:r>
-            <a:r>
-              <a:rPr lang="en-US" sz="3350" dirty="0"/>
-              <a:t> </a:t>
-            </a:r>
-            <a:r>
-              <a:rPr lang="en-US" sz="3350" dirty="0" err="1"/>
-              <a:t>от</a:t>
-            </a:r>
-            <a:r>
-              <a:rPr lang="en-US" sz="3350" dirty="0"/>
-              <a:t> </a:t>
-            </a:r>
-            <a:r>
-              <a:rPr lang="en-US" sz="3350" dirty="0" err="1"/>
-              <a:t>данни</a:t>
-            </a:r>
-            <a:r>
-              <a:rPr lang="en-US" sz="3350" dirty="0"/>
-              <a:t>: </a:t>
-            </a:r>
-            <a:endParaRPr lang="bg-BG" dirty="0"/>
-          </a:p>
-          <a:p>
-            <a:pPr lvl="1" indent="-360045">
-              <a:lnSpc>
-                <a:spcPct val="100000"/>
-              </a:lnSpc>
-              <a:buClr>
-                <a:schemeClr val="tx1"/>
-              </a:buClr>
-            </a:pPr>
-            <a:r>
-              <a:rPr lang="en-US" sz="3150" dirty="0" err="1">
-                <a:solidFill>
-                  <a:schemeClr val="tx1">
-                    <a:lumMod val="75000"/>
-                  </a:schemeClr>
-                </a:solidFill>
-                <a:latin typeface="Calibri"/>
-                <a:cs typeface="Calibri"/>
-              </a:rPr>
-              <a:t>Структура</a:t>
-            </a:r>
-            <a:r>
-              <a:rPr lang="en-US" sz="3150" dirty="0">
-                <a:solidFill>
-                  <a:schemeClr val="tx1">
-                    <a:lumMod val="75000"/>
-                  </a:schemeClr>
-                </a:solidFill>
-                <a:latin typeface="Consolas"/>
-              </a:rPr>
-              <a:t> </a:t>
-            </a:r>
-            <a:r>
-              <a:rPr lang="en-US" sz="3150" b="1" dirty="0">
-                <a:solidFill>
-                  <a:schemeClr val="bg1"/>
-                </a:solidFill>
-                <a:latin typeface="Consolas"/>
-              </a:rPr>
-              <a:t>Person</a:t>
-            </a:r>
-            <a:r>
-              <a:rPr lang="en-US" sz="3150" dirty="0"/>
-              <a:t> (</a:t>
-            </a:r>
-            <a:r>
-              <a:rPr lang="en-US" sz="3150" dirty="0" err="1"/>
-              <a:t>име</a:t>
-            </a:r>
-            <a:r>
-              <a:rPr lang="en-US" sz="3150" dirty="0"/>
-              <a:t> + </a:t>
-            </a:r>
-            <a:r>
-              <a:rPr lang="en-US" sz="3150" dirty="0" err="1"/>
-              <a:t>фамилия</a:t>
-            </a:r>
-            <a:r>
-              <a:rPr lang="en-US" sz="3150" dirty="0"/>
-              <a:t> + </a:t>
-            </a:r>
-            <a:r>
-              <a:rPr lang="en-US" sz="3150" dirty="0" err="1"/>
-              <a:t>възраст</a:t>
-            </a:r>
-            <a:r>
-              <a:rPr lang="en-US" sz="3150" dirty="0"/>
-              <a:t>)</a:t>
-            </a:r>
-            <a:endParaRPr lang="en-US" sz="3150" dirty="0">
-              <a:cs typeface="Calibri"/>
-            </a:endParaRPr>
-          </a:p>
-          <a:p>
-            <a:pPr lvl="1" indent="-360045">
-              <a:lnSpc>
-                <a:spcPct val="100000"/>
-              </a:lnSpc>
-            </a:pPr>
-            <a:r>
-              <a:rPr lang="bg-BG" sz="3150" dirty="0"/>
-              <a:t>Масив от числа – </a:t>
-            </a:r>
-            <a:r>
-              <a:rPr lang="en-US" sz="3150" b="1" noProof="1">
-                <a:solidFill>
-                  <a:schemeClr val="bg1"/>
-                </a:solidFill>
-                <a:latin typeface="Consolas"/>
-                <a:cs typeface="Consolas" panose="020B0609020204030204" pitchFamily="49" charset="0"/>
-              </a:rPr>
-              <a:t>int[]</a:t>
-            </a:r>
-          </a:p>
-          <a:p>
-            <a:pPr lvl="1" indent="-360045">
-              <a:lnSpc>
-                <a:spcPct val="100000"/>
-              </a:lnSpc>
-            </a:pPr>
-            <a:r>
-              <a:rPr lang="bg-BG" sz="3150" dirty="0"/>
-              <a:t>Списък от низове – </a:t>
-            </a:r>
-            <a:r>
-              <a:rPr lang="en-US" sz="3150" b="1" dirty="0">
-                <a:solidFill>
-                  <a:schemeClr val="bg1"/>
-                </a:solidFill>
-                <a:latin typeface="Consolas"/>
-                <a:cs typeface="Consolas" panose="020B0609020204030204" pitchFamily="49" charset="0"/>
-              </a:rPr>
-              <a:t>List&lt;string&gt;</a:t>
-            </a:r>
-          </a:p>
-          <a:p>
-            <a:pPr lvl="1" indent="-360045">
-              <a:lnSpc>
-                <a:spcPct val="100000"/>
-              </a:lnSpc>
-            </a:pPr>
-            <a:r>
-              <a:rPr lang="bg-BG" sz="3150" dirty="0"/>
-              <a:t>Опашка от хора – </a:t>
-            </a:r>
-            <a:r>
-              <a:rPr lang="en-US" sz="3150" b="1" dirty="0">
-                <a:solidFill>
-                  <a:schemeClr val="bg1"/>
-                </a:solidFill>
-                <a:latin typeface="Consolas"/>
-                <a:cs typeface="Consolas" panose="020B0609020204030204" pitchFamily="49" charset="0"/>
-              </a:rPr>
-              <a:t>Queue&lt;Person&gt;</a:t>
-            </a:r>
-          </a:p>
-        </p:txBody>
-      </p:sp>
-      <p:sp>
-        <p:nvSpPr>
-          <p:cNvPr id="2" name="Title 1"/>
-          <p:cNvSpPr>
-            <a:spLocks noGrp="1"/>
-          </p:cNvSpPr>
-          <p:nvPr>
-            <p:ph type="title"/>
-          </p:nvPr>
-        </p:nvSpPr>
-        <p:spPr/>
-        <p:txBody>
-          <a:bodyPr/>
-          <a:lstStyle/>
-          <a:p>
-            <a:r>
-              <a:rPr lang="en-US" sz="3950" dirty="0" err="1"/>
-              <a:t>Какво</a:t>
-            </a:r>
-            <a:r>
-              <a:rPr lang="en-US" sz="3950" dirty="0"/>
-              <a:t> е </a:t>
-            </a:r>
-            <a:r>
-              <a:rPr lang="en-US" sz="3950" dirty="0" err="1"/>
-              <a:t>структ</a:t>
-            </a:r>
-            <a:r>
-              <a:rPr lang="bg-BG" sz="3950" dirty="0"/>
-              <a:t>у</a:t>
-            </a:r>
-            <a:r>
-              <a:rPr lang="en-US" sz="3950" dirty="0" err="1"/>
-              <a:t>ра</a:t>
-            </a:r>
-            <a:r>
-              <a:rPr lang="en-US" sz="3950" dirty="0"/>
-              <a:t> </a:t>
-            </a:r>
-            <a:r>
-              <a:rPr lang="en-US" sz="3950" dirty="0" err="1"/>
-              <a:t>от</a:t>
-            </a:r>
-            <a:r>
-              <a:rPr lang="en-US" sz="3950" dirty="0"/>
-              <a:t> </a:t>
-            </a:r>
-            <a:r>
-              <a:rPr lang="en-US" sz="3950" dirty="0" err="1"/>
-              <a:t>данни</a:t>
-            </a:r>
-            <a:r>
-              <a:rPr lang="en-US" sz="3950" dirty="0"/>
-              <a:t>?</a:t>
-            </a:r>
-          </a:p>
-        </p:txBody>
-      </p:sp>
-      <p:grpSp>
-        <p:nvGrpSpPr>
-          <p:cNvPr id="10" name="Group 9"/>
-          <p:cNvGrpSpPr/>
-          <p:nvPr/>
-        </p:nvGrpSpPr>
-        <p:grpSpPr>
-          <a:xfrm>
-            <a:off x="915751" y="1219430"/>
-            <a:ext cx="10360501" cy="2065554"/>
-            <a:chOff x="912812" y="1066800"/>
-            <a:chExt cx="10363200" cy="2066092"/>
-          </a:xfrm>
-        </p:grpSpPr>
-        <p:sp>
-          <p:nvSpPr>
-            <p:cNvPr id="5" name="Rounded Rectangle 4"/>
-            <p:cNvSpPr>
-              <a:spLocks noChangeArrowheads="1"/>
-            </p:cNvSpPr>
-            <p:nvPr/>
-          </p:nvSpPr>
-          <p:spPr bwMode="auto">
-            <a:xfrm>
-              <a:off x="912812" y="1066800"/>
-              <a:ext cx="10363200" cy="2066092"/>
-            </a:xfrm>
-            <a:prstGeom prst="roundRect">
-              <a:avLst>
-                <a:gd name="adj" fmla="val 1738"/>
-              </a:avLst>
-            </a:prstGeom>
-            <a:solidFill>
-              <a:schemeClr val="accent5">
-                <a:lumMod val="40000"/>
-                <a:lumOff val="60000"/>
-                <a:alpha val="15000"/>
-              </a:schemeClr>
-            </a:solidFill>
-            <a:ln w="12700">
-              <a:solidFill>
-                <a:schemeClr val="accent5">
-                  <a:lumMod val="60000"/>
-                  <a:lumOff val="40000"/>
-                </a:schemeClr>
-              </a:solidFill>
-            </a:ln>
-          </p:spPr>
-          <p:txBody>
-            <a:bodyPr wrap="square" lIns="143963" tIns="107972" rIns="143963" bIns="107972" anchor="t">
-              <a:spAutoFit/>
-            </a:bodyPr>
-            <a:lstStyle/>
-            <a:p>
-              <a:pPr eaLnBrk="0" hangingPunct="0">
-                <a:lnSpc>
-                  <a:spcPct val="110000"/>
-                </a:lnSpc>
-                <a:buClr>
-                  <a:schemeClr val="accent5">
-                    <a:lumMod val="40000"/>
-                    <a:lumOff val="60000"/>
-                  </a:schemeClr>
-                </a:buClr>
-                <a:buSzPct val="70000"/>
-              </a:pPr>
-              <a:r>
-                <a:rPr lang="en-US" sz="3550" b="1" dirty="0"/>
-                <a:t>“</a:t>
-              </a:r>
-              <a:r>
-                <a:rPr lang="en-US" sz="3550" b="1" dirty="0">
-                  <a:ea typeface="+mn-lt"/>
-                  <a:cs typeface="+mn-lt"/>
-                </a:rPr>
-                <a:t>В </a:t>
-              </a:r>
-              <a:r>
-                <a:rPr lang="en-US" sz="3550" b="1" dirty="0" err="1">
-                  <a:ea typeface="+mn-lt"/>
-                  <a:cs typeface="+mn-lt"/>
-                </a:rPr>
-                <a:t>комютърните</a:t>
-              </a:r>
-              <a:r>
-                <a:rPr lang="en-US" sz="3550" b="1" dirty="0">
-                  <a:ea typeface="+mn-lt"/>
-                  <a:cs typeface="+mn-lt"/>
-                </a:rPr>
-                <a:t> </a:t>
-              </a:r>
-              <a:r>
-                <a:rPr lang="en-US" sz="3550" b="1" dirty="0" err="1">
-                  <a:ea typeface="+mn-lt"/>
-                  <a:cs typeface="+mn-lt"/>
-                </a:rPr>
-                <a:t>науки</a:t>
-              </a:r>
-              <a:r>
-                <a:rPr lang="en-US" sz="3550" b="1" dirty="0">
-                  <a:ea typeface="+mn-lt"/>
-                  <a:cs typeface="+mn-lt"/>
-                </a:rPr>
-                <a:t>, </a:t>
-              </a:r>
-              <a:r>
-                <a:rPr lang="en-US" sz="3550" b="1" dirty="0" err="1">
-                  <a:solidFill>
-                    <a:schemeClr val="tx1">
-                      <a:lumMod val="50000"/>
-                    </a:schemeClr>
-                  </a:solidFill>
-                  <a:ea typeface="+mn-lt"/>
-                  <a:cs typeface="+mn-lt"/>
-                </a:rPr>
-                <a:t>стуктура</a:t>
-              </a:r>
-              <a:r>
-                <a:rPr lang="en-US" sz="3550" b="1" dirty="0">
-                  <a:solidFill>
-                    <a:schemeClr val="tx1">
-                      <a:lumMod val="50000"/>
-                    </a:schemeClr>
-                  </a:solidFill>
-                  <a:ea typeface="+mn-lt"/>
-                  <a:cs typeface="+mn-lt"/>
-                </a:rPr>
-                <a:t> </a:t>
-              </a:r>
-              <a:r>
-                <a:rPr lang="en-US" sz="3550" b="1" dirty="0" err="1">
-                  <a:solidFill>
-                    <a:schemeClr val="tx1">
-                      <a:lumMod val="50000"/>
-                    </a:schemeClr>
-                  </a:solidFill>
-                  <a:ea typeface="+mn-lt"/>
-                  <a:cs typeface="+mn-lt"/>
-                </a:rPr>
-                <a:t>от</a:t>
-              </a:r>
-              <a:r>
-                <a:rPr lang="en-US" sz="3550" b="1" dirty="0">
-                  <a:solidFill>
-                    <a:schemeClr val="tx1">
-                      <a:lumMod val="50000"/>
-                    </a:schemeClr>
-                  </a:solidFill>
-                  <a:ea typeface="+mn-lt"/>
-                  <a:cs typeface="+mn-lt"/>
-                </a:rPr>
-                <a:t> </a:t>
-              </a:r>
-              <a:r>
-                <a:rPr lang="en-US" sz="3550" b="1" dirty="0" err="1">
-                  <a:solidFill>
-                    <a:schemeClr val="tx1">
-                      <a:lumMod val="50000"/>
-                    </a:schemeClr>
-                  </a:solidFill>
-                  <a:ea typeface="+mn-lt"/>
-                  <a:cs typeface="+mn-lt"/>
-                </a:rPr>
-                <a:t>данни</a:t>
-              </a:r>
-              <a:r>
-                <a:rPr lang="en-US" sz="3550" b="1" dirty="0">
-                  <a:ea typeface="+mn-lt"/>
-                  <a:cs typeface="+mn-lt"/>
-                </a:rPr>
-                <a:t> е </a:t>
-              </a:r>
-              <a:r>
-                <a:rPr lang="en-US" sz="3550" b="1" dirty="0" err="1">
-                  <a:ea typeface="+mn-lt"/>
-                  <a:cs typeface="+mn-lt"/>
-                </a:rPr>
-                <a:t>начин</a:t>
-              </a:r>
-              <a:r>
-                <a:rPr lang="en-US" sz="3550" b="1" dirty="0">
-                  <a:ea typeface="+mn-lt"/>
-                  <a:cs typeface="+mn-lt"/>
-                </a:rPr>
-                <a:t> </a:t>
-              </a:r>
-              <a:r>
-                <a:rPr lang="en-US" sz="3550" b="1" dirty="0" err="1">
-                  <a:ea typeface="+mn-lt"/>
-                  <a:cs typeface="+mn-lt"/>
-                </a:rPr>
-                <a:t>за</a:t>
-              </a:r>
-              <a:r>
-                <a:rPr lang="en-US" sz="3550" b="1" dirty="0">
-                  <a:ea typeface="+mn-lt"/>
-                  <a:cs typeface="+mn-lt"/>
-                </a:rPr>
-                <a:t> </a:t>
-              </a:r>
-              <a:r>
-                <a:rPr lang="en-US" sz="3550" b="1" dirty="0" err="1">
-                  <a:ea typeface="+mn-lt"/>
-                  <a:cs typeface="+mn-lt"/>
-                </a:rPr>
-                <a:t>съхраняване</a:t>
-              </a:r>
-              <a:r>
-                <a:rPr lang="en-US" sz="3550" b="1" dirty="0">
-                  <a:ea typeface="+mn-lt"/>
-                  <a:cs typeface="+mn-lt"/>
-                </a:rPr>
-                <a:t> и </a:t>
-              </a:r>
-              <a:r>
-                <a:rPr lang="en-US" sz="3550" b="1" dirty="0" err="1">
-                  <a:ea typeface="+mn-lt"/>
-                  <a:cs typeface="+mn-lt"/>
-                </a:rPr>
-                <a:t>организация</a:t>
-              </a:r>
-              <a:r>
-                <a:rPr lang="en-US" sz="3550" b="1" dirty="0">
-                  <a:ea typeface="+mn-lt"/>
-                  <a:cs typeface="+mn-lt"/>
-                </a:rPr>
-                <a:t> </a:t>
-              </a:r>
-              <a:r>
-                <a:rPr lang="en-US" sz="3550" b="1" dirty="0" err="1">
-                  <a:ea typeface="+mn-lt"/>
-                  <a:cs typeface="+mn-lt"/>
-                </a:rPr>
-                <a:t>на</a:t>
-              </a:r>
-              <a:r>
-                <a:rPr lang="en-US" sz="3550" b="1" dirty="0">
-                  <a:ea typeface="+mn-lt"/>
-                  <a:cs typeface="+mn-lt"/>
-                </a:rPr>
-                <a:t> </a:t>
-              </a:r>
-              <a:r>
-                <a:rPr lang="en-US" sz="3550" b="1" dirty="0" err="1">
-                  <a:ea typeface="+mn-lt"/>
-                  <a:cs typeface="+mn-lt"/>
-                </a:rPr>
-                <a:t>да</a:t>
-              </a:r>
-              <a:r>
-                <a:rPr lang="bg-BG" sz="3550" b="1" dirty="0" err="1">
-                  <a:ea typeface="+mn-lt"/>
-                  <a:cs typeface="+mn-lt"/>
-                </a:rPr>
-                <a:t>нни</a:t>
-              </a:r>
-              <a:r>
-                <a:rPr lang="en-US" sz="3550" b="1" dirty="0">
-                  <a:ea typeface="+mn-lt"/>
-                  <a:cs typeface="+mn-lt"/>
-                </a:rPr>
-                <a:t> в </a:t>
-              </a:r>
-              <a:r>
-                <a:rPr lang="en-US" sz="3550" b="1" dirty="0" err="1">
-                  <a:ea typeface="+mn-lt"/>
-                  <a:cs typeface="+mn-lt"/>
-                </a:rPr>
-                <a:t>компютъра</a:t>
-              </a:r>
-              <a:r>
-                <a:rPr lang="en-US" sz="3550" b="1" dirty="0">
-                  <a:ea typeface="+mn-lt"/>
-                  <a:cs typeface="+mn-lt"/>
-                </a:rPr>
-                <a:t> </a:t>
-              </a:r>
-              <a:r>
-                <a:rPr lang="en-US" sz="3550" b="1" dirty="0" err="1">
-                  <a:ea typeface="+mn-lt"/>
-                  <a:cs typeface="+mn-lt"/>
-                </a:rPr>
-                <a:t>за</a:t>
-              </a:r>
-              <a:r>
-                <a:rPr lang="en-US" sz="3550" b="1" dirty="0">
-                  <a:ea typeface="+mn-lt"/>
-                  <a:cs typeface="+mn-lt"/>
-                </a:rPr>
-                <a:t> </a:t>
-              </a:r>
-              <a:r>
-                <a:rPr lang="en-US" sz="3550" b="1" dirty="0" err="1">
-                  <a:ea typeface="+mn-lt"/>
-                  <a:cs typeface="+mn-lt"/>
-                </a:rPr>
-                <a:t>по-голяна</a:t>
-              </a:r>
-              <a:r>
-                <a:rPr lang="en-US" sz="3550" b="1" dirty="0">
-                  <a:ea typeface="+mn-lt"/>
-                  <a:cs typeface="+mn-lt"/>
-                </a:rPr>
-                <a:t> </a:t>
-              </a:r>
-              <a:r>
-                <a:rPr lang="en-US" sz="3550" b="1" dirty="0" err="1">
-                  <a:ea typeface="+mn-lt"/>
-                  <a:cs typeface="+mn-lt"/>
-                </a:rPr>
-                <a:t>ефективност</a:t>
-              </a:r>
-              <a:r>
-                <a:rPr lang="en-US" sz="3550" b="1" dirty="0"/>
-                <a:t>.”</a:t>
-              </a:r>
-              <a:endParaRPr lang="en-US" sz="2999" b="1" i="1" dirty="0"/>
-            </a:p>
-          </p:txBody>
-        </p:sp>
-        <p:sp>
-          <p:nvSpPr>
-            <p:cNvPr id="9" name="Rectangle 8"/>
-            <p:cNvSpPr/>
-            <p:nvPr/>
-          </p:nvSpPr>
-          <p:spPr>
-            <a:xfrm>
-              <a:off x="8882615" y="2463225"/>
-              <a:ext cx="2250937" cy="584775"/>
-            </a:xfrm>
-            <a:prstGeom prst="rect">
-              <a:avLst/>
-            </a:prstGeom>
-          </p:spPr>
-          <p:txBody>
-            <a:bodyPr wrap="none">
-              <a:spAutoFit/>
-            </a:bodyPr>
-            <a:lstStyle/>
-            <a:p>
-              <a:r>
-                <a:rPr lang="en-US" sz="3199" b="1" i="1" dirty="0">
-                  <a:effectLst>
-                    <a:outerShdw blurRad="38100" dist="38100" dir="2700000" algn="tl">
-                      <a:srgbClr val="000000">
-                        <a:alpha val="43137"/>
-                      </a:srgbClr>
-                    </a:outerShdw>
-                  </a:effectLst>
-                </a:rPr>
-                <a:t>-- Wikipedia</a:t>
-              </a:r>
-              <a:endParaRPr lang="en-US" sz="3199" dirty="0"/>
-            </a:p>
-          </p:txBody>
-        </p:sp>
-      </p:grpSp>
-      <p:sp>
-        <p:nvSpPr>
-          <p:cNvPr id="8" name="Slide Number">
-            <a:extLst>
-              <a:ext uri="{FF2B5EF4-FFF2-40B4-BE49-F238E27FC236}">
-                <a16:creationId xmlns:a16="http://schemas.microsoft.com/office/drawing/2014/main" id="{C722794D-7DFA-42A9-AC3E-25130B0F1AA3}"/>
-              </a:ext>
-            </a:extLst>
-          </p:cNvPr>
-          <p:cNvSpPr>
-            <a:spLocks noGrp="1"/>
-          </p:cNvSpPr>
-          <p:nvPr>
-            <p:ph type="sldNum" sz="quarter" idx="5"/>
-          </p:nvPr>
-        </p:nvSpPr>
-        <p:spPr>
-          <a:xfrm>
-            <a:off x="11753030" y="6507000"/>
-            <a:ext cx="367414" cy="297000"/>
-          </a:xfrm>
-          <a:prstGeom prst="rect">
-            <a:avLst/>
-          </a:prstGeom>
-        </p:spPr>
-        <p:txBody>
-          <a:bodyPr vert="horz" lIns="91440" tIns="45720" rIns="91440" bIns="45720" rtlCol="0" anchor="b"/>
-          <a:lstStyle>
-            <a:lvl1pPr algn="r">
-              <a:defRPr sz="1000"/>
-            </a:lvl1pPr>
-          </a:lstStyle>
-          <a:p>
-            <a:fld id="{2BF067CD-8E6B-4360-9AA8-C5DF2A48A6D1}" type="slidenum">
-              <a:rPr lang="en-US" noProof="0" smtClean="0"/>
-              <a:pPr/>
-              <a:t>4</a:t>
-            </a:fld>
-            <a:endParaRPr lang="en-US" noProof="0" dirty="0"/>
-          </a:p>
-        </p:txBody>
-      </p:sp>
-    </p:spTree>
-    <p:extLst>
-      <p:ext uri="{BB962C8B-B14F-4D97-AF65-F5344CB8AC3E}">
-        <p14:creationId xmlns:p14="http://schemas.microsoft.com/office/powerpoint/2010/main" val="4192919331"/>
-      </p:ext>
-    </p:extLst>
-  </p:cSld>
-  <p:clrMapOvr>
-    <a:masterClrMapping/>
-  </p:clrMapOvr>
-  <mc:AlternateContent xmlns:mc="http://schemas.openxmlformats.org/markup-compatibility/2006" xmlns:p14="http://schemas.microsoft.com/office/powerpoint/2010/main">
-    <mc:Choice Requires="p14">
-      <p:transition p14:dur="0" advClick="0" advTm="5000"/>
-    </mc:Choice>
-    <mc:Fallback xmlns="">
-      <p:transition advClick="0" advTm="5000"/>
-    </mc:Fallback>
-  </mc:AlternateContent>
-  <p:timing>
-    <p:tnLst>
-      <p:par>
-        <p:cTn id="1" dur="indefinite" restart="never" nodeType="tmRoot">
-          <p:childTnLst>
-            <p:seq concurrent="1" nextAc="seek">
-              <p:cTn id="2" dur="indefinite" nodeType="mainSeq">
-                <p:childTnLst>
-                  <p:par>
-                    <p:cTn id="3" fill="hold">
-                      <p:stCondLst>
-                        <p:cond delay="indefinite"/>
-                      </p:stCondLst>
-                      <p:childTnLst>
-                        <p:par>
-                          <p:cTn id="4" fill="hold">
-                            <p:stCondLst>
-                              <p:cond delay="0"/>
-                            </p:stCondLst>
-                            <p:childTnLst>
-                              <p:par>
-                                <p:cTn id="5" presetID="1" presetClass="entr" presetSubtype="0" fill="hold" nodeType="clickEffect">
-                                  <p:stCondLst>
-                                    <p:cond delay="0"/>
-                                  </p:stCondLst>
-                                  <p:childTnLst>
-                                    <p:set>
-                                      <p:cBhvr>
-                                        <p:cTn id="6" dur="1" fill="hold">
-                                          <p:stCondLst>
-                                            <p:cond delay="0"/>
-                                          </p:stCondLst>
-                                        </p:cTn>
-                                        <p:tgtEl>
-                                          <p:spTgt spid="3">
-                                            <p:txEl>
-                                              <p:pRg st="0" end="0"/>
-                                            </p:txEl>
-                                          </p:spTgt>
-                                        </p:tgtEl>
-                                        <p:attrNameLst>
-                                          <p:attrName>style.visibility</p:attrName>
-                                        </p:attrNameLst>
-                                      </p:cBhvr>
-                                      <p:to>
-                                        <p:strVal val="visible"/>
-                                      </p:to>
-                                    </p:set>
-                                  </p:childTnLst>
-                                </p:cTn>
-                              </p:par>
-                              <p:par>
-                                <p:cTn id="7" presetID="1" presetClass="entr" presetSubtype="0" fill="hold" nodeType="withEffect">
-                                  <p:stCondLst>
-                                    <p:cond delay="0"/>
-                                  </p:stCondLst>
-                                  <p:childTnLst>
-                                    <p:set>
-                                      <p:cBhvr>
-                                        <p:cTn id="8" dur="1" fill="hold">
-                                          <p:stCondLst>
-                                            <p:cond delay="0"/>
-                                          </p:stCondLst>
-                                        </p:cTn>
-                                        <p:tgtEl>
-                                          <p:spTgt spid="3">
-                                            <p:txEl>
-                                              <p:pRg st="1" end="1"/>
-                                            </p:txEl>
-                                          </p:spTgt>
-                                        </p:tgtEl>
-                                        <p:attrNameLst>
-                                          <p:attrName>style.visibility</p:attrName>
-                                        </p:attrNameLst>
-                                      </p:cBhvr>
-                                      <p:to>
-                                        <p:strVal val="visible"/>
-                                      </p:to>
-                                    </p:set>
-                                  </p:childTnLst>
-                                </p:cTn>
-                              </p:par>
-                            </p:childTnLst>
-                          </p:cTn>
-                        </p:par>
-                      </p:childTnLst>
-                    </p:cTn>
-                  </p:par>
-                  <p:par>
-                    <p:cTn id="9" fill="hold">
-                      <p:stCondLst>
-                        <p:cond delay="indefinite"/>
-                      </p:stCondLst>
-                      <p:childTnLst>
-                        <p:par>
-                          <p:cTn id="10" fill="hold">
-                            <p:stCondLst>
-                              <p:cond delay="0"/>
-                            </p:stCondLst>
-                            <p:childTnLst>
-                              <p:par>
-                                <p:cTn id="11" presetID="1" presetClass="entr" presetSubtype="0" fill="hold" nodeType="clickEffect">
-                                  <p:stCondLst>
-                                    <p:cond delay="0"/>
-                                  </p:stCondLst>
-                                  <p:childTnLst>
-                                    <p:set>
-                                      <p:cBhvr>
-                                        <p:cTn id="12" dur="1" fill="hold">
-                                          <p:stCondLst>
-                                            <p:cond delay="0"/>
-                                          </p:stCondLst>
-                                        </p:cTn>
-                                        <p:tgtEl>
-                                          <p:spTgt spid="3">
-                                            <p:txEl>
-                                              <p:pRg st="2" end="2"/>
-                                            </p:txEl>
-                                          </p:spTgt>
-                                        </p:tgtEl>
-                                        <p:attrNameLst>
-                                          <p:attrName>style.visibility</p:attrName>
-                                        </p:attrNameLst>
-                                      </p:cBhvr>
-                                      <p:to>
-                                        <p:strVal val="visible"/>
-                                      </p:to>
-                                    </p:set>
-                                  </p:childTnLst>
-                                </p:cTn>
-                              </p:par>
-                            </p:childTnLst>
-                          </p:cTn>
-                        </p:par>
-                      </p:childTnLst>
-                    </p:cTn>
-                  </p:par>
-                  <p:par>
-                    <p:cTn id="13" fill="hold">
-                      <p:stCondLst>
-                        <p:cond delay="indefinite"/>
-                      </p:stCondLst>
-                      <p:childTnLst>
-                        <p:par>
-                          <p:cTn id="14" fill="hold">
-                            <p:stCondLst>
-                              <p:cond delay="0"/>
-                            </p:stCondLst>
-                            <p:childTnLst>
-                              <p:par>
-                                <p:cTn id="15" presetID="1" presetClass="entr" presetSubtype="0" fill="hold" nodeType="clickEffect">
-                                  <p:stCondLst>
-                                    <p:cond delay="0"/>
-                                  </p:stCondLst>
-                                  <p:childTnLst>
-                                    <p:set>
-                                      <p:cBhvr>
-                                        <p:cTn id="16" dur="1" fill="hold">
-                                          <p:stCondLst>
-                                            <p:cond delay="0"/>
-                                          </p:stCondLst>
-                                        </p:cTn>
-                                        <p:tgtEl>
-                                          <p:spTgt spid="3">
-                                            <p:txEl>
-                                              <p:pRg st="3" end="3"/>
-                                            </p:txEl>
-                                          </p:spTgt>
-                                        </p:tgtEl>
-                                        <p:attrNameLst>
-                                          <p:attrName>style.visibility</p:attrName>
-                                        </p:attrNameLst>
-                                      </p:cBhvr>
-                                      <p:to>
-                                        <p:strVal val="visible"/>
-                                      </p:to>
-                                    </p:set>
-                                  </p:childTnLst>
-                                </p:cTn>
-                              </p:par>
-                            </p:childTnLst>
-                          </p:cTn>
-                        </p:par>
-                      </p:childTnLst>
-                    </p:cTn>
-                  </p:par>
-                  <p:par>
-                    <p:cTn id="17" fill="hold">
-                      <p:stCondLst>
-                        <p:cond delay="indefinite"/>
-                      </p:stCondLst>
-                      <p:childTnLst>
-                        <p:par>
-                          <p:cTn id="18" fill="hold">
-                            <p:stCondLst>
-                              <p:cond delay="0"/>
-                            </p:stCondLst>
-                            <p:childTnLst>
-                              <p:par>
-                                <p:cTn id="19" presetID="1" presetClass="entr" presetSubtype="0" fill="hold" nodeType="clickEffect">
-                                  <p:stCondLst>
-                                    <p:cond delay="0"/>
-                                  </p:stCondLst>
-                                  <p:childTnLst>
-                                    <p:set>
-                                      <p:cBhvr>
-                                        <p:cTn id="20" dur="1" fill="hold">
-                                          <p:stCondLst>
-                                            <p:cond delay="0"/>
-                                          </p:stCondLst>
-                                        </p:cTn>
-                                        <p:tgtEl>
-                                          <p:spTgt spid="3">
-                                            <p:txEl>
-                                              <p:pRg st="4" end="4"/>
-                                            </p:txEl>
-                                          </p:spTgt>
-                                        </p:tgtEl>
-                                        <p:attrNameLst>
-                                          <p:attrName>style.visibility</p:attrName>
-                                        </p:attrNameLst>
-                                      </p:cBhvr>
-                                      <p:to>
-                                        <p:strVal val="visible"/>
-                                      </p:to>
-                                    </p:set>
-                                  </p:childTnLst>
-                                </p:cTn>
-                              </p:par>
-                            </p:childTnLst>
-                          </p:cTn>
-                        </p:par>
-                      </p:childTnLst>
-                    </p:cTn>
-                  </p:par>
-                </p:childTnLst>
-              </p:cTn>
-              <p:prevCondLst>
-                <p:cond evt="onPrev" delay="0">
-                  <p:tgtEl>
-                    <p:sldTgt/>
-                  </p:tgtEl>
-                </p:cond>
-              </p:prevCondLst>
-              <p:nextCondLst>
-                <p:cond evt="onNext" delay="0">
-                  <p:tgtEl>
-                    <p:sldTgt/>
-                  </p:tgtEl>
-                </p:cond>
-              </p:nextCondLst>
-            </p:seq>
-          </p:childTnLst>
-        </p:cTn>
-      </p:par>
-    </p:tnLst>
-  </p:timing>
-</p:sld>
-</file>
-
-<file path=ppt/slides/slide5.xml><?xml version="1.0" encoding="utf-8"?>
-<p:sld xmlns:a="http://schemas.openxmlformats.org/drawingml/2006/main" xmlns:r="http://schemas.openxmlformats.org/officeDocument/2006/relationships" xmlns:p="http://schemas.openxmlformats.org/presentationml/2006/main">
-  <p:cSld>
-    <p:spTree>
-      <p:nvGrpSpPr>
-        <p:cNvPr id="1" name=""/>
-        <p:cNvGrpSpPr/>
-        <p:nvPr/>
-      </p:nvGrpSpPr>
-      <p:grpSpPr>
-        <a:xfrm>
-          <a:off x="0" y="0"/>
-          <a:ext cx="0" cy="0"/>
-          <a:chOff x="0" y="0"/>
-          <a:chExt cx="0" cy="0"/>
-        </a:xfrm>
-      </p:grpSpPr>
-      <p:sp>
-        <p:nvSpPr>
           <p:cNvPr id="3" name="Text Placeholder 2">
             <a:extLst>
               <a:ext uri="{FF2B5EF4-FFF2-40B4-BE49-F238E27FC236}">
@@ -42692,7 +41604,7 @@
                 </a:solidFill>
                 <a:cs typeface="Calibri"/>
               </a:rPr>
-              <a:t> и </a:t>
+              <a:t> </a:t>
             </a:r>
             <a:r>
               <a:rPr lang="en-US" sz="3400" dirty="0" err="1">
@@ -42701,12 +41613,91 @@
                 </a:solidFill>
                 <a:cs typeface="Calibri"/>
               </a:rPr>
+              <a:t>и</a:t>
+            </a:r>
+            <a:r>
+              <a:rPr lang="en-US" sz="3400" dirty="0">
+                <a:solidFill>
+                  <a:srgbClr val="234465"/>
+                </a:solidFill>
+                <a:cs typeface="Calibri"/>
+              </a:rPr>
+              <a:t> </a:t>
+            </a:r>
+            <a:r>
+              <a:rPr lang="en-US" sz="3400" dirty="0" err="1">
+                <a:solidFill>
+                  <a:srgbClr val="234465"/>
+                </a:solidFill>
+                <a:cs typeface="Calibri"/>
+              </a:rPr>
               <a:t>модификация</a:t>
             </a:r>
+            <a:endParaRPr lang="bg-BG" sz="3400" dirty="0">
+              <a:solidFill>
+                <a:srgbClr val="234465"/>
+              </a:solidFill>
+              <a:cs typeface="Calibri"/>
+            </a:endParaRPr>
+          </a:p>
+          <a:p>
+            <a:pPr marL="360045" indent="-360045">
+              <a:lnSpc>
+                <a:spcPct val="100000"/>
+              </a:lnSpc>
+            </a:pPr>
+            <a:r>
+              <a:rPr lang="en-US" sz="3350" dirty="0" err="1"/>
+              <a:t>Примери</a:t>
+            </a:r>
+            <a:r>
+              <a:rPr lang="en-US" sz="3350" dirty="0"/>
+              <a:t> </a:t>
+            </a:r>
+            <a:r>
+              <a:rPr lang="en-US" sz="3350" dirty="0" err="1"/>
+              <a:t>за</a:t>
+            </a:r>
+            <a:r>
+              <a:rPr lang="en-US" sz="3350" dirty="0"/>
+              <a:t> </a:t>
+            </a:r>
+            <a:r>
+              <a:rPr lang="en-US" sz="3350" dirty="0" err="1"/>
+              <a:t>структ</a:t>
+            </a:r>
+            <a:r>
+              <a:rPr lang="bg-BG" sz="3350" dirty="0"/>
+              <a:t>у</a:t>
+            </a:r>
+            <a:r>
+              <a:rPr lang="en-US" sz="3350" dirty="0" err="1"/>
+              <a:t>ра</a:t>
+            </a:r>
+            <a:r>
+              <a:rPr lang="en-US" sz="3350" dirty="0"/>
+              <a:t> </a:t>
+            </a:r>
+            <a:r>
+              <a:rPr lang="en-US" sz="3350" dirty="0" err="1"/>
+              <a:t>от</a:t>
+            </a:r>
+            <a:r>
+              <a:rPr lang="en-US" sz="3350" dirty="0"/>
+              <a:t> </a:t>
+            </a:r>
+            <a:r>
+              <a:rPr lang="en-US" sz="3350" dirty="0" err="1"/>
+              <a:t>данни</a:t>
+            </a:r>
+            <a:r>
+              <a:rPr lang="en-US" sz="3350" dirty="0"/>
+              <a:t>: </a:t>
+            </a:r>
             <a:endParaRPr lang="bg-BG" dirty="0"/>
           </a:p>
           <a:p>
-            <a:pPr marL="360045" indent="-360045">
+            <a:pPr lvl="1" indent="-360045">
               <a:lnSpc>
                 <a:spcPct val="100000"/>
               </a:lnSpc>
@@ -42715,56 +41706,132 @@
               </a:buClr>
             </a:pPr>
             <a:r>
-              <a:rPr lang="en-US" sz="3400" b="1" dirty="0">
+              <a:rPr lang="bg-BG" sz="3150" dirty="0">
+                <a:latin typeface="Calibri" panose="020F0502020204030204" pitchFamily="34" charset="0"/>
+                <a:cs typeface="Calibri" panose="020F0502020204030204" pitchFamily="34" charset="0"/>
+              </a:rPr>
+              <a:t>Структура</a:t>
+            </a:r>
+            <a:r>
+              <a:rPr lang="bg-BG" sz="3150" dirty="0">
+                <a:latin typeface="Consolas"/>
+              </a:rPr>
+              <a:t> </a:t>
+            </a:r>
+            <a:r>
+              <a:rPr lang="en-US" sz="3150" b="1" dirty="0">
                 <a:solidFill>
                   <a:schemeClr val="bg1"/>
                 </a:solidFill>
-              </a:rPr>
-              <a:t>Линейни </a:t>
-            </a:r>
-            <a:r>
-              <a:rPr lang="en-US" sz="3400" b="1" dirty="0" err="1">
-                <a:solidFill>
-                  <a:schemeClr val="bg1"/>
-                </a:solidFill>
-              </a:rPr>
-              <a:t>данни</a:t>
-            </a:r>
-            <a:r>
-              <a:rPr lang="en-US" sz="3400" dirty="0"/>
-              <a:t>: </a:t>
-            </a:r>
-            <a:r>
-              <a:rPr lang="en-US" sz="3400" dirty="0" err="1"/>
-              <a:t>масив</a:t>
-            </a:r>
-            <a:r>
-              <a:rPr lang="en-US" sz="3400" dirty="0"/>
-              <a:t>, </a:t>
-            </a:r>
-            <a:r>
-              <a:rPr lang="en-US" sz="3400" dirty="0" err="1"/>
-              <a:t>списъци</a:t>
-            </a:r>
-            <a:r>
-              <a:rPr lang="en-US" sz="3400" dirty="0"/>
-              <a:t>, </a:t>
-            </a:r>
-            <a:r>
-              <a:rPr lang="en-US" sz="3400" dirty="0" err="1"/>
-              <a:t>стекове</a:t>
-            </a:r>
-            <a:r>
-              <a:rPr lang="en-US" sz="3400" dirty="0"/>
-              <a:t>, </a:t>
-            </a:r>
-            <a:r>
-              <a:rPr lang="en-US" sz="3400" dirty="0" err="1"/>
-              <a:t>опашки</a:t>
-            </a:r>
-            <a:endParaRPr lang="en-US" sz="3400" dirty="0">
+                <a:latin typeface="Consolas"/>
+              </a:rPr>
+              <a:t>Person</a:t>
+            </a:r>
+            <a:r>
+              <a:rPr lang="en-US" sz="3150" dirty="0"/>
+              <a:t> (</a:t>
+            </a:r>
+            <a:r>
+              <a:rPr lang="en-US" sz="3150" dirty="0" err="1"/>
+              <a:t>име</a:t>
+            </a:r>
+            <a:r>
+              <a:rPr lang="en-US" sz="3150" dirty="0"/>
+              <a:t> + </a:t>
+            </a:r>
+            <a:r>
+              <a:rPr lang="en-US" sz="3150" dirty="0" err="1"/>
+              <a:t>фамилия</a:t>
+            </a:r>
+            <a:r>
+              <a:rPr lang="en-US" sz="3150" dirty="0"/>
+              <a:t> + </a:t>
+            </a:r>
+            <a:r>
+              <a:rPr lang="en-US" sz="3150" dirty="0" err="1"/>
+              <a:t>възраст</a:t>
+            </a:r>
+            <a:r>
+              <a:rPr lang="en-US" sz="3150" dirty="0"/>
+              <a:t>)</a:t>
+            </a:r>
+            <a:endParaRPr lang="en-US" sz="3150" dirty="0">
               <a:cs typeface="Calibri"/>
             </a:endParaRPr>
+          </a:p>
+          <a:p>
+            <a:pPr lvl="1" indent="-360045">
+              <a:lnSpc>
+                <a:spcPct val="100000"/>
+              </a:lnSpc>
+            </a:pPr>
+            <a:r>
+              <a:rPr lang="bg-BG" sz="3150" dirty="0"/>
+              <a:t>Масив от числа – </a:t>
+            </a:r>
+            <a:r>
+              <a:rPr lang="en-US" sz="3150" b="1" noProof="1">
+                <a:solidFill>
+                  <a:schemeClr val="bg1"/>
+                </a:solidFill>
+                <a:latin typeface="Consolas"/>
+                <a:cs typeface="Consolas" panose="020B0609020204030204" pitchFamily="49" charset="0"/>
+              </a:rPr>
+              <a:t>int[]</a:t>
+            </a:r>
+          </a:p>
+          <a:p>
+            <a:pPr lvl="1" indent="-360045">
+              <a:lnSpc>
+                <a:spcPct val="100000"/>
+              </a:lnSpc>
+            </a:pPr>
+            <a:r>
+              <a:rPr lang="bg-BG" sz="3150" dirty="0"/>
+              <a:t>Списък от низове – </a:t>
+            </a:r>
+            <a:r>
+              <a:rPr lang="en-US" sz="3150" b="1" dirty="0">
+                <a:solidFill>
+                  <a:schemeClr val="bg1"/>
+                </a:solidFill>
+                <a:latin typeface="Consolas"/>
+                <a:cs typeface="Consolas" panose="020B0609020204030204" pitchFamily="49" charset="0"/>
+              </a:rPr>
+              <a:t>List&lt;string&gt;</a:t>
+            </a:r>
+          </a:p>
+          <a:p>
+            <a:pPr lvl="1" indent="-360045">
+              <a:lnSpc>
+                <a:spcPct val="100000"/>
+              </a:lnSpc>
+            </a:pPr>
+            <a:r>
+              <a:rPr lang="bg-BG" sz="3150" dirty="0"/>
+              <a:t>Опашка от хора – </a:t>
+            </a:r>
+            <a:r>
+              <a:rPr lang="en-US" sz="3150" b="1" dirty="0">
+                <a:solidFill>
+                  <a:schemeClr val="bg1"/>
+                </a:solidFill>
+                <a:latin typeface="Consolas"/>
+                <a:cs typeface="Consolas" panose="020B0609020204030204" pitchFamily="49" charset="0"/>
+              </a:rPr>
+              <a:t>Queue&lt;Person&gt;</a:t>
+            </a:r>
+          </a:p>
+          <a:p>
+            <a:pPr marL="457200" indent="-457200">
+              <a:lnSpc>
+                <a:spcPct val="100000"/>
+              </a:lnSpc>
+              <a:buClr>
+                <a:schemeClr val="tx1"/>
+              </a:buClr>
+            </a:pPr>
+            <a:endParaRPr lang="bg-BG" dirty="0"/>
           </a:p>
         </p:txBody>
       </p:sp>
@@ -42797,17 +41864,17 @@
                 <a:ea typeface="+mj-lt"/>
                 <a:cs typeface="+mj-lt"/>
               </a:rPr>
-              <a:t>Стуктура</a:t>
-            </a:r>
-            <a:r>
-              <a:rPr lang="en-US" sz="3950" dirty="0">
+              <a:t>Ст</a:t>
+            </a:r>
+            <a:r>
+              <a:rPr lang="bg-BG" sz="3950" dirty="0" err="1">
                 <a:solidFill>
                   <a:srgbClr val="FFFFFF"/>
                 </a:solidFill>
                 <a:ea typeface="+mj-lt"/>
                 <a:cs typeface="+mj-lt"/>
               </a:rPr>
-              <a:t> </a:t>
+              <a:t>р</a:t>
             </a:r>
             <a:r>
               <a:rPr lang="en-US" sz="3950" dirty="0" err="1">
@@ -42817,1150 +41884,62 @@
                 <a:ea typeface="+mj-lt"/>
                 <a:cs typeface="+mj-lt"/>
               </a:rPr>
-              <a:t>от</a:t>
-            </a:r>
-            <a:r>
-              <a:rPr lang="en-US" sz="3950" dirty="0">
+              <a:t>уктур</a:t>
+            </a:r>
+            <a:r>
+              <a:rPr lang="bg-BG" sz="3950" dirty="0">
                 <a:solidFill>
                   <a:srgbClr val="FFFFFF"/>
                 </a:solidFill>
                 <a:ea typeface="+mj-lt"/>
                 <a:cs typeface="+mj-lt"/>
               </a:rPr>
-              <a:t> </a:t>
-            </a:r>
-            <a:r>
-              <a:rPr lang="en-US" sz="3950" dirty="0" err="1">
+              <a:t>и</a:t>
+            </a:r>
+            <a:r>
+              <a:rPr lang="en-US" sz="3950" dirty="0">
                 <a:solidFill>
                   <a:srgbClr val="FFFFFF"/>
                 </a:solidFill>
                 <a:ea typeface="+mj-lt"/>
                 <a:cs typeface="+mj-lt"/>
               </a:rPr>
+              <a:t> </a:t>
+            </a:r>
+            <a:r>
+              <a:rPr lang="en-US" sz="3950" dirty="0" err="1">
+                <a:solidFill>
+                  <a:srgbClr val="FFFFFF"/>
+                </a:solidFill>
+                <a:ea typeface="+mj-lt"/>
+                <a:cs typeface="+mj-lt"/>
+              </a:rPr>
+              <a:t>от</a:t>
+            </a:r>
+            <a:r>
+              <a:rPr lang="en-US" sz="3950" dirty="0">
+                <a:solidFill>
+                  <a:srgbClr val="FFFFFF"/>
+                </a:solidFill>
+                <a:ea typeface="+mj-lt"/>
+                <a:cs typeface="+mj-lt"/>
+              </a:rPr>
+              <a:t> </a:t>
+            </a:r>
+            <a:r>
+              <a:rPr lang="en-US" sz="3950" dirty="0" err="1">
+                <a:solidFill>
+                  <a:srgbClr val="FFFFFF"/>
+                </a:solidFill>
+                <a:ea typeface="+mj-lt"/>
+                <a:cs typeface="+mj-lt"/>
+              </a:rPr>
               <a:t>данни</a:t>
             </a:r>
             <a:endParaRPr lang="bg-BG" dirty="0" err="1"/>
           </a:p>
         </p:txBody>
       </p:sp>
-      <p:grpSp>
-        <p:nvGrpSpPr>
-          <p:cNvPr id="20" name="Group 19">
-            <a:extLst>
-              <a:ext uri="{FF2B5EF4-FFF2-40B4-BE49-F238E27FC236}">
-                <a16:creationId xmlns:a16="http://schemas.microsoft.com/office/drawing/2014/main" id="{F6500D72-94CF-4197-9D06-20BECE17C3A3}"/>
-              </a:ext>
-            </a:extLst>
-          </p:cNvPr>
-          <p:cNvGrpSpPr/>
-          <p:nvPr/>
-        </p:nvGrpSpPr>
-        <p:grpSpPr>
-          <a:xfrm>
-            <a:off x="356698" y="3335181"/>
-            <a:ext cx="4574411" cy="2186197"/>
-            <a:chOff x="305055" y="3339000"/>
-            <a:chExt cx="4575603" cy="2186767"/>
-          </a:xfrm>
-        </p:grpSpPr>
-        <p:grpSp>
-          <p:nvGrpSpPr>
-            <p:cNvPr id="6" name="Group 5">
-              <a:extLst>
-                <a:ext uri="{FF2B5EF4-FFF2-40B4-BE49-F238E27FC236}">
-                  <a16:creationId xmlns:a16="http://schemas.microsoft.com/office/drawing/2014/main" id="{F870EAB0-594C-4594-8593-8351BC168C69}"/>
-                </a:ext>
-              </a:extLst>
-            </p:cNvPr>
-            <p:cNvGrpSpPr/>
-            <p:nvPr/>
-          </p:nvGrpSpPr>
-          <p:grpSpPr>
-            <a:xfrm>
-              <a:off x="966000" y="3339000"/>
-              <a:ext cx="3253712" cy="1138708"/>
-              <a:chOff x="3503612" y="2626525"/>
-              <a:chExt cx="3810000" cy="1333394"/>
-            </a:xfrm>
-          </p:grpSpPr>
-          <p:sp>
-            <p:nvSpPr>
-              <p:cNvPr id="7" name="Rectangle 6">
-                <a:extLst>
-                  <a:ext uri="{FF2B5EF4-FFF2-40B4-BE49-F238E27FC236}">
-                    <a16:creationId xmlns:a16="http://schemas.microsoft.com/office/drawing/2014/main" id="{6F91A356-D06A-4AAA-A616-5778D706E67D}"/>
-                  </a:ext>
-                </a:extLst>
-              </p:cNvPr>
-              <p:cNvSpPr/>
-              <p:nvPr/>
-            </p:nvSpPr>
-            <p:spPr bwMode="auto">
-              <a:xfrm>
-                <a:off x="3503612" y="3252596"/>
-                <a:ext cx="762000" cy="707323"/>
-              </a:xfrm>
-              <a:prstGeom prst="rect">
-                <a:avLst/>
-              </a:prstGeom>
-              <a:solidFill>
-                <a:schemeClr val="dk2">
-                  <a:alpha val="80000"/>
-                </a:schemeClr>
-              </a:solidFill>
-              <a:ln w="19050">
-                <a:solidFill>
-                  <a:schemeClr val="tx1">
-                    <a:lumMod val="75000"/>
-                    <a:alpha val="80000"/>
-                  </a:schemeClr>
-                </a:solidFill>
-              </a:ln>
-              <a:effectLst/>
-            </p:spPr>
-            <p:style>
-              <a:lnRef idx="2">
-                <a:schemeClr val="accent1">
-                  <a:shade val="50000"/>
-                </a:schemeClr>
-              </a:lnRef>
-              <a:fillRef idx="1001">
-                <a:schemeClr val="dk2"/>
-              </a:fillRef>
-              <a:effectRef idx="0">
-                <a:schemeClr val="accent1"/>
-              </a:effectRef>
-              <a:fontRef idx="minor">
-                <a:schemeClr val="lt1"/>
-              </a:fontRef>
-            </p:style>
-            <p:txBody>
-              <a:bodyPr rot="0" spcFirstLastPara="0" vertOverflow="overflow" horzOverflow="overflow" vert="horz" wrap="square" lIns="91416" tIns="45708" rIns="91416" bIns="45708" numCol="1" spcCol="0" rtlCol="0" fromWordArt="0" anchor="ctr" anchorCtr="0" forceAA="0" compatLnSpc="1">
-                <a:prstTxWarp prst="textNoShape">
-                  <a:avLst/>
-                </a:prstTxWarp>
-                <a:noAutofit/>
-              </a:bodyPr>
-              <a:lstStyle/>
-              <a:p>
-                <a:pPr algn="ctr"/>
-                <a:r>
-                  <a:rPr lang="en-GB" sz="2799" b="1" dirty="0">
-                    <a:solidFill>
-                      <a:srgbClr val="FFFFFF"/>
-                    </a:solidFill>
-                    <a:effectLst>
-                      <a:outerShdw blurRad="38100" dist="38100" dir="2700000" algn="tl">
-                        <a:srgbClr val="000000">
-                          <a:alpha val="43137"/>
-                        </a:srgbClr>
-                      </a:outerShdw>
-                    </a:effectLst>
-                  </a:rPr>
-                  <a:t>…</a:t>
-                </a:r>
-                <a:endParaRPr lang="en-US" sz="2799" b="1" dirty="0">
-                  <a:solidFill>
-                    <a:srgbClr val="FFFFFF"/>
-                  </a:solidFill>
-                  <a:effectLst>
-                    <a:outerShdw blurRad="38100" dist="38100" dir="2700000" algn="tl">
-                      <a:srgbClr val="000000">
-                        <a:alpha val="43137"/>
-                      </a:srgbClr>
-                    </a:outerShdw>
-                  </a:effectLst>
-                </a:endParaRPr>
-              </a:p>
-            </p:txBody>
-          </p:sp>
-          <p:sp>
-            <p:nvSpPr>
-              <p:cNvPr id="8" name="Rectangle 7">
-                <a:extLst>
-                  <a:ext uri="{FF2B5EF4-FFF2-40B4-BE49-F238E27FC236}">
-                    <a16:creationId xmlns:a16="http://schemas.microsoft.com/office/drawing/2014/main" id="{B7D57C57-2F35-479C-95C4-70E89B3B8EEE}"/>
-                  </a:ext>
-                </a:extLst>
-              </p:cNvPr>
-              <p:cNvSpPr/>
-              <p:nvPr/>
-            </p:nvSpPr>
-            <p:spPr bwMode="auto">
-              <a:xfrm>
-                <a:off x="4265612" y="3252596"/>
-                <a:ext cx="762000" cy="707323"/>
-              </a:xfrm>
-              <a:prstGeom prst="rect">
-                <a:avLst/>
-              </a:prstGeom>
-              <a:solidFill>
-                <a:schemeClr val="dk2">
-                  <a:alpha val="80000"/>
-                </a:schemeClr>
-              </a:solidFill>
-              <a:ln w="19050">
-                <a:solidFill>
-                  <a:schemeClr val="tx1">
-                    <a:lumMod val="75000"/>
-                    <a:alpha val="80000"/>
-                  </a:schemeClr>
-                </a:solidFill>
-              </a:ln>
-              <a:effectLst/>
-            </p:spPr>
-            <p:style>
-              <a:lnRef idx="2">
-                <a:schemeClr val="accent1">
-                  <a:shade val="50000"/>
-                </a:schemeClr>
-              </a:lnRef>
-              <a:fillRef idx="1001">
-                <a:schemeClr val="dk2"/>
-              </a:fillRef>
-              <a:effectRef idx="0">
-                <a:schemeClr val="accent1"/>
-              </a:effectRef>
-              <a:fontRef idx="minor">
-                <a:schemeClr val="lt1"/>
-              </a:fontRef>
-            </p:style>
-            <p:txBody>
-              <a:bodyPr rot="0" spcFirstLastPara="0" vertOverflow="overflow" horzOverflow="overflow" vert="horz" wrap="square" lIns="91416" tIns="45708" rIns="91416" bIns="45708" numCol="1" spcCol="0" rtlCol="0" fromWordArt="0" anchor="ctr" anchorCtr="0" forceAA="0" compatLnSpc="1">
-                <a:prstTxWarp prst="textNoShape">
-                  <a:avLst/>
-                </a:prstTxWarp>
-                <a:noAutofit/>
-              </a:bodyPr>
-              <a:lstStyle/>
-              <a:p>
-                <a:pPr algn="ctr"/>
-                <a:r>
-                  <a:rPr lang="en-GB" sz="2799" b="1" dirty="0">
-                    <a:solidFill>
-                      <a:srgbClr val="FFFFFF"/>
-                    </a:solidFill>
-                    <a:effectLst>
-                      <a:outerShdw blurRad="38100" dist="38100" dir="2700000" algn="tl">
-                        <a:srgbClr val="000000">
-                          <a:alpha val="43137"/>
-                        </a:srgbClr>
-                      </a:outerShdw>
-                    </a:effectLst>
-                  </a:rPr>
-                  <a:t>…</a:t>
-                </a:r>
-                <a:endParaRPr lang="en-US" sz="2799" b="1" dirty="0">
-                  <a:solidFill>
-                    <a:srgbClr val="FFFFFF"/>
-                  </a:solidFill>
-                  <a:effectLst>
-                    <a:outerShdw blurRad="38100" dist="38100" dir="2700000" algn="tl">
-                      <a:srgbClr val="000000">
-                        <a:alpha val="43137"/>
-                      </a:srgbClr>
-                    </a:outerShdw>
-                  </a:effectLst>
-                </a:endParaRPr>
-              </a:p>
-            </p:txBody>
-          </p:sp>
-          <p:sp>
-            <p:nvSpPr>
-              <p:cNvPr id="9" name="Rectangle 8">
-                <a:extLst>
-                  <a:ext uri="{FF2B5EF4-FFF2-40B4-BE49-F238E27FC236}">
-                    <a16:creationId xmlns:a16="http://schemas.microsoft.com/office/drawing/2014/main" id="{F5F32EA1-2F3F-4A4A-89BB-F24854462267}"/>
-                  </a:ext>
-                </a:extLst>
-              </p:cNvPr>
-              <p:cNvSpPr/>
-              <p:nvPr/>
-            </p:nvSpPr>
-            <p:spPr bwMode="auto">
-              <a:xfrm>
-                <a:off x="5027612" y="3252596"/>
-                <a:ext cx="762000" cy="707323"/>
-              </a:xfrm>
-              <a:prstGeom prst="rect">
-                <a:avLst/>
-              </a:prstGeom>
-              <a:solidFill>
-                <a:schemeClr val="dk2">
-                  <a:alpha val="80000"/>
-                </a:schemeClr>
-              </a:solidFill>
-              <a:ln w="19050">
-                <a:solidFill>
-                  <a:schemeClr val="tx1">
-                    <a:lumMod val="75000"/>
-                    <a:alpha val="80000"/>
-                  </a:schemeClr>
-                </a:solidFill>
-              </a:ln>
-              <a:effectLst/>
-            </p:spPr>
-            <p:style>
-              <a:lnRef idx="2">
-                <a:schemeClr val="accent1">
-                  <a:shade val="50000"/>
-                </a:schemeClr>
-              </a:lnRef>
-              <a:fillRef idx="1001">
-                <a:schemeClr val="dk2"/>
-              </a:fillRef>
-              <a:effectRef idx="0">
-                <a:schemeClr val="accent1"/>
-              </a:effectRef>
-              <a:fontRef idx="minor">
-                <a:schemeClr val="lt1"/>
-              </a:fontRef>
-            </p:style>
-            <p:txBody>
-              <a:bodyPr rot="0" spcFirstLastPara="0" vertOverflow="overflow" horzOverflow="overflow" vert="horz" wrap="square" lIns="91416" tIns="45708" rIns="91416" bIns="45708" numCol="1" spcCol="0" rtlCol="0" fromWordArt="0" anchor="ctr" anchorCtr="0" forceAA="0" compatLnSpc="1">
-                <a:prstTxWarp prst="textNoShape">
-                  <a:avLst/>
-                </a:prstTxWarp>
-                <a:noAutofit/>
-              </a:bodyPr>
-              <a:lstStyle/>
-              <a:p>
-                <a:pPr algn="ctr"/>
-                <a:r>
-                  <a:rPr lang="en-GB" sz="2799" b="1" dirty="0">
-                    <a:solidFill>
-                      <a:srgbClr val="FFFFFF"/>
-                    </a:solidFill>
-                    <a:effectLst>
-                      <a:outerShdw blurRad="38100" dist="38100" dir="2700000" algn="tl">
-                        <a:srgbClr val="000000">
-                          <a:alpha val="43137"/>
-                        </a:srgbClr>
-                      </a:outerShdw>
-                    </a:effectLst>
-                  </a:rPr>
-                  <a:t>…</a:t>
-                </a:r>
-                <a:endParaRPr lang="en-US" sz="2799" b="1" dirty="0">
-                  <a:solidFill>
-                    <a:srgbClr val="FFFFFF"/>
-                  </a:solidFill>
-                  <a:effectLst>
-                    <a:outerShdw blurRad="38100" dist="38100" dir="2700000" algn="tl">
-                      <a:srgbClr val="000000">
-                        <a:alpha val="43137"/>
-                      </a:srgbClr>
-                    </a:outerShdw>
-                  </a:effectLst>
-                </a:endParaRPr>
-              </a:p>
-            </p:txBody>
-          </p:sp>
-          <p:sp>
-            <p:nvSpPr>
-              <p:cNvPr id="10" name="Rectangle 9">
-                <a:extLst>
-                  <a:ext uri="{FF2B5EF4-FFF2-40B4-BE49-F238E27FC236}">
-                    <a16:creationId xmlns:a16="http://schemas.microsoft.com/office/drawing/2014/main" id="{0DBA9A46-DF7D-4BDB-9EA8-E440D9736C12}"/>
-                  </a:ext>
-                </a:extLst>
-              </p:cNvPr>
-              <p:cNvSpPr/>
-              <p:nvPr/>
-            </p:nvSpPr>
-            <p:spPr bwMode="auto">
-              <a:xfrm>
-                <a:off x="5789612" y="3252596"/>
-                <a:ext cx="762000" cy="707323"/>
-              </a:xfrm>
-              <a:prstGeom prst="rect">
-                <a:avLst/>
-              </a:prstGeom>
-              <a:solidFill>
-                <a:schemeClr val="dk2">
-                  <a:alpha val="80000"/>
-                </a:schemeClr>
-              </a:solidFill>
-              <a:ln w="19050">
-                <a:solidFill>
-                  <a:schemeClr val="tx1">
-                    <a:lumMod val="75000"/>
-                    <a:alpha val="80000"/>
-                  </a:schemeClr>
-                </a:solidFill>
-              </a:ln>
-              <a:effectLst/>
-            </p:spPr>
-            <p:style>
-              <a:lnRef idx="2">
-                <a:schemeClr val="accent1">
-                  <a:shade val="50000"/>
-                </a:schemeClr>
-              </a:lnRef>
-              <a:fillRef idx="1001">
-                <a:schemeClr val="dk2"/>
-              </a:fillRef>
-              <a:effectRef idx="0">
-                <a:schemeClr val="accent1"/>
-              </a:effectRef>
-              <a:fontRef idx="minor">
-                <a:schemeClr val="lt1"/>
-              </a:fontRef>
-            </p:style>
-            <p:txBody>
-              <a:bodyPr rot="0" spcFirstLastPara="0" vertOverflow="overflow" horzOverflow="overflow" vert="horz" wrap="square" lIns="91416" tIns="45708" rIns="91416" bIns="45708" numCol="1" spcCol="0" rtlCol="0" fromWordArt="0" anchor="ctr" anchorCtr="0" forceAA="0" compatLnSpc="1">
-                <a:prstTxWarp prst="textNoShape">
-                  <a:avLst/>
-                </a:prstTxWarp>
-                <a:noAutofit/>
-              </a:bodyPr>
-              <a:lstStyle/>
-              <a:p>
-                <a:pPr algn="ctr"/>
-                <a:r>
-                  <a:rPr lang="en-GB" sz="2799" b="1" dirty="0">
-                    <a:solidFill>
-                      <a:srgbClr val="FFFFFF"/>
-                    </a:solidFill>
-                    <a:effectLst>
-                      <a:outerShdw blurRad="38100" dist="38100" dir="2700000" algn="tl">
-                        <a:srgbClr val="000000">
-                          <a:alpha val="43137"/>
-                        </a:srgbClr>
-                      </a:outerShdw>
-                    </a:effectLst>
-                  </a:rPr>
-                  <a:t>…</a:t>
-                </a:r>
-                <a:endParaRPr lang="en-US" sz="2799" b="1" dirty="0">
-                  <a:solidFill>
-                    <a:srgbClr val="FFFFFF"/>
-                  </a:solidFill>
-                  <a:effectLst>
-                    <a:outerShdw blurRad="38100" dist="38100" dir="2700000" algn="tl">
-                      <a:srgbClr val="000000">
-                        <a:alpha val="43137"/>
-                      </a:srgbClr>
-                    </a:outerShdw>
-                  </a:effectLst>
-                </a:endParaRPr>
-              </a:p>
-            </p:txBody>
-          </p:sp>
-          <p:sp>
-            <p:nvSpPr>
-              <p:cNvPr id="11" name="Rectangle 10">
-                <a:extLst>
-                  <a:ext uri="{FF2B5EF4-FFF2-40B4-BE49-F238E27FC236}">
-                    <a16:creationId xmlns:a16="http://schemas.microsoft.com/office/drawing/2014/main" id="{FE09E2F4-5BFA-477B-9650-0BADC1918917}"/>
-                  </a:ext>
-                </a:extLst>
-              </p:cNvPr>
-              <p:cNvSpPr/>
-              <p:nvPr/>
-            </p:nvSpPr>
-            <p:spPr bwMode="auto">
-              <a:xfrm>
-                <a:off x="6551612" y="3252596"/>
-                <a:ext cx="762000" cy="707323"/>
-              </a:xfrm>
-              <a:prstGeom prst="rect">
-                <a:avLst/>
-              </a:prstGeom>
-              <a:solidFill>
-                <a:schemeClr val="dk2">
-                  <a:alpha val="80000"/>
-                </a:schemeClr>
-              </a:solidFill>
-              <a:ln w="19050">
-                <a:solidFill>
-                  <a:schemeClr val="tx1">
-                    <a:lumMod val="75000"/>
-                    <a:alpha val="80000"/>
-                  </a:schemeClr>
-                </a:solidFill>
-              </a:ln>
-              <a:effectLst/>
-            </p:spPr>
-            <p:style>
-              <a:lnRef idx="2">
-                <a:schemeClr val="accent1">
-                  <a:shade val="50000"/>
-                </a:schemeClr>
-              </a:lnRef>
-              <a:fillRef idx="1001">
-                <a:schemeClr val="dk2"/>
-              </a:fillRef>
-              <a:effectRef idx="0">
-                <a:schemeClr val="accent1"/>
-              </a:effectRef>
-              <a:fontRef idx="minor">
-                <a:schemeClr val="lt1"/>
-              </a:fontRef>
-            </p:style>
-            <p:txBody>
-              <a:bodyPr rot="0" spcFirstLastPara="0" vertOverflow="overflow" horzOverflow="overflow" vert="horz" wrap="square" lIns="91416" tIns="45708" rIns="91416" bIns="45708" numCol="1" spcCol="0" rtlCol="0" fromWordArt="0" anchor="ctr" anchorCtr="0" forceAA="0" compatLnSpc="1">
-                <a:prstTxWarp prst="textNoShape">
-                  <a:avLst/>
-                </a:prstTxWarp>
-                <a:noAutofit/>
-              </a:bodyPr>
-              <a:lstStyle/>
-              <a:p>
-                <a:pPr algn="ctr"/>
-                <a:r>
-                  <a:rPr lang="en-GB" sz="2799" b="1" dirty="0">
-                    <a:solidFill>
-                      <a:srgbClr val="FFFFFF"/>
-                    </a:solidFill>
-                    <a:effectLst>
-                      <a:outerShdw blurRad="38100" dist="38100" dir="2700000" algn="tl">
-                        <a:srgbClr val="000000">
-                          <a:alpha val="43137"/>
-                        </a:srgbClr>
-                      </a:outerShdw>
-                    </a:effectLst>
-                  </a:rPr>
-                  <a:t>…</a:t>
-                </a:r>
-                <a:endParaRPr lang="en-US" sz="2799" b="1" dirty="0">
-                  <a:solidFill>
-                    <a:srgbClr val="FFFFFF"/>
-                  </a:solidFill>
-                  <a:effectLst>
-                    <a:outerShdw blurRad="38100" dist="38100" dir="2700000" algn="tl">
-                      <a:srgbClr val="000000">
-                        <a:alpha val="43137"/>
-                      </a:srgbClr>
-                    </a:outerShdw>
-                  </a:effectLst>
-                </a:endParaRPr>
-              </a:p>
-            </p:txBody>
-          </p:sp>
-          <p:sp>
-            <p:nvSpPr>
-              <p:cNvPr id="12" name="TextBox 11">
-                <a:extLst>
-                  <a:ext uri="{FF2B5EF4-FFF2-40B4-BE49-F238E27FC236}">
-                    <a16:creationId xmlns:a16="http://schemas.microsoft.com/office/drawing/2014/main" id="{E0FB450E-3184-473E-8891-ED196D13D0C6}"/>
-                  </a:ext>
-                </a:extLst>
-              </p:cNvPr>
-              <p:cNvSpPr txBox="1"/>
-              <p:nvPr/>
-            </p:nvSpPr>
-            <p:spPr>
-              <a:xfrm>
-                <a:off x="3628050" y="2626527"/>
-                <a:ext cx="522608" cy="707323"/>
-              </a:xfrm>
-              <a:prstGeom prst="rect">
-                <a:avLst/>
-              </a:prstGeom>
-              <a:noFill/>
-              <a:ln w="12700">
-                <a:noFill/>
-              </a:ln>
-            </p:spPr>
-            <p:txBody>
-              <a:bodyPr vert="horz" wrap="none" lIns="143963" tIns="107972" rIns="143963" bIns="107972" rtlCol="0">
-                <a:spAutoFit/>
-              </a:bodyPr>
-              <a:lstStyle/>
-              <a:p>
-                <a:pPr algn="ctr" eaLnBrk="0" hangingPunct="0">
-                  <a:lnSpc>
-                    <a:spcPct val="110000"/>
-                  </a:lnSpc>
-                  <a:buClr>
-                    <a:schemeClr val="accent5">
-                      <a:lumMod val="40000"/>
-                      <a:lumOff val="60000"/>
-                    </a:schemeClr>
-                  </a:buClr>
-                  <a:buSzPct val="70000"/>
-                </a:pPr>
-                <a:r>
-                  <a:rPr lang="en-GB" sz="2399" dirty="0"/>
-                  <a:t>0</a:t>
-                </a:r>
-                <a:endParaRPr lang="en-US" sz="2399" dirty="0"/>
-              </a:p>
-            </p:txBody>
-          </p:sp>
-          <p:sp>
-            <p:nvSpPr>
-              <p:cNvPr id="13" name="TextBox 12">
-                <a:extLst>
-                  <a:ext uri="{FF2B5EF4-FFF2-40B4-BE49-F238E27FC236}">
-                    <a16:creationId xmlns:a16="http://schemas.microsoft.com/office/drawing/2014/main" id="{C0B82693-A7BA-4CBF-A303-0531FE0A2AC4}"/>
-                  </a:ext>
-                </a:extLst>
-              </p:cNvPr>
-              <p:cNvSpPr txBox="1"/>
-              <p:nvPr/>
-            </p:nvSpPr>
-            <p:spPr>
-              <a:xfrm>
-                <a:off x="4390051" y="2626528"/>
-                <a:ext cx="522608" cy="707323"/>
-              </a:xfrm>
-              <a:prstGeom prst="rect">
-                <a:avLst/>
-              </a:prstGeom>
-              <a:noFill/>
-              <a:ln w="12700">
-                <a:noFill/>
-              </a:ln>
-            </p:spPr>
-            <p:txBody>
-              <a:bodyPr vert="horz" wrap="none" lIns="143963" tIns="107972" rIns="143963" bIns="107972" rtlCol="0">
-                <a:spAutoFit/>
-              </a:bodyPr>
-              <a:lstStyle/>
-              <a:p>
-                <a:pPr algn="ctr" eaLnBrk="0" hangingPunct="0">
-                  <a:lnSpc>
-                    <a:spcPct val="110000"/>
-                  </a:lnSpc>
-                  <a:buClr>
-                    <a:schemeClr val="accent5">
-                      <a:lumMod val="40000"/>
-                      <a:lumOff val="60000"/>
-                    </a:schemeClr>
-                  </a:buClr>
-                  <a:buSzPct val="70000"/>
-                </a:pPr>
-                <a:r>
-                  <a:rPr lang="en-GB" sz="2399" dirty="0"/>
-                  <a:t>1</a:t>
-                </a:r>
-                <a:endParaRPr lang="en-US" sz="2399" dirty="0"/>
-              </a:p>
-            </p:txBody>
-          </p:sp>
-          <p:sp>
-            <p:nvSpPr>
-              <p:cNvPr id="14" name="TextBox 13">
-                <a:extLst>
-                  <a:ext uri="{FF2B5EF4-FFF2-40B4-BE49-F238E27FC236}">
-                    <a16:creationId xmlns:a16="http://schemas.microsoft.com/office/drawing/2014/main" id="{D2236A12-73B0-4507-8100-398EFAAA8BB8}"/>
-                  </a:ext>
-                </a:extLst>
-              </p:cNvPr>
-              <p:cNvSpPr txBox="1"/>
-              <p:nvPr/>
-            </p:nvSpPr>
-            <p:spPr>
-              <a:xfrm>
-                <a:off x="5152050" y="2626525"/>
-                <a:ext cx="522608" cy="707323"/>
-              </a:xfrm>
-              <a:prstGeom prst="rect">
-                <a:avLst/>
-              </a:prstGeom>
-              <a:noFill/>
-              <a:ln w="12700">
-                <a:noFill/>
-              </a:ln>
-            </p:spPr>
-            <p:txBody>
-              <a:bodyPr vert="horz" wrap="none" lIns="143963" tIns="107972" rIns="143963" bIns="107972" rtlCol="0">
-                <a:spAutoFit/>
-              </a:bodyPr>
-              <a:lstStyle/>
-              <a:p>
-                <a:pPr algn="ctr" eaLnBrk="0" hangingPunct="0">
-                  <a:lnSpc>
-                    <a:spcPct val="110000"/>
-                  </a:lnSpc>
-                  <a:buClr>
-                    <a:schemeClr val="accent5">
-                      <a:lumMod val="40000"/>
-                      <a:lumOff val="60000"/>
-                    </a:schemeClr>
-                  </a:buClr>
-                  <a:buSzPct val="70000"/>
-                </a:pPr>
-                <a:r>
-                  <a:rPr lang="en-GB" sz="2399" dirty="0"/>
-                  <a:t>2</a:t>
-                </a:r>
-                <a:endParaRPr lang="en-US" sz="2399" dirty="0"/>
-              </a:p>
-            </p:txBody>
-          </p:sp>
-          <p:sp>
-            <p:nvSpPr>
-              <p:cNvPr id="15" name="TextBox 14">
-                <a:extLst>
-                  <a:ext uri="{FF2B5EF4-FFF2-40B4-BE49-F238E27FC236}">
-                    <a16:creationId xmlns:a16="http://schemas.microsoft.com/office/drawing/2014/main" id="{C741D566-FF9E-4E27-9784-3DDEA013E746}"/>
-                  </a:ext>
-                </a:extLst>
-              </p:cNvPr>
-              <p:cNvSpPr txBox="1"/>
-              <p:nvPr/>
-            </p:nvSpPr>
-            <p:spPr>
-              <a:xfrm>
-                <a:off x="5914051" y="2630828"/>
-                <a:ext cx="522608" cy="707324"/>
-              </a:xfrm>
-              <a:prstGeom prst="rect">
-                <a:avLst/>
-              </a:prstGeom>
-              <a:noFill/>
-              <a:ln w="12700">
-                <a:noFill/>
-              </a:ln>
-            </p:spPr>
-            <p:txBody>
-              <a:bodyPr vert="horz" wrap="none" lIns="143963" tIns="107972" rIns="143963" bIns="107972" rtlCol="0">
-                <a:spAutoFit/>
-              </a:bodyPr>
-              <a:lstStyle/>
-              <a:p>
-                <a:pPr algn="ctr" eaLnBrk="0" hangingPunct="0">
-                  <a:lnSpc>
-                    <a:spcPct val="110000"/>
-                  </a:lnSpc>
-                  <a:buClr>
-                    <a:schemeClr val="accent5">
-                      <a:lumMod val="40000"/>
-                      <a:lumOff val="60000"/>
-                    </a:schemeClr>
-                  </a:buClr>
-                  <a:buSzPct val="70000"/>
-                </a:pPr>
-                <a:r>
-                  <a:rPr lang="en-GB" sz="2399" dirty="0"/>
-                  <a:t>3</a:t>
-                </a:r>
-                <a:endParaRPr lang="en-US" sz="2399" dirty="0"/>
-              </a:p>
-            </p:txBody>
-          </p:sp>
-          <p:sp>
-            <p:nvSpPr>
-              <p:cNvPr id="16" name="TextBox 15">
-                <a:extLst>
-                  <a:ext uri="{FF2B5EF4-FFF2-40B4-BE49-F238E27FC236}">
-                    <a16:creationId xmlns:a16="http://schemas.microsoft.com/office/drawing/2014/main" id="{305FB445-D62D-4FD6-8C9D-02DE6979E2F3}"/>
-                  </a:ext>
-                </a:extLst>
-              </p:cNvPr>
-              <p:cNvSpPr txBox="1"/>
-              <p:nvPr/>
-            </p:nvSpPr>
-            <p:spPr>
-              <a:xfrm>
-                <a:off x="6673728" y="2626525"/>
-                <a:ext cx="522608" cy="707324"/>
-              </a:xfrm>
-              <a:prstGeom prst="rect">
-                <a:avLst/>
-              </a:prstGeom>
-              <a:noFill/>
-              <a:ln w="12700">
-                <a:noFill/>
-              </a:ln>
-            </p:spPr>
-            <p:txBody>
-              <a:bodyPr vert="horz" wrap="none" lIns="143963" tIns="107972" rIns="143963" bIns="107972" rtlCol="0">
-                <a:spAutoFit/>
-              </a:bodyPr>
-              <a:lstStyle/>
-              <a:p>
-                <a:pPr algn="ctr" eaLnBrk="0" hangingPunct="0">
-                  <a:lnSpc>
-                    <a:spcPct val="110000"/>
-                  </a:lnSpc>
-                  <a:buClr>
-                    <a:schemeClr val="accent5">
-                      <a:lumMod val="40000"/>
-                      <a:lumOff val="60000"/>
-                    </a:schemeClr>
-                  </a:buClr>
-                  <a:buSzPct val="70000"/>
-                </a:pPr>
-                <a:r>
-                  <a:rPr lang="en-GB" sz="2399" dirty="0"/>
-                  <a:t>4</a:t>
-                </a:r>
-                <a:endParaRPr lang="en-US" sz="2399" dirty="0"/>
-              </a:p>
-            </p:txBody>
-          </p:sp>
-        </p:grpSp>
-        <p:sp>
-          <p:nvSpPr>
-            <p:cNvPr id="2" name="TextBox 1">
-              <a:extLst>
-                <a:ext uri="{FF2B5EF4-FFF2-40B4-BE49-F238E27FC236}">
-                  <a16:creationId xmlns:a16="http://schemas.microsoft.com/office/drawing/2014/main" id="{E6869336-6A46-44CA-95CF-C40969CE9E6E}"/>
-                </a:ext>
-              </a:extLst>
-            </p:cNvPr>
-            <p:cNvSpPr txBox="1"/>
-            <p:nvPr/>
-          </p:nvSpPr>
-          <p:spPr>
-            <a:xfrm>
-              <a:off x="305055" y="4464001"/>
-              <a:ext cx="4575603" cy="1061766"/>
-            </a:xfrm>
-            <a:prstGeom prst="rect">
-              <a:avLst/>
-            </a:prstGeom>
-            <a:noFill/>
-            <a:ln w="12700">
-              <a:noFill/>
-            </a:ln>
-          </p:spPr>
-          <p:txBody>
-            <a:bodyPr vert="horz" wrap="none" lIns="143963" tIns="107972" rIns="143963" bIns="107972" rtlCol="0" anchor="t">
-              <a:spAutoFit/>
-            </a:bodyPr>
-            <a:lstStyle/>
-            <a:p>
-              <a:pPr algn="ctr" eaLnBrk="0" hangingPunct="0">
-                <a:lnSpc>
-                  <a:spcPct val="110000"/>
-                </a:lnSpc>
-                <a:buClr>
-                  <a:schemeClr val="accent5">
-                    <a:lumMod val="40000"/>
-                    <a:lumOff val="60000"/>
-                  </a:schemeClr>
-                </a:buClr>
-                <a:buSzPct val="70000"/>
-              </a:pPr>
-              <a:r>
-                <a:rPr lang="en-US" sz="2750" b="1" dirty="0" err="1"/>
-                <a:t>Масив</a:t>
-              </a:r>
-              <a:r>
-                <a:rPr lang="en-US" sz="2750" b="1" dirty="0"/>
-                <a:t>/</a:t>
-              </a:r>
-              <a:r>
-                <a:rPr lang="en-US" sz="2750" b="1" dirty="0" err="1"/>
-                <a:t>Списък</a:t>
-              </a:r>
-              <a:br>
-                <a:rPr lang="en-US" sz="2750" dirty="0"/>
-              </a:br>
-              <a:r>
-                <a:rPr lang="en-US" sz="2350" dirty="0"/>
-                <a:t>(</a:t>
-              </a:r>
-              <a:r>
-                <a:rPr lang="en-US" sz="2350" dirty="0" err="1"/>
-                <a:t>индексирана</a:t>
-              </a:r>
-              <a:r>
-                <a:rPr lang="en-US" sz="2350" dirty="0"/>
-                <a:t> </a:t>
-              </a:r>
-              <a:r>
-                <a:rPr lang="en-US" sz="2350" dirty="0" err="1"/>
-                <a:t>група</a:t>
-              </a:r>
-              <a:r>
-                <a:rPr lang="en-US" sz="2350" dirty="0"/>
-                <a:t> </a:t>
-              </a:r>
-              <a:r>
-                <a:rPr lang="en-US" sz="2350" dirty="0" err="1"/>
-                <a:t>от</a:t>
-              </a:r>
-              <a:r>
-                <a:rPr lang="en-US" sz="2350" dirty="0"/>
-                <a:t> </a:t>
-              </a:r>
-              <a:r>
-                <a:rPr lang="en-US" sz="2350" dirty="0" err="1"/>
-                <a:t>елементи</a:t>
-              </a:r>
-              <a:r>
-                <a:rPr lang="en-US" sz="2350" dirty="0"/>
-                <a:t>)</a:t>
-              </a:r>
-            </a:p>
-          </p:txBody>
-        </p:sp>
-      </p:grpSp>
-      <p:grpSp>
-        <p:nvGrpSpPr>
-          <p:cNvPr id="19" name="Group 18">
-            <a:extLst>
-              <a:ext uri="{FF2B5EF4-FFF2-40B4-BE49-F238E27FC236}">
-                <a16:creationId xmlns:a16="http://schemas.microsoft.com/office/drawing/2014/main" id="{F586CCAF-0FB2-41C2-9856-58F2FDCBE014}"/>
-              </a:ext>
-            </a:extLst>
-          </p:cNvPr>
-          <p:cNvGrpSpPr/>
-          <p:nvPr/>
-        </p:nvGrpSpPr>
-        <p:grpSpPr>
-          <a:xfrm>
-            <a:off x="4932017" y="4701103"/>
-            <a:ext cx="6842795" cy="1642178"/>
-            <a:chOff x="4550001" y="3873461"/>
-            <a:chExt cx="6844577" cy="1642605"/>
-          </a:xfrm>
-        </p:grpSpPr>
-        <p:pic>
-          <p:nvPicPr>
-            <p:cNvPr id="17" name="Picture 16">
-              <a:extLst>
-                <a:ext uri="{FF2B5EF4-FFF2-40B4-BE49-F238E27FC236}">
-                  <a16:creationId xmlns:a16="http://schemas.microsoft.com/office/drawing/2014/main" id="{048AB56A-A9C7-4314-8BB7-5F721CB94FB0}"/>
-                </a:ext>
-              </a:extLst>
-            </p:cNvPr>
-            <p:cNvPicPr>
-              <a:picLocks noChangeAspect="1"/>
-            </p:cNvPicPr>
-            <p:nvPr/>
-          </p:nvPicPr>
-          <p:blipFill>
-            <a:blip r:embed="rId3"/>
-            <a:stretch>
-              <a:fillRect/>
-            </a:stretch>
-          </p:blipFill>
-          <p:spPr>
-            <a:xfrm>
-              <a:off x="4550001" y="3873461"/>
-              <a:ext cx="6844577" cy="550639"/>
-            </a:xfrm>
-            <a:prstGeom prst="rect">
-              <a:avLst/>
-            </a:prstGeom>
-          </p:spPr>
-        </p:pic>
-        <p:sp>
-          <p:nvSpPr>
-            <p:cNvPr id="18" name="TextBox 17">
-              <a:extLst>
-                <a:ext uri="{FF2B5EF4-FFF2-40B4-BE49-F238E27FC236}">
-                  <a16:creationId xmlns:a16="http://schemas.microsoft.com/office/drawing/2014/main" id="{2C9ED468-B0EB-40C9-AA9B-679A6E70FB31}"/>
-                </a:ext>
-              </a:extLst>
-            </p:cNvPr>
-            <p:cNvSpPr txBox="1"/>
-            <p:nvPr/>
-          </p:nvSpPr>
-          <p:spPr>
-            <a:xfrm>
-              <a:off x="5807506" y="4454301"/>
-              <a:ext cx="4329573" cy="1061765"/>
-            </a:xfrm>
-            <a:prstGeom prst="rect">
-              <a:avLst/>
-            </a:prstGeom>
-            <a:noFill/>
-            <a:ln w="12700">
-              <a:noFill/>
-            </a:ln>
-          </p:spPr>
-          <p:txBody>
-            <a:bodyPr vert="horz" wrap="none" lIns="143963" tIns="107972" rIns="143963" bIns="107972" rtlCol="0" anchor="t">
-              <a:spAutoFit/>
-            </a:bodyPr>
-            <a:lstStyle/>
-            <a:p>
-              <a:pPr algn="ctr">
-                <a:lnSpc>
-                  <a:spcPct val="110000"/>
-                </a:lnSpc>
-              </a:pPr>
-              <a:r>
-                <a:rPr lang="en-US" sz="2750" b="1" dirty="0"/>
-                <a:t>Свързан </a:t>
-              </a:r>
-              <a:r>
-                <a:rPr lang="en-US" sz="2750" b="1" dirty="0" err="1"/>
-                <a:t>списък</a:t>
-              </a:r>
-              <a:endParaRPr lang="bg-BG" sz="2350" dirty="0" err="1"/>
-            </a:p>
-            <a:p>
-              <a:pPr algn="ctr">
-                <a:lnSpc>
-                  <a:spcPct val="110000"/>
-                </a:lnSpc>
-              </a:pPr>
-              <a:r>
-                <a:rPr lang="en-US" sz="2350" dirty="0"/>
-                <a:t>(</a:t>
-              </a:r>
-              <a:r>
-                <a:rPr lang="en-US" sz="2350" dirty="0" err="1"/>
-                <a:t>редица</a:t>
-              </a:r>
-              <a:r>
-                <a:rPr lang="en-US" sz="2350" dirty="0"/>
-                <a:t> </a:t>
-              </a:r>
-              <a:r>
-                <a:rPr lang="en-US" sz="2350" dirty="0" err="1"/>
-                <a:t>от</a:t>
-              </a:r>
-              <a:r>
-                <a:rPr lang="en-US" sz="2350" dirty="0"/>
-                <a:t> </a:t>
-              </a:r>
-              <a:r>
-                <a:rPr lang="en-US" sz="2350" dirty="0" err="1"/>
-                <a:t>свързани</a:t>
-              </a:r>
-              <a:r>
-                <a:rPr lang="en-US" sz="2350" dirty="0"/>
-                <a:t> </a:t>
-              </a:r>
-              <a:r>
-                <a:rPr lang="en-US" sz="2350" dirty="0" err="1"/>
-                <a:t>елементи</a:t>
-              </a:r>
-              <a:r>
-                <a:rPr lang="en-US" sz="2350" dirty="0"/>
-                <a:t>)</a:t>
-              </a:r>
-              <a:endParaRPr lang="bg-BG" sz="2350" dirty="0">
-                <a:cs typeface="Calibri"/>
-              </a:endParaRPr>
-            </a:p>
-          </p:txBody>
-        </p:sp>
-      </p:grpSp>
-      <p:grpSp>
-        <p:nvGrpSpPr>
-          <p:cNvPr id="21" name="Group 20">
-            <a:extLst>
-              <a:ext uri="{FF2B5EF4-FFF2-40B4-BE49-F238E27FC236}">
-                <a16:creationId xmlns:a16="http://schemas.microsoft.com/office/drawing/2014/main" id="{45EC9FF7-0192-4CC0-B1BC-75AE6E7F284A}"/>
-              </a:ext>
-            </a:extLst>
-          </p:cNvPr>
-          <p:cNvGrpSpPr/>
-          <p:nvPr/>
-        </p:nvGrpSpPr>
-        <p:grpSpPr>
-          <a:xfrm>
-            <a:off x="842397" y="5434203"/>
-            <a:ext cx="3786364" cy="1422804"/>
-            <a:chOff x="831000" y="5366287"/>
-            <a:chExt cx="3787350" cy="1423175"/>
-          </a:xfrm>
-        </p:grpSpPr>
-        <p:pic>
-          <p:nvPicPr>
-            <p:cNvPr id="2052" name="Picture 4" descr="Javascript Data Structures - Queues &amp; Priority Queues - Way2Net">
-              <a:extLst>
-                <a:ext uri="{FF2B5EF4-FFF2-40B4-BE49-F238E27FC236}">
-                  <a16:creationId xmlns:a16="http://schemas.microsoft.com/office/drawing/2014/main" id="{886B4948-6A35-4EBB-849A-BCF3AFCF72AF}"/>
-                </a:ext>
-              </a:extLst>
-            </p:cNvPr>
-            <p:cNvPicPr>
-              <a:picLocks noChangeAspect="1" noChangeArrowheads="1"/>
-            </p:cNvPicPr>
-            <p:nvPr/>
-          </p:nvPicPr>
-          <p:blipFill>
-            <a:blip r:embed="rId4">
-              <a:clrChange>
-                <a:clrFrom>
-                  <a:srgbClr val="FFFFFF"/>
-                </a:clrFrom>
-                <a:clrTo>
-                  <a:srgbClr val="FFFFFF">
-                    <a:alpha val="0"/>
-                  </a:srgbClr>
-                </a:clrTo>
-              </a:clrChange>
-              <a:extLst>
-                <a:ext uri="{28A0092B-C50C-407E-A947-70E740481C1C}">
-                  <a14:useLocalDpi xmlns:a14="http://schemas.microsoft.com/office/drawing/2010/main" val="0"/>
-                </a:ext>
-              </a:extLst>
-            </a:blip>
-            <a:srcRect/>
-            <a:stretch>
-              <a:fillRect/>
-            </a:stretch>
-          </p:blipFill>
-          <p:spPr bwMode="auto">
-            <a:xfrm>
-              <a:off x="831000" y="5366287"/>
-              <a:ext cx="3787350" cy="1257713"/>
-            </a:xfrm>
-            <a:prstGeom prst="rect">
-              <a:avLst/>
-            </a:prstGeom>
-            <a:noFill/>
-            <a:extLst>
-              <a:ext uri="{909E8E84-426E-40DD-AFC4-6F175D3DCCD1}">
-                <a14:hiddenFill xmlns:a14="http://schemas.microsoft.com/office/drawing/2010/main">
-                  <a:solidFill>
-                    <a:srgbClr val="FFFFFF"/>
-                  </a:solidFill>
-                </a14:hiddenFill>
-              </a:ext>
-            </a:extLst>
-          </p:spPr>
-        </p:pic>
-        <p:sp>
-          <p:nvSpPr>
-            <p:cNvPr id="24" name="TextBox 23">
-              <a:extLst>
-                <a:ext uri="{FF2B5EF4-FFF2-40B4-BE49-F238E27FC236}">
-                  <a16:creationId xmlns:a16="http://schemas.microsoft.com/office/drawing/2014/main" id="{C7352170-67EC-4164-A418-F4D59969CF1B}"/>
-                </a:ext>
-              </a:extLst>
-            </p:cNvPr>
-            <p:cNvSpPr txBox="1"/>
-            <p:nvPr/>
-          </p:nvSpPr>
-          <p:spPr>
-            <a:xfrm>
-              <a:off x="1889933" y="6129000"/>
-              <a:ext cx="1508132" cy="660462"/>
-            </a:xfrm>
-            <a:prstGeom prst="rect">
-              <a:avLst/>
-            </a:prstGeom>
-            <a:noFill/>
-            <a:ln w="12700">
-              <a:noFill/>
-            </a:ln>
-          </p:spPr>
-          <p:txBody>
-            <a:bodyPr vert="horz" wrap="none" lIns="143963" tIns="107972" rIns="143963" bIns="107972" rtlCol="0" anchor="t">
-              <a:spAutoFit/>
-            </a:bodyPr>
-            <a:lstStyle/>
-            <a:p>
-              <a:pPr algn="ctr">
-                <a:lnSpc>
-                  <a:spcPct val="110000"/>
-                </a:lnSpc>
-              </a:pPr>
-              <a:r>
-                <a:rPr lang="en-US" sz="2750" b="1" dirty="0" err="1"/>
-                <a:t>Опашка</a:t>
-              </a:r>
-              <a:endParaRPr lang="en-US" sz="2750" b="1" dirty="0" err="1">
-                <a:cs typeface="Calibri"/>
-              </a:endParaRPr>
-            </a:p>
-          </p:txBody>
-        </p:sp>
-      </p:grpSp>
       <p:sp>
         <p:nvSpPr>
           <p:cNvPr id="25" name="Slide Number">
@@ -43997,7 +41976,7 @@
             <a:fld id="{2BF067CD-8E6B-4360-9AA8-C5DF2A48A6D1}" type="slidenum">
               <a:rPr lang="en-US" noProof="0" smtClean="0"/>
               <a:pPr/>
-              <a:t>5</a:t>
+              <a:t>4</a:t>
             </a:fld>
             <a:endParaRPr lang="en-US" noProof="0" dirty="0"/>
           </a:p>
@@ -44153,7 +42132,11 @@
                                           </p:stCondLst>
                                         </p:cTn>
                                         <p:tgtEl>
-                                          <p:spTgt spid="20"/>
+                                          <p:spTgt spid="3">
+                                            <p:txEl>
+                                              <p:pRg st="2" end="2"/>
+                                            </p:txEl>
+                                          </p:spTgt>
                                         </p:tgtEl>
                                         <p:attrNameLst>
                                           <p:attrName>style.visibility</p:attrName>
@@ -44198,7 +42181,11 @@
                                           </p:stCondLst>
                                         </p:cTn>
                                         <p:tgtEl>
-                                          <p:spTgt spid="21"/>
+                                          <p:spTgt spid="3">
+                                            <p:txEl>
+                                              <p:pRg st="3" end="3"/>
+                                            </p:txEl>
+                                          </p:spTgt>
                                         </p:tgtEl>
                                         <p:attrNameLst>
                                           <p:attrName>style.visibility</p:attrName>
@@ -44243,7 +42230,1040 @@
                                           </p:stCondLst>
                                         </p:cTn>
                                         <p:tgtEl>
-                                          <p:spTgt spid="19"/>
+                                          <p:spTgt spid="3">
+                                            <p:txEl>
+                                              <p:pRg st="4" end="4"/>
+                                            </p:txEl>
+                                          </p:spTgt>
+                                        </p:tgtEl>
+                                        <p:attrNameLst>
+                                          <p:attrName>style.visibility</p:attrName>
+                                        </p:attrNameLst>
+                                      </p:cBhvr>
+                                      <p:to>
+                                        <p:strVal val="visible"/>
+                                      </p:to>
+                                    </p:set>
+                                  </p:childTnLst>
+                                </p:cTn>
+                              </p:par>
+                            </p:childTnLst>
+                          </p:cTn>
+                        </p:par>
+                      </p:childTnLst>
+                    </p:cTn>
+                  </p:par>
+                  <p:par>
+                    <p:cTn id="23" fill="hold">
+                      <p:stCondLst>
+                        <p:cond delay="indefinite"/>
+                      </p:stCondLst>
+                      <p:childTnLst>
+                        <p:par>
+                          <p:cTn id="24" fill="hold">
+                            <p:stCondLst>
+                              <p:cond delay="0"/>
+                            </p:stCondLst>
+                            <p:childTnLst>
+                              <p:par>
+                                <p:cTn id="25" presetID="1" presetClass="entr" presetSubtype="0" fill="hold" nodeType="clickEffect">
+                                  <p:stCondLst>
+                                    <p:cond delay="0"/>
+                                  </p:stCondLst>
+                                  <p:childTnLst>
+                                    <p:set>
+                                      <p:cBhvr>
+                                        <p:cTn id="26" dur="1" fill="hold">
+                                          <p:stCondLst>
+                                            <p:cond delay="0"/>
+                                          </p:stCondLst>
+                                        </p:cTn>
+                                        <p:tgtEl>
+                                          <p:spTgt spid="3">
+                                            <p:txEl>
+                                              <p:pRg st="5" end="5"/>
+                                            </p:txEl>
+                                          </p:spTgt>
+                                        </p:tgtEl>
+                                        <p:attrNameLst>
+                                          <p:attrName>style.visibility</p:attrName>
+                                        </p:attrNameLst>
+                                      </p:cBhvr>
+                                      <p:to>
+                                        <p:strVal val="visible"/>
+                                      </p:to>
+                                    </p:set>
+                                  </p:childTnLst>
+                                </p:cTn>
+                              </p:par>
+                            </p:childTnLst>
+                          </p:cTn>
+                        </p:par>
+                      </p:childTnLst>
+                    </p:cTn>
+                  </p:par>
+                </p:childTnLst>
+              </p:cTn>
+              <p:prevCondLst>
+                <p:cond evt="onPrev" delay="0">
+                  <p:tgtEl>
+                    <p:sldTgt/>
+                  </p:tgtEl>
+                </p:cond>
+              </p:prevCondLst>
+              <p:nextCondLst>
+                <p:cond evt="onNext" delay="0">
+                  <p:tgtEl>
+                    <p:sldTgt/>
+                  </p:tgtEl>
+                </p:cond>
+              </p:nextCondLst>
+            </p:seq>
+          </p:childTnLst>
+        </p:cTn>
+      </p:par>
+    </p:tnLst>
+  </p:timing>
+</p:sld>
+</file>
+
+<file path=ppt/slides/slide5.xml><?xml version="1.0" encoding="utf-8"?>
+<p:sld xmlns:a="http://schemas.openxmlformats.org/drawingml/2006/main" xmlns:r="http://schemas.openxmlformats.org/officeDocument/2006/relationships" xmlns:p="http://schemas.openxmlformats.org/presentationml/2006/main">
+  <p:cSld>
+    <p:spTree>
+      <p:nvGrpSpPr>
+        <p:cNvPr id="1" name=""/>
+        <p:cNvGrpSpPr/>
+        <p:nvPr/>
+      </p:nvGrpSpPr>
+      <p:grpSpPr>
+        <a:xfrm>
+          <a:off x="0" y="0"/>
+          <a:ext cx="0" cy="0"/>
+          <a:chOff x="0" y="0"/>
+          <a:chExt cx="0" cy="0"/>
+        </a:xfrm>
+      </p:grpSpPr>
+      <p:sp>
+        <p:nvSpPr>
+          <p:cNvPr id="7" name="Content Placeholder 6"/>
+          <p:cNvSpPr>
+            <a:spLocks noGrp="1"/>
+          </p:cNvSpPr>
+          <p:nvPr>
+            <p:ph type="body" sz="quarter" idx="10"/>
+          </p:nvPr>
+        </p:nvSpPr>
+        <p:spPr/>
+        <p:txBody>
+          <a:bodyPr vert="horz" lIns="108000" tIns="36000" rIns="108000" bIns="36000" rtlCol="0" anchor="t">
+            <a:normAutofit/>
+          </a:bodyPr>
+          <a:lstStyle/>
+          <a:p>
+            <a:pPr marL="360045" indent="-360045">
+              <a:buClr>
+                <a:schemeClr val="tx1"/>
+              </a:buClr>
+            </a:pPr>
+            <a:r>
+              <a:rPr lang="bg-BG" b="1" dirty="0">
+                <a:solidFill>
+                  <a:schemeClr val="bg1"/>
+                </a:solidFill>
+              </a:rPr>
+              <a:t>Структурата от данни</a:t>
+            </a:r>
+            <a:r>
+              <a:rPr lang="en-US" b="1" dirty="0">
+                <a:solidFill>
+                  <a:schemeClr val="bg1"/>
+                </a:solidFill>
+              </a:rPr>
+              <a:t> </a:t>
+            </a:r>
+            <a:r>
+              <a:rPr lang="bg-BG" dirty="0"/>
+              <a:t>и </a:t>
+            </a:r>
+            <a:r>
+              <a:rPr lang="bg-BG" dirty="0" err="1"/>
+              <a:t>алогоритмите</a:t>
+            </a:r>
+            <a:r>
+              <a:rPr lang="bg-BG" dirty="0"/>
+              <a:t> са основата на програмирането</a:t>
+            </a:r>
+          </a:p>
+          <a:p>
+            <a:pPr marL="360045" indent="-360045">
+              <a:buClr>
+                <a:schemeClr val="tx1"/>
+              </a:buClr>
+            </a:pPr>
+            <a:r>
+              <a:rPr lang="en-US" sz="3150" dirty="0" err="1">
+                <a:ea typeface="+mn-lt"/>
+                <a:cs typeface="+mn-lt"/>
+              </a:rPr>
+              <a:t>Ал</a:t>
+            </a:r>
+            <a:r>
+              <a:rPr lang="bg-BG" sz="3150" dirty="0">
+                <a:ea typeface="+mn-lt"/>
+                <a:cs typeface="+mn-lt"/>
+              </a:rPr>
+              <a:t>г</a:t>
+            </a:r>
+            <a:r>
+              <a:rPr lang="en-US" sz="3150" dirty="0" err="1">
+                <a:ea typeface="+mn-lt"/>
+                <a:cs typeface="+mn-lt"/>
+              </a:rPr>
+              <a:t>оритмичното</a:t>
+            </a:r>
+            <a:r>
+              <a:rPr lang="en-US" sz="3150" dirty="0">
+                <a:ea typeface="+mn-lt"/>
+                <a:cs typeface="+mn-lt"/>
+              </a:rPr>
+              <a:t> </a:t>
+            </a:r>
+            <a:r>
+              <a:rPr lang="en-US" sz="3150" dirty="0" err="1">
+                <a:ea typeface="+mn-lt"/>
+                <a:cs typeface="+mn-lt"/>
+              </a:rPr>
+              <a:t>мислене</a:t>
+            </a:r>
+            <a:r>
+              <a:rPr lang="en-US" sz="3150" dirty="0">
+                <a:ea typeface="+mn-lt"/>
+                <a:cs typeface="+mn-lt"/>
+              </a:rPr>
+              <a:t>, </a:t>
+            </a:r>
+            <a:r>
+              <a:rPr lang="en-US" sz="3150" dirty="0" err="1">
+                <a:ea typeface="+mn-lt"/>
+                <a:cs typeface="+mn-lt"/>
+              </a:rPr>
+              <a:t>решаването</a:t>
+            </a:r>
+            <a:r>
+              <a:rPr lang="en-US" sz="3150" dirty="0">
+                <a:ea typeface="+mn-lt"/>
+                <a:cs typeface="+mn-lt"/>
+              </a:rPr>
+              <a:t> </a:t>
+            </a:r>
+            <a:r>
+              <a:rPr lang="en-US" sz="3150" dirty="0" err="1">
+                <a:ea typeface="+mn-lt"/>
+                <a:cs typeface="+mn-lt"/>
+              </a:rPr>
+              <a:t>на</a:t>
+            </a:r>
+            <a:r>
+              <a:rPr lang="en-US" sz="3150" dirty="0">
+                <a:ea typeface="+mn-lt"/>
+                <a:cs typeface="+mn-lt"/>
+              </a:rPr>
+              <a:t> </a:t>
+            </a:r>
+            <a:r>
+              <a:rPr lang="en-US" sz="3150" dirty="0" err="1">
+                <a:ea typeface="+mn-lt"/>
+                <a:cs typeface="+mn-lt"/>
+              </a:rPr>
+              <a:t>задачи</a:t>
+            </a:r>
+            <a:r>
+              <a:rPr lang="en-US" sz="3150" dirty="0">
+                <a:ea typeface="+mn-lt"/>
+                <a:cs typeface="+mn-lt"/>
+              </a:rPr>
+              <a:t> </a:t>
+            </a:r>
+            <a:r>
+              <a:rPr lang="en-US" sz="3150" dirty="0" err="1">
+                <a:ea typeface="+mn-lt"/>
+                <a:cs typeface="+mn-lt"/>
+              </a:rPr>
+              <a:t>и</a:t>
+            </a:r>
+            <a:r>
+              <a:rPr lang="en-US" sz="3150" dirty="0">
+                <a:ea typeface="+mn-lt"/>
+                <a:cs typeface="+mn-lt"/>
+              </a:rPr>
+              <a:t> </a:t>
+            </a:r>
+            <a:r>
+              <a:rPr lang="en-US" sz="3150" dirty="0" err="1">
+                <a:ea typeface="+mn-lt"/>
+                <a:cs typeface="+mn-lt"/>
+              </a:rPr>
+              <a:t>стуктур</a:t>
+            </a:r>
+            <a:r>
+              <a:rPr lang="bg-BG" sz="3150" dirty="0" err="1">
+                <a:ea typeface="+mn-lt"/>
+                <a:cs typeface="+mn-lt"/>
+              </a:rPr>
+              <a:t>ите</a:t>
+            </a:r>
+            <a:r>
+              <a:rPr lang="en-US" sz="3150" dirty="0">
+                <a:ea typeface="+mn-lt"/>
+                <a:cs typeface="+mn-lt"/>
+              </a:rPr>
+              <a:t> </a:t>
+            </a:r>
+            <a:r>
+              <a:rPr lang="en-US" sz="3150" dirty="0" err="1">
+                <a:ea typeface="+mn-lt"/>
+                <a:cs typeface="+mn-lt"/>
+              </a:rPr>
+              <a:t>от</a:t>
+            </a:r>
+            <a:r>
+              <a:rPr lang="en-US" sz="3150" dirty="0">
+                <a:ea typeface="+mn-lt"/>
+                <a:cs typeface="+mn-lt"/>
+              </a:rPr>
+              <a:t> </a:t>
+            </a:r>
+            <a:r>
+              <a:rPr lang="en-US" sz="3150" dirty="0" err="1">
+                <a:ea typeface="+mn-lt"/>
+                <a:cs typeface="+mn-lt"/>
+              </a:rPr>
+              <a:t>данни</a:t>
+            </a:r>
+            <a:r>
+              <a:rPr lang="en-US" sz="3150" dirty="0">
+                <a:ea typeface="+mn-lt"/>
+                <a:cs typeface="+mn-lt"/>
+              </a:rPr>
+              <a:t> </a:t>
+            </a:r>
+            <a:r>
+              <a:rPr lang="en-US" sz="3150" dirty="0" err="1">
+                <a:ea typeface="+mn-lt"/>
+                <a:cs typeface="+mn-lt"/>
+              </a:rPr>
+              <a:t>са</a:t>
+            </a:r>
+            <a:r>
+              <a:rPr lang="en-US" sz="3150" dirty="0">
+                <a:ea typeface="+mn-lt"/>
+                <a:cs typeface="+mn-lt"/>
+              </a:rPr>
+              <a:t> </a:t>
+            </a:r>
+            <a:r>
+              <a:rPr lang="en-US" sz="3150" dirty="0" err="1">
+                <a:ea typeface="+mn-lt"/>
+                <a:cs typeface="+mn-lt"/>
+              </a:rPr>
+              <a:t>важни</a:t>
+            </a:r>
+            <a:r>
+              <a:rPr lang="en-US" sz="3150" dirty="0">
+                <a:ea typeface="+mn-lt"/>
+                <a:cs typeface="+mn-lt"/>
+              </a:rPr>
+              <a:t> </a:t>
+            </a:r>
+            <a:r>
+              <a:rPr lang="en-US" sz="3150" dirty="0" err="1">
+                <a:ea typeface="+mn-lt"/>
+                <a:cs typeface="+mn-lt"/>
+              </a:rPr>
+              <a:t>за</a:t>
+            </a:r>
+            <a:r>
+              <a:rPr lang="en-US" sz="3150" dirty="0">
+                <a:ea typeface="+mn-lt"/>
+                <a:cs typeface="+mn-lt"/>
+              </a:rPr>
+              <a:t> </a:t>
+            </a:r>
+            <a:r>
+              <a:rPr lang="en-US" sz="3150" dirty="0" err="1">
+                <a:ea typeface="+mn-lt"/>
+                <a:cs typeface="+mn-lt"/>
+              </a:rPr>
+              <a:t>софтуерните</a:t>
+            </a:r>
+            <a:r>
+              <a:rPr lang="en-US" sz="3150" dirty="0">
+                <a:ea typeface="+mn-lt"/>
+                <a:cs typeface="+mn-lt"/>
+              </a:rPr>
+              <a:t> </a:t>
+            </a:r>
+            <a:r>
+              <a:rPr lang="en-US" sz="3150" dirty="0" err="1">
+                <a:ea typeface="+mn-lt"/>
+                <a:cs typeface="+mn-lt"/>
+              </a:rPr>
+              <a:t>инженери</a:t>
+            </a:r>
+            <a:r>
+              <a:rPr lang="en-US" sz="3350" dirty="0">
+                <a:ea typeface="+mn-lt"/>
+                <a:cs typeface="+mn-lt"/>
+              </a:rPr>
+              <a:t> </a:t>
+            </a:r>
+          </a:p>
+          <a:p>
+            <a:pPr lvl="1" indent="-360045">
+              <a:buClr>
+                <a:schemeClr val="tx1"/>
+              </a:buClr>
+            </a:pPr>
+            <a:r>
+              <a:rPr lang="en-US" sz="3150" dirty="0"/>
+              <a:t>C# </a:t>
+            </a:r>
+            <a:r>
+              <a:rPr lang="en-US" sz="3150" dirty="0" err="1"/>
+              <a:t>програмистите</a:t>
+            </a:r>
+            <a:r>
+              <a:rPr lang="en-US" sz="3150" dirty="0"/>
+              <a:t> </a:t>
+            </a:r>
+            <a:r>
+              <a:rPr lang="en-US" sz="3150" dirty="0" err="1"/>
+              <a:t>трябва</a:t>
+            </a:r>
+            <a:r>
+              <a:rPr lang="en-US" sz="3150" dirty="0"/>
+              <a:t> </a:t>
+            </a:r>
+            <a:r>
+              <a:rPr lang="en-US" sz="3150" dirty="0" err="1"/>
+              <a:t>да</a:t>
+            </a:r>
+            <a:r>
+              <a:rPr lang="en-US" sz="3150" dirty="0"/>
+              <a:t> </a:t>
+            </a:r>
+            <a:r>
+              <a:rPr lang="en-US" sz="3150" dirty="0" err="1"/>
+              <a:t>зная</a:t>
+            </a:r>
+            <a:r>
+              <a:rPr lang="bg-BG" sz="3150" dirty="0"/>
+              <a:t>т</a:t>
+            </a:r>
+            <a:r>
+              <a:rPr lang="en-US" sz="3150" dirty="0"/>
+              <a:t> </a:t>
+            </a:r>
+            <a:r>
+              <a:rPr lang="en-US" sz="3150" dirty="0" err="1"/>
+              <a:t>кога</a:t>
+            </a:r>
+            <a:r>
+              <a:rPr lang="en-US" sz="3150" dirty="0"/>
+              <a:t> </a:t>
+            </a:r>
+            <a:r>
+              <a:rPr lang="en-US" sz="3150" dirty="0" err="1"/>
+              <a:t>да</a:t>
+            </a:r>
+            <a:r>
+              <a:rPr lang="en-US" sz="3150" dirty="0">
+                <a:solidFill>
+                  <a:srgbClr val="234465"/>
+                </a:solidFill>
+                <a:latin typeface="Calibri"/>
+                <a:cs typeface="Calibri"/>
+              </a:rPr>
+              <a:t> </a:t>
+            </a:r>
+            <a:r>
+              <a:rPr lang="en-US" sz="3150" dirty="0" err="1">
+                <a:solidFill>
+                  <a:srgbClr val="234465"/>
+                </a:solidFill>
+                <a:latin typeface="Calibri"/>
+                <a:cs typeface="Calibri"/>
+              </a:rPr>
+              <a:t>използват</a:t>
+            </a:r>
+            <a:r>
+              <a:rPr lang="en-US" sz="3150" dirty="0">
+                <a:solidFill>
+                  <a:srgbClr val="234465"/>
+                </a:solidFill>
+                <a:latin typeface="Calibri"/>
+                <a:cs typeface="Calibri"/>
+              </a:rPr>
+              <a:t> </a:t>
+            </a:r>
+            <a:r>
+              <a:rPr lang="en-US" sz="3150" b="1" noProof="1">
+                <a:solidFill>
+                  <a:schemeClr val="bg1"/>
+                </a:solidFill>
+                <a:latin typeface="Consolas"/>
+                <a:cs typeface="Consolas" pitchFamily="49" charset="0"/>
+              </a:rPr>
+              <a:t>T[]</a:t>
+            </a:r>
+            <a:r>
+              <a:rPr lang="en-US" sz="3150" dirty="0">
+                <a:solidFill>
+                  <a:schemeClr val="bg1"/>
+                </a:solidFill>
+              </a:rPr>
+              <a:t>, </a:t>
+            </a:r>
+            <a:r>
+              <a:rPr lang="en-US" sz="3150" b="1" noProof="1">
+                <a:solidFill>
+                  <a:schemeClr val="bg1"/>
+                </a:solidFill>
+                <a:latin typeface="Consolas"/>
+                <a:cs typeface="Consolas" pitchFamily="49" charset="0"/>
+              </a:rPr>
+              <a:t>LinkedList&lt;T&gt;</a:t>
+            </a:r>
+            <a:r>
+              <a:rPr lang="en-US" sz="3150" dirty="0"/>
+              <a:t>, </a:t>
+            </a:r>
+            <a:r>
+              <a:rPr lang="en-US" sz="3150" b="1" noProof="1">
+                <a:solidFill>
+                  <a:schemeClr val="bg1"/>
+                </a:solidFill>
+                <a:latin typeface="Consolas"/>
+                <a:cs typeface="Consolas" pitchFamily="49" charset="0"/>
+              </a:rPr>
+              <a:t>List&lt;T&gt;</a:t>
+            </a:r>
+            <a:r>
+              <a:rPr lang="en-US" sz="3150" dirty="0"/>
+              <a:t>, </a:t>
+            </a:r>
+            <a:r>
+              <a:rPr lang="en-US" sz="3150" b="1" noProof="1">
+                <a:solidFill>
+                  <a:schemeClr val="bg1"/>
+                </a:solidFill>
+                <a:latin typeface="Consolas"/>
+                <a:cs typeface="Consolas" pitchFamily="49" charset="0"/>
+              </a:rPr>
+              <a:t>Stack&lt;T&gt;</a:t>
+            </a:r>
+            <a:r>
+              <a:rPr lang="en-US" sz="3150" dirty="0"/>
+              <a:t>, </a:t>
+            </a:r>
+            <a:r>
+              <a:rPr lang="en-US" sz="3150" b="1" noProof="1">
+                <a:solidFill>
+                  <a:schemeClr val="bg1"/>
+                </a:solidFill>
+                <a:latin typeface="Consolas"/>
+                <a:cs typeface="Consolas" pitchFamily="49" charset="0"/>
+              </a:rPr>
+              <a:t>Queue&lt;T&gt;</a:t>
+            </a:r>
+            <a:r>
+              <a:rPr lang="en-US" sz="3150" dirty="0"/>
+              <a:t>, </a:t>
+            </a:r>
+            <a:r>
+              <a:rPr lang="en-US" sz="3150" b="1" noProof="1">
+                <a:solidFill>
+                  <a:schemeClr val="bg1"/>
+                </a:solidFill>
+                <a:latin typeface="Consolas"/>
+                <a:cs typeface="Consolas" pitchFamily="49" charset="0"/>
+              </a:rPr>
+              <a:t>Dictionary&lt;K,</a:t>
+            </a:r>
+            <a:r>
+              <a:rPr lang="en-US" sz="3150" b="1" noProof="1">
+                <a:solidFill>
+                  <a:schemeClr val="bg1"/>
+                </a:solidFill>
+                <a:cs typeface="Consolas" pitchFamily="49" charset="0"/>
+              </a:rPr>
+              <a:t> </a:t>
+            </a:r>
+            <a:r>
+              <a:rPr lang="en-US" sz="3150" b="1" noProof="1">
+                <a:solidFill>
+                  <a:schemeClr val="bg1"/>
+                </a:solidFill>
+                <a:latin typeface="Consolas"/>
+                <a:cs typeface="Consolas" pitchFamily="49" charset="0"/>
+              </a:rPr>
+              <a:t>T&gt;</a:t>
+            </a:r>
+            <a:r>
+              <a:rPr lang="en-US" sz="3150" dirty="0"/>
+              <a:t>, </a:t>
+            </a:r>
+            <a:r>
+              <a:rPr lang="en-US" sz="3150" b="1" noProof="1">
+                <a:solidFill>
+                  <a:schemeClr val="bg1"/>
+                </a:solidFill>
+                <a:latin typeface="Consolas"/>
+                <a:cs typeface="Consolas" pitchFamily="49" charset="0"/>
+              </a:rPr>
+              <a:t>HashSet&lt;T&gt;</a:t>
+            </a:r>
+            <a:r>
+              <a:rPr lang="en-US" sz="3150" dirty="0"/>
+              <a:t>, </a:t>
+            </a:r>
+            <a:r>
+              <a:rPr lang="en-US" sz="3150" b="1" noProof="1">
+                <a:solidFill>
+                  <a:schemeClr val="bg1"/>
+                </a:solidFill>
+                <a:latin typeface="Consolas"/>
+                <a:cs typeface="Consolas" pitchFamily="49" charset="0"/>
+              </a:rPr>
+              <a:t>SortedDictionary&lt;K,</a:t>
+            </a:r>
+            <a:r>
+              <a:rPr lang="en-US" sz="3150" b="1" noProof="1">
+                <a:solidFill>
+                  <a:schemeClr val="bg1"/>
+                </a:solidFill>
+                <a:cs typeface="Consolas" pitchFamily="49" charset="0"/>
+              </a:rPr>
+              <a:t> </a:t>
+            </a:r>
+            <a:r>
+              <a:rPr lang="en-US" sz="3150" b="1" noProof="1">
+                <a:solidFill>
+                  <a:schemeClr val="bg1"/>
+                </a:solidFill>
+                <a:latin typeface="Consolas"/>
+                <a:cs typeface="Consolas" pitchFamily="49" charset="0"/>
+              </a:rPr>
+              <a:t>T&gt;</a:t>
+            </a:r>
+            <a:r>
+              <a:rPr lang="en-US" sz="3150" dirty="0">
+                <a:solidFill>
+                  <a:schemeClr val="bg1"/>
+                </a:solidFill>
+              </a:rPr>
+              <a:t> </a:t>
+            </a:r>
+            <a:r>
+              <a:rPr lang="en-US" sz="3150" dirty="0"/>
+              <a:t>и</a:t>
+            </a:r>
+            <a:r>
+              <a:rPr lang="en-US" sz="3150" dirty="0">
+                <a:solidFill>
+                  <a:srgbClr val="234465"/>
+                </a:solidFill>
+              </a:rPr>
+              <a:t> </a:t>
+            </a:r>
+            <a:r>
+              <a:rPr lang="en-US" sz="3150" b="1" noProof="1">
+                <a:solidFill>
+                  <a:schemeClr val="bg1"/>
+                </a:solidFill>
+                <a:latin typeface="Consolas"/>
+                <a:cs typeface="Consolas" pitchFamily="49" charset="0"/>
+              </a:rPr>
+              <a:t>SortedSet&lt;T&gt;</a:t>
+            </a:r>
+          </a:p>
+          <a:p>
+            <a:pPr marL="360045" indent="-360045">
+              <a:buClr>
+                <a:schemeClr val="tx1"/>
+              </a:buClr>
+            </a:pPr>
+            <a:r>
+              <a:rPr lang="en-US" sz="3350" b="1" dirty="0" err="1"/>
+              <a:t>Програмиране</a:t>
+            </a:r>
+            <a:r>
+              <a:rPr lang="en-US" sz="3350" b="1" dirty="0"/>
+              <a:t> </a:t>
+            </a:r>
+            <a:r>
+              <a:rPr lang="en-US" sz="3350" dirty="0"/>
+              <a:t>== </a:t>
+            </a:r>
+            <a:r>
+              <a:rPr lang="en-US" sz="3350" b="1" dirty="0" err="1"/>
+              <a:t>алгоритми</a:t>
+            </a:r>
+            <a:r>
+              <a:rPr lang="en-US" sz="3350" b="1" dirty="0"/>
+              <a:t> </a:t>
+            </a:r>
+            <a:r>
+              <a:rPr lang="en-US" sz="3350" dirty="0"/>
+              <a:t>+ </a:t>
+            </a:r>
+            <a:r>
+              <a:rPr lang="en-US" sz="3350" b="1" dirty="0" err="1"/>
+              <a:t>структ</a:t>
+            </a:r>
+            <a:r>
+              <a:rPr lang="bg-BG" sz="3350" b="1" dirty="0" err="1"/>
+              <a:t>ъ</a:t>
+            </a:r>
+            <a:r>
+              <a:rPr lang="en-US" sz="3350" b="1" dirty="0" err="1"/>
+              <a:t>р</a:t>
+            </a:r>
+            <a:r>
+              <a:rPr lang="bg-BG" sz="3350" b="1" dirty="0"/>
+              <a:t>и</a:t>
+            </a:r>
+            <a:r>
+              <a:rPr lang="en-US" sz="3350" b="1" dirty="0"/>
+              <a:t> </a:t>
+            </a:r>
+            <a:r>
+              <a:rPr lang="en-US" sz="3350" b="1" dirty="0" err="1"/>
+              <a:t>от</a:t>
+            </a:r>
+            <a:r>
+              <a:rPr lang="en-US" sz="3350" b="1" dirty="0"/>
+              <a:t> </a:t>
+            </a:r>
+            <a:r>
+              <a:rPr lang="en-US" sz="3350" b="1" dirty="0" err="1"/>
+              <a:t>данни</a:t>
+            </a:r>
+            <a:r>
+              <a:rPr lang="en-US" sz="3350" dirty="0"/>
+              <a:t>!</a:t>
+            </a:r>
+            <a:endParaRPr lang="en-US" sz="3350" dirty="0">
+              <a:cs typeface="Calibri"/>
+            </a:endParaRPr>
+          </a:p>
+        </p:txBody>
+      </p:sp>
+      <p:sp>
+        <p:nvSpPr>
+          <p:cNvPr id="6" name="Title 5"/>
+          <p:cNvSpPr>
+            <a:spLocks noGrp="1"/>
+          </p:cNvSpPr>
+          <p:nvPr>
+            <p:ph type="title"/>
+          </p:nvPr>
+        </p:nvSpPr>
+        <p:spPr/>
+        <p:txBody>
+          <a:bodyPr>
+            <a:normAutofit fontScale="90000"/>
+          </a:bodyPr>
+          <a:lstStyle/>
+          <a:p>
+            <a:r>
+              <a:rPr lang="en-US" sz="3950" dirty="0" err="1"/>
+              <a:t>Защо</a:t>
+            </a:r>
+            <a:r>
+              <a:rPr lang="en-US" sz="3950" dirty="0"/>
+              <a:t> </a:t>
+            </a:r>
+            <a:r>
+              <a:rPr lang="en-US" sz="3950" dirty="0" err="1"/>
+              <a:t>стуктурите</a:t>
+            </a:r>
+            <a:r>
+              <a:rPr lang="en-US" sz="3950" dirty="0"/>
+              <a:t> </a:t>
+            </a:r>
+            <a:r>
+              <a:rPr lang="en-US" sz="3950" dirty="0" err="1"/>
+              <a:t>от</a:t>
+            </a:r>
+            <a:r>
+              <a:rPr lang="en-US" sz="3950" dirty="0"/>
+              <a:t> </a:t>
+            </a:r>
+            <a:r>
+              <a:rPr lang="en-US" sz="3950" dirty="0" err="1"/>
+              <a:t>данни</a:t>
+            </a:r>
+            <a:r>
+              <a:rPr lang="en-US" sz="3950" dirty="0"/>
+              <a:t> </a:t>
+            </a:r>
+            <a:r>
+              <a:rPr lang="en-US" sz="3950" dirty="0" err="1"/>
+              <a:t>са</a:t>
+            </a:r>
+            <a:r>
+              <a:rPr lang="en-US" sz="3950" dirty="0"/>
+              <a:t> </a:t>
+            </a:r>
+            <a:r>
+              <a:rPr lang="en-US" sz="3950" dirty="0" err="1"/>
+              <a:t>толкова</a:t>
+            </a:r>
+            <a:r>
+              <a:rPr lang="en-US" sz="3950" dirty="0"/>
+              <a:t> </a:t>
+            </a:r>
+            <a:r>
+              <a:rPr lang="en-US" sz="3950" dirty="0" err="1"/>
+              <a:t>важни</a:t>
+            </a:r>
+            <a:r>
+              <a:rPr lang="en-US" sz="3950" dirty="0"/>
+              <a:t>?</a:t>
+            </a:r>
+          </a:p>
+        </p:txBody>
+      </p:sp>
+      <p:sp>
+        <p:nvSpPr>
+          <p:cNvPr id="5" name="Slide Number">
+            <a:extLst>
+              <a:ext uri="{FF2B5EF4-FFF2-40B4-BE49-F238E27FC236}">
+                <a16:creationId xmlns:a16="http://schemas.microsoft.com/office/drawing/2014/main" id="{F31D3C6A-590D-4441-8EF7-0AD2F9C4FD85}"/>
+              </a:ext>
+            </a:extLst>
+          </p:cNvPr>
+          <p:cNvSpPr>
+            <a:spLocks noGrp="1"/>
+          </p:cNvSpPr>
+          <p:nvPr>
+            <p:ph type="sldNum" sz="quarter" idx="5"/>
+          </p:nvPr>
+        </p:nvSpPr>
+        <p:spPr>
+          <a:xfrm>
+            <a:off x="11753030" y="6507000"/>
+            <a:ext cx="367414" cy="297000"/>
+          </a:xfrm>
+          <a:prstGeom prst="rect">
+            <a:avLst/>
+          </a:prstGeom>
+        </p:spPr>
+        <p:txBody>
+          <a:bodyPr vert="horz" lIns="91440" tIns="45720" rIns="91440" bIns="45720" rtlCol="0" anchor="b"/>
+          <a:lstStyle>
+            <a:lvl1pPr algn="r">
+              <a:defRPr sz="1000"/>
+            </a:lvl1pPr>
+          </a:lstStyle>
+          <a:p>
+            <a:fld id="{2BF067CD-8E6B-4360-9AA8-C5DF2A48A6D1}" type="slidenum">
+              <a:rPr lang="en-US" noProof="0" smtClean="0"/>
+              <a:pPr/>
+              <a:t>5</a:t>
+            </a:fld>
+            <a:endParaRPr lang="en-US" noProof="0" dirty="0"/>
+          </a:p>
+        </p:txBody>
+      </p:sp>
+    </p:spTree>
+    <p:extLst>
+      <p:ext uri="{BB962C8B-B14F-4D97-AF65-F5344CB8AC3E}">
+        <p14:creationId xmlns:p14="http://schemas.microsoft.com/office/powerpoint/2010/main" val="2635119141"/>
+      </p:ext>
+    </p:extLst>
+  </p:cSld>
+  <p:clrMapOvr>
+    <a:masterClrMapping/>
+  </p:clrMapOvr>
+  <mc:AlternateContent xmlns:mc="http://schemas.openxmlformats.org/markup-compatibility/2006" xmlns:p14="http://schemas.microsoft.com/office/powerpoint/2010/main">
+    <mc:Choice Requires="p14">
+      <p:transition p14:dur="0" advClick="0" advTm="5000"/>
+    </mc:Choice>
+    <mc:Fallback xmlns="">
+      <p:transition advClick="0" advTm="5000"/>
+    </mc:Fallback>
+  </mc:AlternateContent>
+  <p:timing>
+    <p:tnLst>
+      <p:par>
+        <p:cTn id="1" dur="indefinite" restart="never" nodeType="tmRoot">
+          <p:childTnLst>
+            <p:seq concurrent="1" nextAc="seek">
+              <p:cTn id="2" dur="indefinite" nodeType="mainSeq">
+                <p:childTnLst>
+                  <p:par>
+                    <p:cTn id="3" fill="hold">
+                      <p:stCondLst>
+                        <p:cond delay="indefinite"/>
+                      </p:stCondLst>
+                      <p:childTnLst>
+                        <p:par>
+                          <p:cTn id="4" fill="hold">
+                            <p:stCondLst>
+                              <p:cond delay="0"/>
+                            </p:stCondLst>
+                            <p:childTnLst>
+                              <p:par>
+                                <p:cTn id="5" presetID="1" presetClass="entr" presetSubtype="0" fill="hold" nodeType="clickEffect">
+                                  <p:stCondLst>
+                                    <p:cond delay="0"/>
+                                  </p:stCondLst>
+                                  <p:childTnLst>
+                                    <p:set>
+                                      <p:cBhvr>
+                                        <p:cTn id="6" dur="1" fill="hold">
+                                          <p:stCondLst>
+                                            <p:cond delay="0"/>
+                                          </p:stCondLst>
+                                        </p:cTn>
+                                        <p:tgtEl>
+                                          <p:spTgt spid="7">
+                                            <p:txEl>
+                                              <p:pRg st="0" end="0"/>
+                                            </p:txEl>
+                                          </p:spTgt>
+                                        </p:tgtEl>
+                                        <p:attrNameLst>
+                                          <p:attrName>style.visibility</p:attrName>
+                                        </p:attrNameLst>
+                                      </p:cBhvr>
+                                      <p:to>
+                                        <p:strVal val="visible"/>
+                                      </p:to>
+                                    </p:set>
+                                  </p:childTnLst>
+                                </p:cTn>
+                              </p:par>
+                            </p:childTnLst>
+                          </p:cTn>
+                        </p:par>
+                      </p:childTnLst>
+                    </p:cTn>
+                  </p:par>
+                  <p:par>
+                    <p:cTn id="7" fill="hold">
+                      <p:stCondLst>
+                        <p:cond delay="indefinite"/>
+                      </p:stCondLst>
+                      <p:childTnLst>
+                        <p:par>
+                          <p:cTn id="8" fill="hold">
+                            <p:stCondLst>
+                              <p:cond delay="0"/>
+                            </p:stCondLst>
+                            <p:childTnLst>
+                              <p:par>
+                                <p:cTn id="9" presetID="1" presetClass="entr" presetSubtype="0" fill="hold" nodeType="clickEffect">
+                                  <p:stCondLst>
+                                    <p:cond delay="0"/>
+                                  </p:stCondLst>
+                                  <p:childTnLst>
+                                    <p:set>
+                                      <p:cBhvr>
+                                        <p:cTn id="10" dur="1" fill="hold">
+                                          <p:stCondLst>
+                                            <p:cond delay="0"/>
+                                          </p:stCondLst>
+                                        </p:cTn>
+                                        <p:tgtEl>
+                                          <p:spTgt spid="7">
+                                            <p:txEl>
+                                              <p:pRg st="1" end="1"/>
+                                            </p:txEl>
+                                          </p:spTgt>
+                                        </p:tgtEl>
+                                        <p:attrNameLst>
+                                          <p:attrName>style.visibility</p:attrName>
+                                        </p:attrNameLst>
+                                      </p:cBhvr>
+                                      <p:to>
+                                        <p:strVal val="visible"/>
+                                      </p:to>
+                                    </p:set>
+                                  </p:childTnLst>
+                                </p:cTn>
+                              </p:par>
+                              <p:par>
+                                <p:cTn id="11" presetID="1" presetClass="entr" presetSubtype="0" fill="hold" nodeType="withEffect">
+                                  <p:stCondLst>
+                                    <p:cond delay="0"/>
+                                  </p:stCondLst>
+                                  <p:childTnLst>
+                                    <p:set>
+                                      <p:cBhvr>
+                                        <p:cTn id="12" dur="1" fill="hold">
+                                          <p:stCondLst>
+                                            <p:cond delay="0"/>
+                                          </p:stCondLst>
+                                        </p:cTn>
+                                        <p:tgtEl>
+                                          <p:spTgt spid="7">
+                                            <p:txEl>
+                                              <p:pRg st="2" end="2"/>
+                                            </p:txEl>
+                                          </p:spTgt>
+                                        </p:tgtEl>
+                                        <p:attrNameLst>
+                                          <p:attrName>style.visibility</p:attrName>
+                                        </p:attrNameLst>
+                                      </p:cBhvr>
+                                      <p:to>
+                                        <p:strVal val="visible"/>
+                                      </p:to>
+                                    </p:set>
+                                  </p:childTnLst>
+                                </p:cTn>
+                              </p:par>
+                            </p:childTnLst>
+                          </p:cTn>
+                        </p:par>
+                      </p:childTnLst>
+                    </p:cTn>
+                  </p:par>
+                  <p:par>
+                    <p:cTn id="13" fill="hold">
+                      <p:stCondLst>
+                        <p:cond delay="indefinite"/>
+                      </p:stCondLst>
+                      <p:childTnLst>
+                        <p:par>
+                          <p:cTn id="14" fill="hold">
+                            <p:stCondLst>
+                              <p:cond delay="0"/>
+                            </p:stCondLst>
+                            <p:childTnLst>
+                              <p:par>
+                                <p:cTn id="15" presetID="1" presetClass="entr" presetSubtype="0" fill="hold" nodeType="clickEffect">
+                                  <p:stCondLst>
+                                    <p:cond delay="0"/>
+                                  </p:stCondLst>
+                                  <p:childTnLst>
+                                    <p:set>
+                                      <p:cBhvr>
+                                        <p:cTn id="16" dur="1" fill="hold">
+                                          <p:stCondLst>
+                                            <p:cond delay="0"/>
+                                          </p:stCondLst>
+                                        </p:cTn>
+                                        <p:tgtEl>
+                                          <p:spTgt spid="7">
+                                            <p:txEl>
+                                              <p:pRg st="3" end="3"/>
+                                            </p:txEl>
+                                          </p:spTgt>
                                         </p:tgtEl>
                                         <p:attrNameLst>
                                           <p:attrName>style.visibility</p:attrName>
@@ -44306,6 +43326,1486 @@
       </p:grpSpPr>
       <p:sp>
         <p:nvSpPr>
+          <p:cNvPr id="2" name="Slide Number Placeholder 1">
+            <a:extLst>
+              <a:ext uri="{FF2B5EF4-FFF2-40B4-BE49-F238E27FC236}">
+                <a16:creationId xmlns:a16="http://schemas.microsoft.com/office/drawing/2014/main" id="{4CA1AE6C-DE06-D1C7-FA3F-50BF01426A5E}"/>
+              </a:ext>
+            </a:extLst>
+          </p:cNvPr>
+          <p:cNvSpPr>
+            <a:spLocks noGrp="1"/>
+          </p:cNvSpPr>
+          <p:nvPr>
+            <p:ph type="sldNum" sz="quarter" idx="5"/>
+          </p:nvPr>
+        </p:nvSpPr>
+        <p:spPr/>
+        <p:txBody>
+          <a:bodyPr/>
+          <a:lstStyle/>
+          <a:p>
+            <a:fld id="{2BF067CD-8E6B-4360-9AA8-C5DF2A48A6D1}" type="slidenum">
+              <a:rPr lang="en-US" noProof="0" smtClean="0"/>
+              <a:pPr/>
+              <a:t>6</a:t>
+            </a:fld>
+            <a:endParaRPr lang="en-US" noProof="0" dirty="0"/>
+          </a:p>
+        </p:txBody>
+      </p:sp>
+      <p:sp>
+        <p:nvSpPr>
+          <p:cNvPr id="3" name="Text Placeholder 2">
+            <a:extLst>
+              <a:ext uri="{FF2B5EF4-FFF2-40B4-BE49-F238E27FC236}">
+                <a16:creationId xmlns:a16="http://schemas.microsoft.com/office/drawing/2014/main" id="{620E4255-EFE3-0629-D03F-C82D6AC37AC0}"/>
+              </a:ext>
+            </a:extLst>
+          </p:cNvPr>
+          <p:cNvSpPr>
+            <a:spLocks noGrp="1"/>
+          </p:cNvSpPr>
+          <p:nvPr>
+            <p:ph type="body" sz="quarter" idx="10"/>
+          </p:nvPr>
+        </p:nvSpPr>
+        <p:spPr>
+          <a:xfrm>
+            <a:off x="190406" y="1275234"/>
+            <a:ext cx="11818096" cy="5528766"/>
+          </a:xfrm>
+        </p:spPr>
+        <p:txBody>
+          <a:bodyPr/>
+          <a:lstStyle/>
+          <a:p>
+            <a:pPr>
+              <a:buClr>
+                <a:schemeClr val="tx1"/>
+              </a:buClr>
+            </a:pPr>
+            <a:r>
+              <a:rPr lang="bg-BG" sz="3400" b="1" dirty="0">
+                <a:solidFill>
+                  <a:schemeClr val="bg1"/>
+                </a:solidFill>
+                <a:cs typeface="Calibri"/>
+              </a:rPr>
+              <a:t>Линейни</a:t>
+            </a:r>
+            <a:r>
+              <a:rPr lang="en-US" sz="3400" b="1" dirty="0">
+                <a:solidFill>
+                  <a:schemeClr val="bg1"/>
+                </a:solidFill>
+              </a:rPr>
+              <a:t> </a:t>
+            </a:r>
+            <a:r>
+              <a:rPr lang="en-US" sz="3400" b="1" dirty="0" err="1">
+                <a:solidFill>
+                  <a:schemeClr val="bg1"/>
+                </a:solidFill>
+              </a:rPr>
+              <a:t>данни</a:t>
+            </a:r>
+            <a:r>
+              <a:rPr lang="en-US" sz="3400" dirty="0"/>
+              <a:t>: </a:t>
+            </a:r>
+            <a:r>
+              <a:rPr lang="en-US" sz="3400" dirty="0" err="1"/>
+              <a:t>масив</a:t>
+            </a:r>
+            <a:r>
+              <a:rPr lang="en-US" sz="3400" dirty="0"/>
+              <a:t>, </a:t>
+            </a:r>
+            <a:r>
+              <a:rPr lang="en-US" sz="3400" dirty="0" err="1"/>
+              <a:t>списъци</a:t>
+            </a:r>
+            <a:r>
+              <a:rPr lang="en-US" sz="3400" dirty="0"/>
+              <a:t>, </a:t>
+            </a:r>
+            <a:r>
+              <a:rPr lang="en-US" sz="3400" dirty="0" err="1"/>
+              <a:t>стекове</a:t>
+            </a:r>
+            <a:r>
+              <a:rPr lang="en-US" sz="3400" dirty="0"/>
+              <a:t>, </a:t>
+            </a:r>
+            <a:r>
+              <a:rPr lang="en-US" sz="3400" dirty="0" err="1"/>
+              <a:t>опашки</a:t>
+            </a:r>
+            <a:endParaRPr lang="en-US" sz="3400" dirty="0">
+              <a:cs typeface="Calibri"/>
+            </a:endParaRPr>
+          </a:p>
+          <a:p>
+            <a:pPr marL="0" indent="0">
+              <a:buNone/>
+            </a:pPr>
+            <a:endParaRPr lang="en-BG" dirty="0"/>
+          </a:p>
+        </p:txBody>
+      </p:sp>
+      <p:sp>
+        <p:nvSpPr>
+          <p:cNvPr id="4" name="Title 3">
+            <a:extLst>
+              <a:ext uri="{FF2B5EF4-FFF2-40B4-BE49-F238E27FC236}">
+                <a16:creationId xmlns:a16="http://schemas.microsoft.com/office/drawing/2014/main" id="{DA70709C-F3DB-A459-C669-BF230015F131}"/>
+              </a:ext>
+            </a:extLst>
+          </p:cNvPr>
+          <p:cNvSpPr>
+            <a:spLocks noGrp="1"/>
+          </p:cNvSpPr>
+          <p:nvPr>
+            <p:ph type="title"/>
+          </p:nvPr>
+        </p:nvSpPr>
+        <p:spPr/>
+        <p:txBody>
+          <a:bodyPr/>
+          <a:lstStyle/>
+          <a:p>
+            <a:r>
+              <a:rPr lang="bg-BG" dirty="0"/>
+              <a:t>Линейни данни</a:t>
+            </a:r>
+            <a:endParaRPr lang="en-BG" dirty="0"/>
+          </a:p>
+        </p:txBody>
+      </p:sp>
+      <p:grpSp>
+        <p:nvGrpSpPr>
+          <p:cNvPr id="24" name="Group 23">
+            <a:extLst>
+              <a:ext uri="{FF2B5EF4-FFF2-40B4-BE49-F238E27FC236}">
+                <a16:creationId xmlns:a16="http://schemas.microsoft.com/office/drawing/2014/main" id="{B5DB3F1B-F7EF-6E84-5EE4-791342216756}"/>
+              </a:ext>
+            </a:extLst>
+          </p:cNvPr>
+          <p:cNvGrpSpPr/>
+          <p:nvPr/>
+        </p:nvGrpSpPr>
+        <p:grpSpPr>
+          <a:xfrm>
+            <a:off x="368124" y="2220440"/>
+            <a:ext cx="4574411" cy="2186197"/>
+            <a:chOff x="305055" y="3339000"/>
+            <a:chExt cx="4575603" cy="2186767"/>
+          </a:xfrm>
+        </p:grpSpPr>
+        <p:grpSp>
+          <p:nvGrpSpPr>
+            <p:cNvPr id="25" name="Group 24">
+              <a:extLst>
+                <a:ext uri="{FF2B5EF4-FFF2-40B4-BE49-F238E27FC236}">
+                  <a16:creationId xmlns:a16="http://schemas.microsoft.com/office/drawing/2014/main" id="{CA5114D8-8C40-FD81-F8A5-5AF98403C334}"/>
+                </a:ext>
+              </a:extLst>
+            </p:cNvPr>
+            <p:cNvGrpSpPr/>
+            <p:nvPr/>
+          </p:nvGrpSpPr>
+          <p:grpSpPr>
+            <a:xfrm>
+              <a:off x="966000" y="3339000"/>
+              <a:ext cx="3253712" cy="1138708"/>
+              <a:chOff x="3503612" y="2626525"/>
+              <a:chExt cx="3810000" cy="1333394"/>
+            </a:xfrm>
+          </p:grpSpPr>
+          <p:sp>
+            <p:nvSpPr>
+              <p:cNvPr id="27" name="Rectangle 26">
+                <a:extLst>
+                  <a:ext uri="{FF2B5EF4-FFF2-40B4-BE49-F238E27FC236}">
+                    <a16:creationId xmlns:a16="http://schemas.microsoft.com/office/drawing/2014/main" id="{D41A6F39-C38D-1F3C-2597-188874C5C526}"/>
+                  </a:ext>
+                </a:extLst>
+              </p:cNvPr>
+              <p:cNvSpPr/>
+              <p:nvPr/>
+            </p:nvSpPr>
+            <p:spPr bwMode="auto">
+              <a:xfrm>
+                <a:off x="3503612" y="3252596"/>
+                <a:ext cx="762000" cy="707323"/>
+              </a:xfrm>
+              <a:prstGeom prst="rect">
+                <a:avLst/>
+              </a:prstGeom>
+              <a:solidFill>
+                <a:schemeClr val="dk2">
+                  <a:alpha val="80000"/>
+                </a:schemeClr>
+              </a:solidFill>
+              <a:ln w="19050">
+                <a:solidFill>
+                  <a:schemeClr val="tx1">
+                    <a:lumMod val="75000"/>
+                    <a:alpha val="80000"/>
+                  </a:schemeClr>
+                </a:solidFill>
+              </a:ln>
+              <a:effectLst/>
+            </p:spPr>
+            <p:style>
+              <a:lnRef idx="2">
+                <a:schemeClr val="accent1">
+                  <a:shade val="50000"/>
+                </a:schemeClr>
+              </a:lnRef>
+              <a:fillRef idx="1001">
+                <a:schemeClr val="dk2"/>
+              </a:fillRef>
+              <a:effectRef idx="0">
+                <a:schemeClr val="accent1"/>
+              </a:effectRef>
+              <a:fontRef idx="minor">
+                <a:schemeClr val="lt1"/>
+              </a:fontRef>
+            </p:style>
+            <p:txBody>
+              <a:bodyPr rot="0" spcFirstLastPara="0" vertOverflow="overflow" horzOverflow="overflow" vert="horz" wrap="square" lIns="91416" tIns="45708" rIns="91416" bIns="45708" numCol="1" spcCol="0" rtlCol="0" fromWordArt="0" anchor="ctr" anchorCtr="0" forceAA="0" compatLnSpc="1">
+                <a:prstTxWarp prst="textNoShape">
+                  <a:avLst/>
+                </a:prstTxWarp>
+                <a:noAutofit/>
+              </a:bodyPr>
+              <a:lstStyle/>
+              <a:p>
+                <a:pPr algn="ctr"/>
+                <a:r>
+                  <a:rPr lang="en-GB" sz="2799" b="1" dirty="0">
+                    <a:solidFill>
+                      <a:srgbClr val="FFFFFF"/>
+                    </a:solidFill>
+                    <a:effectLst>
+                      <a:outerShdw blurRad="38100" dist="38100" dir="2700000" algn="tl">
+                        <a:srgbClr val="000000">
+                          <a:alpha val="43137"/>
+                        </a:srgbClr>
+                      </a:outerShdw>
+                    </a:effectLst>
+                  </a:rPr>
+                  <a:t>…</a:t>
+                </a:r>
+                <a:endParaRPr lang="en-US" sz="2799" b="1" dirty="0">
+                  <a:solidFill>
+                    <a:srgbClr val="FFFFFF"/>
+                  </a:solidFill>
+                  <a:effectLst>
+                    <a:outerShdw blurRad="38100" dist="38100" dir="2700000" algn="tl">
+                      <a:srgbClr val="000000">
+                        <a:alpha val="43137"/>
+                      </a:srgbClr>
+                    </a:outerShdw>
+                  </a:effectLst>
+                </a:endParaRPr>
+              </a:p>
+            </p:txBody>
+          </p:sp>
+          <p:sp>
+            <p:nvSpPr>
+              <p:cNvPr id="28" name="Rectangle 27">
+                <a:extLst>
+                  <a:ext uri="{FF2B5EF4-FFF2-40B4-BE49-F238E27FC236}">
+                    <a16:creationId xmlns:a16="http://schemas.microsoft.com/office/drawing/2014/main" id="{A979C9C0-68F6-DEE0-DA74-1D20027A79F2}"/>
+                  </a:ext>
+                </a:extLst>
+              </p:cNvPr>
+              <p:cNvSpPr/>
+              <p:nvPr/>
+            </p:nvSpPr>
+            <p:spPr bwMode="auto">
+              <a:xfrm>
+                <a:off x="4265612" y="3252596"/>
+                <a:ext cx="762000" cy="707323"/>
+              </a:xfrm>
+              <a:prstGeom prst="rect">
+                <a:avLst/>
+              </a:prstGeom>
+              <a:solidFill>
+                <a:schemeClr val="dk2">
+                  <a:alpha val="80000"/>
+                </a:schemeClr>
+              </a:solidFill>
+              <a:ln w="19050">
+                <a:solidFill>
+                  <a:schemeClr val="tx1">
+                    <a:lumMod val="75000"/>
+                    <a:alpha val="80000"/>
+                  </a:schemeClr>
+                </a:solidFill>
+              </a:ln>
+              <a:effectLst/>
+            </p:spPr>
+            <p:style>
+              <a:lnRef idx="2">
+                <a:schemeClr val="accent1">
+                  <a:shade val="50000"/>
+                </a:schemeClr>
+              </a:lnRef>
+              <a:fillRef idx="1001">
+                <a:schemeClr val="dk2"/>
+              </a:fillRef>
+              <a:effectRef idx="0">
+                <a:schemeClr val="accent1"/>
+              </a:effectRef>
+              <a:fontRef idx="minor">
+                <a:schemeClr val="lt1"/>
+              </a:fontRef>
+            </p:style>
+            <p:txBody>
+              <a:bodyPr rot="0" spcFirstLastPara="0" vertOverflow="overflow" horzOverflow="overflow" vert="horz" wrap="square" lIns="91416" tIns="45708" rIns="91416" bIns="45708" numCol="1" spcCol="0" rtlCol="0" fromWordArt="0" anchor="ctr" anchorCtr="0" forceAA="0" compatLnSpc="1">
+                <a:prstTxWarp prst="textNoShape">
+                  <a:avLst/>
+                </a:prstTxWarp>
+                <a:noAutofit/>
+              </a:bodyPr>
+              <a:lstStyle/>
+              <a:p>
+                <a:pPr algn="ctr"/>
+                <a:r>
+                  <a:rPr lang="en-GB" sz="2799" b="1" dirty="0">
+                    <a:solidFill>
+                      <a:srgbClr val="FFFFFF"/>
+                    </a:solidFill>
+                    <a:effectLst>
+                      <a:outerShdw blurRad="38100" dist="38100" dir="2700000" algn="tl">
+                        <a:srgbClr val="000000">
+                          <a:alpha val="43137"/>
+                        </a:srgbClr>
+                      </a:outerShdw>
+                    </a:effectLst>
+                  </a:rPr>
+                  <a:t>…</a:t>
+                </a:r>
+                <a:endParaRPr lang="en-US" sz="2799" b="1" dirty="0">
+                  <a:solidFill>
+                    <a:srgbClr val="FFFFFF"/>
+                  </a:solidFill>
+                  <a:effectLst>
+                    <a:outerShdw blurRad="38100" dist="38100" dir="2700000" algn="tl">
+                      <a:srgbClr val="000000">
+                        <a:alpha val="43137"/>
+                      </a:srgbClr>
+                    </a:outerShdw>
+                  </a:effectLst>
+                </a:endParaRPr>
+              </a:p>
+            </p:txBody>
+          </p:sp>
+          <p:sp>
+            <p:nvSpPr>
+              <p:cNvPr id="29" name="Rectangle 28">
+                <a:extLst>
+                  <a:ext uri="{FF2B5EF4-FFF2-40B4-BE49-F238E27FC236}">
+                    <a16:creationId xmlns:a16="http://schemas.microsoft.com/office/drawing/2014/main" id="{450CD5D0-12FE-EF55-A16E-52CDF21E41DF}"/>
+                  </a:ext>
+                </a:extLst>
+              </p:cNvPr>
+              <p:cNvSpPr/>
+              <p:nvPr/>
+            </p:nvSpPr>
+            <p:spPr bwMode="auto">
+              <a:xfrm>
+                <a:off x="5027612" y="3252596"/>
+                <a:ext cx="762000" cy="707323"/>
+              </a:xfrm>
+              <a:prstGeom prst="rect">
+                <a:avLst/>
+              </a:prstGeom>
+              <a:solidFill>
+                <a:schemeClr val="dk2">
+                  <a:alpha val="80000"/>
+                </a:schemeClr>
+              </a:solidFill>
+              <a:ln w="19050">
+                <a:solidFill>
+                  <a:schemeClr val="tx1">
+                    <a:lumMod val="75000"/>
+                    <a:alpha val="80000"/>
+                  </a:schemeClr>
+                </a:solidFill>
+              </a:ln>
+              <a:effectLst/>
+            </p:spPr>
+            <p:style>
+              <a:lnRef idx="2">
+                <a:schemeClr val="accent1">
+                  <a:shade val="50000"/>
+                </a:schemeClr>
+              </a:lnRef>
+              <a:fillRef idx="1001">
+                <a:schemeClr val="dk2"/>
+              </a:fillRef>
+              <a:effectRef idx="0">
+                <a:schemeClr val="accent1"/>
+              </a:effectRef>
+              <a:fontRef idx="minor">
+                <a:schemeClr val="lt1"/>
+              </a:fontRef>
+            </p:style>
+            <p:txBody>
+              <a:bodyPr rot="0" spcFirstLastPara="0" vertOverflow="overflow" horzOverflow="overflow" vert="horz" wrap="square" lIns="91416" tIns="45708" rIns="91416" bIns="45708" numCol="1" spcCol="0" rtlCol="0" fromWordArt="0" anchor="ctr" anchorCtr="0" forceAA="0" compatLnSpc="1">
+                <a:prstTxWarp prst="textNoShape">
+                  <a:avLst/>
+                </a:prstTxWarp>
+                <a:noAutofit/>
+              </a:bodyPr>
+              <a:lstStyle/>
+              <a:p>
+                <a:pPr algn="ctr"/>
+                <a:r>
+                  <a:rPr lang="en-GB" sz="2799" b="1" dirty="0">
+                    <a:solidFill>
+                      <a:srgbClr val="FFFFFF"/>
+                    </a:solidFill>
+                    <a:effectLst>
+                      <a:outerShdw blurRad="38100" dist="38100" dir="2700000" algn="tl">
+                        <a:srgbClr val="000000">
+                          <a:alpha val="43137"/>
+                        </a:srgbClr>
+                      </a:outerShdw>
+                    </a:effectLst>
+                  </a:rPr>
+                  <a:t>…</a:t>
+                </a:r>
+                <a:endParaRPr lang="en-US" sz="2799" b="1" dirty="0">
+                  <a:solidFill>
+                    <a:srgbClr val="FFFFFF"/>
+                  </a:solidFill>
+                  <a:effectLst>
+                    <a:outerShdw blurRad="38100" dist="38100" dir="2700000" algn="tl">
+                      <a:srgbClr val="000000">
+                        <a:alpha val="43137"/>
+                      </a:srgbClr>
+                    </a:outerShdw>
+                  </a:effectLst>
+                </a:endParaRPr>
+              </a:p>
+            </p:txBody>
+          </p:sp>
+          <p:sp>
+            <p:nvSpPr>
+              <p:cNvPr id="30" name="Rectangle 29">
+                <a:extLst>
+                  <a:ext uri="{FF2B5EF4-FFF2-40B4-BE49-F238E27FC236}">
+                    <a16:creationId xmlns:a16="http://schemas.microsoft.com/office/drawing/2014/main" id="{45B7B951-60D5-332B-3A75-82AD340287F4}"/>
+                  </a:ext>
+                </a:extLst>
+              </p:cNvPr>
+              <p:cNvSpPr/>
+              <p:nvPr/>
+            </p:nvSpPr>
+            <p:spPr bwMode="auto">
+              <a:xfrm>
+                <a:off x="5789612" y="3252596"/>
+                <a:ext cx="762000" cy="707323"/>
+              </a:xfrm>
+              <a:prstGeom prst="rect">
+                <a:avLst/>
+              </a:prstGeom>
+              <a:solidFill>
+                <a:schemeClr val="dk2">
+                  <a:alpha val="80000"/>
+                </a:schemeClr>
+              </a:solidFill>
+              <a:ln w="19050">
+                <a:solidFill>
+                  <a:schemeClr val="tx1">
+                    <a:lumMod val="75000"/>
+                    <a:alpha val="80000"/>
+                  </a:schemeClr>
+                </a:solidFill>
+              </a:ln>
+              <a:effectLst/>
+            </p:spPr>
+            <p:style>
+              <a:lnRef idx="2">
+                <a:schemeClr val="accent1">
+                  <a:shade val="50000"/>
+                </a:schemeClr>
+              </a:lnRef>
+              <a:fillRef idx="1001">
+                <a:schemeClr val="dk2"/>
+              </a:fillRef>
+              <a:effectRef idx="0">
+                <a:schemeClr val="accent1"/>
+              </a:effectRef>
+              <a:fontRef idx="minor">
+                <a:schemeClr val="lt1"/>
+              </a:fontRef>
+            </p:style>
+            <p:txBody>
+              <a:bodyPr rot="0" spcFirstLastPara="0" vertOverflow="overflow" horzOverflow="overflow" vert="horz" wrap="square" lIns="91416" tIns="45708" rIns="91416" bIns="45708" numCol="1" spcCol="0" rtlCol="0" fromWordArt="0" anchor="ctr" anchorCtr="0" forceAA="0" compatLnSpc="1">
+                <a:prstTxWarp prst="textNoShape">
+                  <a:avLst/>
+                </a:prstTxWarp>
+                <a:noAutofit/>
+              </a:bodyPr>
+              <a:lstStyle/>
+              <a:p>
+                <a:pPr algn="ctr"/>
+                <a:r>
+                  <a:rPr lang="en-GB" sz="2799" b="1" dirty="0">
+                    <a:solidFill>
+                      <a:srgbClr val="FFFFFF"/>
+                    </a:solidFill>
+                    <a:effectLst>
+                      <a:outerShdw blurRad="38100" dist="38100" dir="2700000" algn="tl">
+                        <a:srgbClr val="000000">
+                          <a:alpha val="43137"/>
+                        </a:srgbClr>
+                      </a:outerShdw>
+                    </a:effectLst>
+                  </a:rPr>
+                  <a:t>…</a:t>
+                </a:r>
+                <a:endParaRPr lang="en-US" sz="2799" b="1" dirty="0">
+                  <a:solidFill>
+                    <a:srgbClr val="FFFFFF"/>
+                  </a:solidFill>
+                  <a:effectLst>
+                    <a:outerShdw blurRad="38100" dist="38100" dir="2700000" algn="tl">
+                      <a:srgbClr val="000000">
+                        <a:alpha val="43137"/>
+                      </a:srgbClr>
+                    </a:outerShdw>
+                  </a:effectLst>
+                </a:endParaRPr>
+              </a:p>
+            </p:txBody>
+          </p:sp>
+          <p:sp>
+            <p:nvSpPr>
+              <p:cNvPr id="31" name="Rectangle 30">
+                <a:extLst>
+                  <a:ext uri="{FF2B5EF4-FFF2-40B4-BE49-F238E27FC236}">
+                    <a16:creationId xmlns:a16="http://schemas.microsoft.com/office/drawing/2014/main" id="{2507B809-53DB-38B9-7703-63C768704D1C}"/>
+                  </a:ext>
+                </a:extLst>
+              </p:cNvPr>
+              <p:cNvSpPr/>
+              <p:nvPr/>
+            </p:nvSpPr>
+            <p:spPr bwMode="auto">
+              <a:xfrm>
+                <a:off x="6551612" y="3252596"/>
+                <a:ext cx="762000" cy="707323"/>
+              </a:xfrm>
+              <a:prstGeom prst="rect">
+                <a:avLst/>
+              </a:prstGeom>
+              <a:solidFill>
+                <a:schemeClr val="dk2">
+                  <a:alpha val="80000"/>
+                </a:schemeClr>
+              </a:solidFill>
+              <a:ln w="19050">
+                <a:solidFill>
+                  <a:schemeClr val="tx1">
+                    <a:lumMod val="75000"/>
+                    <a:alpha val="80000"/>
+                  </a:schemeClr>
+                </a:solidFill>
+              </a:ln>
+              <a:effectLst/>
+            </p:spPr>
+            <p:style>
+              <a:lnRef idx="2">
+                <a:schemeClr val="accent1">
+                  <a:shade val="50000"/>
+                </a:schemeClr>
+              </a:lnRef>
+              <a:fillRef idx="1001">
+                <a:schemeClr val="dk2"/>
+              </a:fillRef>
+              <a:effectRef idx="0">
+                <a:schemeClr val="accent1"/>
+              </a:effectRef>
+              <a:fontRef idx="minor">
+                <a:schemeClr val="lt1"/>
+              </a:fontRef>
+            </p:style>
+            <p:txBody>
+              <a:bodyPr rot="0" spcFirstLastPara="0" vertOverflow="overflow" horzOverflow="overflow" vert="horz" wrap="square" lIns="91416" tIns="45708" rIns="91416" bIns="45708" numCol="1" spcCol="0" rtlCol="0" fromWordArt="0" anchor="ctr" anchorCtr="0" forceAA="0" compatLnSpc="1">
+                <a:prstTxWarp prst="textNoShape">
+                  <a:avLst/>
+                </a:prstTxWarp>
+                <a:noAutofit/>
+              </a:bodyPr>
+              <a:lstStyle/>
+              <a:p>
+                <a:pPr algn="ctr"/>
+                <a:r>
+                  <a:rPr lang="en-GB" sz="2799" b="1" dirty="0">
+                    <a:solidFill>
+                      <a:srgbClr val="FFFFFF"/>
+                    </a:solidFill>
+                    <a:effectLst>
+                      <a:outerShdw blurRad="38100" dist="38100" dir="2700000" algn="tl">
+                        <a:srgbClr val="000000">
+                          <a:alpha val="43137"/>
+                        </a:srgbClr>
+                      </a:outerShdw>
+                    </a:effectLst>
+                  </a:rPr>
+                  <a:t>…</a:t>
+                </a:r>
+                <a:endParaRPr lang="en-US" sz="2799" b="1" dirty="0">
+                  <a:solidFill>
+                    <a:srgbClr val="FFFFFF"/>
+                  </a:solidFill>
+                  <a:effectLst>
+                    <a:outerShdw blurRad="38100" dist="38100" dir="2700000" algn="tl">
+                      <a:srgbClr val="000000">
+                        <a:alpha val="43137"/>
+                      </a:srgbClr>
+                    </a:outerShdw>
+                  </a:effectLst>
+                </a:endParaRPr>
+              </a:p>
+            </p:txBody>
+          </p:sp>
+          <p:sp>
+            <p:nvSpPr>
+              <p:cNvPr id="32" name="TextBox 31">
+                <a:extLst>
+                  <a:ext uri="{FF2B5EF4-FFF2-40B4-BE49-F238E27FC236}">
+                    <a16:creationId xmlns:a16="http://schemas.microsoft.com/office/drawing/2014/main" id="{737C8DD9-C587-44A1-9B78-7DB6CEB71719}"/>
+                  </a:ext>
+                </a:extLst>
+              </p:cNvPr>
+              <p:cNvSpPr txBox="1"/>
+              <p:nvPr/>
+            </p:nvSpPr>
+            <p:spPr>
+              <a:xfrm>
+                <a:off x="3628050" y="2626527"/>
+                <a:ext cx="522608" cy="707323"/>
+              </a:xfrm>
+              <a:prstGeom prst="rect">
+                <a:avLst/>
+              </a:prstGeom>
+              <a:noFill/>
+              <a:ln w="12700">
+                <a:noFill/>
+              </a:ln>
+            </p:spPr>
+            <p:txBody>
+              <a:bodyPr vert="horz" wrap="none" lIns="143963" tIns="107972" rIns="143963" bIns="107972" rtlCol="0">
+                <a:spAutoFit/>
+              </a:bodyPr>
+              <a:lstStyle/>
+              <a:p>
+                <a:pPr algn="ctr" eaLnBrk="0" hangingPunct="0">
+                  <a:lnSpc>
+                    <a:spcPct val="110000"/>
+                  </a:lnSpc>
+                  <a:buClr>
+                    <a:schemeClr val="accent5">
+                      <a:lumMod val="40000"/>
+                      <a:lumOff val="60000"/>
+                    </a:schemeClr>
+                  </a:buClr>
+                  <a:buSzPct val="70000"/>
+                </a:pPr>
+                <a:r>
+                  <a:rPr lang="en-GB" sz="2399" dirty="0"/>
+                  <a:t>0</a:t>
+                </a:r>
+                <a:endParaRPr lang="en-US" sz="2399" dirty="0"/>
+              </a:p>
+            </p:txBody>
+          </p:sp>
+          <p:sp>
+            <p:nvSpPr>
+              <p:cNvPr id="33" name="TextBox 32">
+                <a:extLst>
+                  <a:ext uri="{FF2B5EF4-FFF2-40B4-BE49-F238E27FC236}">
+                    <a16:creationId xmlns:a16="http://schemas.microsoft.com/office/drawing/2014/main" id="{92E24CA1-316B-1048-A5A1-FDBDC1A9CF62}"/>
+                  </a:ext>
+                </a:extLst>
+              </p:cNvPr>
+              <p:cNvSpPr txBox="1"/>
+              <p:nvPr/>
+            </p:nvSpPr>
+            <p:spPr>
+              <a:xfrm>
+                <a:off x="4390051" y="2626528"/>
+                <a:ext cx="522608" cy="707323"/>
+              </a:xfrm>
+              <a:prstGeom prst="rect">
+                <a:avLst/>
+              </a:prstGeom>
+              <a:noFill/>
+              <a:ln w="12700">
+                <a:noFill/>
+              </a:ln>
+            </p:spPr>
+            <p:txBody>
+              <a:bodyPr vert="horz" wrap="none" lIns="143963" tIns="107972" rIns="143963" bIns="107972" rtlCol="0">
+                <a:spAutoFit/>
+              </a:bodyPr>
+              <a:lstStyle/>
+              <a:p>
+                <a:pPr algn="ctr" eaLnBrk="0" hangingPunct="0">
+                  <a:lnSpc>
+                    <a:spcPct val="110000"/>
+                  </a:lnSpc>
+                  <a:buClr>
+                    <a:schemeClr val="accent5">
+                      <a:lumMod val="40000"/>
+                      <a:lumOff val="60000"/>
+                    </a:schemeClr>
+                  </a:buClr>
+                  <a:buSzPct val="70000"/>
+                </a:pPr>
+                <a:r>
+                  <a:rPr lang="en-GB" sz="2399" dirty="0"/>
+                  <a:t>1</a:t>
+                </a:r>
+                <a:endParaRPr lang="en-US" sz="2399" dirty="0"/>
+              </a:p>
+            </p:txBody>
+          </p:sp>
+          <p:sp>
+            <p:nvSpPr>
+              <p:cNvPr id="34" name="TextBox 33">
+                <a:extLst>
+                  <a:ext uri="{FF2B5EF4-FFF2-40B4-BE49-F238E27FC236}">
+                    <a16:creationId xmlns:a16="http://schemas.microsoft.com/office/drawing/2014/main" id="{23CE6CB9-DC91-523D-A138-A910BFC9E254}"/>
+                  </a:ext>
+                </a:extLst>
+              </p:cNvPr>
+              <p:cNvSpPr txBox="1"/>
+              <p:nvPr/>
+            </p:nvSpPr>
+            <p:spPr>
+              <a:xfrm>
+                <a:off x="5152050" y="2626525"/>
+                <a:ext cx="522608" cy="707323"/>
+              </a:xfrm>
+              <a:prstGeom prst="rect">
+                <a:avLst/>
+              </a:prstGeom>
+              <a:noFill/>
+              <a:ln w="12700">
+                <a:noFill/>
+              </a:ln>
+            </p:spPr>
+            <p:txBody>
+              <a:bodyPr vert="horz" wrap="none" lIns="143963" tIns="107972" rIns="143963" bIns="107972" rtlCol="0">
+                <a:spAutoFit/>
+              </a:bodyPr>
+              <a:lstStyle/>
+              <a:p>
+                <a:pPr algn="ctr" eaLnBrk="0" hangingPunct="0">
+                  <a:lnSpc>
+                    <a:spcPct val="110000"/>
+                  </a:lnSpc>
+                  <a:buClr>
+                    <a:schemeClr val="accent5">
+                      <a:lumMod val="40000"/>
+                      <a:lumOff val="60000"/>
+                    </a:schemeClr>
+                  </a:buClr>
+                  <a:buSzPct val="70000"/>
+                </a:pPr>
+                <a:r>
+                  <a:rPr lang="en-GB" sz="2399" dirty="0"/>
+                  <a:t>2</a:t>
+                </a:r>
+                <a:endParaRPr lang="en-US" sz="2399" dirty="0"/>
+              </a:p>
+            </p:txBody>
+          </p:sp>
+          <p:sp>
+            <p:nvSpPr>
+              <p:cNvPr id="35" name="TextBox 34">
+                <a:extLst>
+                  <a:ext uri="{FF2B5EF4-FFF2-40B4-BE49-F238E27FC236}">
+                    <a16:creationId xmlns:a16="http://schemas.microsoft.com/office/drawing/2014/main" id="{5D4FCC56-EF03-B90E-8AB5-1DFC51774942}"/>
+                  </a:ext>
+                </a:extLst>
+              </p:cNvPr>
+              <p:cNvSpPr txBox="1"/>
+              <p:nvPr/>
+            </p:nvSpPr>
+            <p:spPr>
+              <a:xfrm>
+                <a:off x="5914051" y="2630828"/>
+                <a:ext cx="522608" cy="707324"/>
+              </a:xfrm>
+              <a:prstGeom prst="rect">
+                <a:avLst/>
+              </a:prstGeom>
+              <a:noFill/>
+              <a:ln w="12700">
+                <a:noFill/>
+              </a:ln>
+            </p:spPr>
+            <p:txBody>
+              <a:bodyPr vert="horz" wrap="none" lIns="143963" tIns="107972" rIns="143963" bIns="107972" rtlCol="0">
+                <a:spAutoFit/>
+              </a:bodyPr>
+              <a:lstStyle/>
+              <a:p>
+                <a:pPr algn="ctr" eaLnBrk="0" hangingPunct="0">
+                  <a:lnSpc>
+                    <a:spcPct val="110000"/>
+                  </a:lnSpc>
+                  <a:buClr>
+                    <a:schemeClr val="accent5">
+                      <a:lumMod val="40000"/>
+                      <a:lumOff val="60000"/>
+                    </a:schemeClr>
+                  </a:buClr>
+                  <a:buSzPct val="70000"/>
+                </a:pPr>
+                <a:r>
+                  <a:rPr lang="en-GB" sz="2399" dirty="0"/>
+                  <a:t>3</a:t>
+                </a:r>
+                <a:endParaRPr lang="en-US" sz="2399" dirty="0"/>
+              </a:p>
+            </p:txBody>
+          </p:sp>
+          <p:sp>
+            <p:nvSpPr>
+              <p:cNvPr id="36" name="TextBox 35">
+                <a:extLst>
+                  <a:ext uri="{FF2B5EF4-FFF2-40B4-BE49-F238E27FC236}">
+                    <a16:creationId xmlns:a16="http://schemas.microsoft.com/office/drawing/2014/main" id="{595197D7-1B1C-7CE7-7A08-80CC8ACC0C6F}"/>
+                  </a:ext>
+                </a:extLst>
+              </p:cNvPr>
+              <p:cNvSpPr txBox="1"/>
+              <p:nvPr/>
+            </p:nvSpPr>
+            <p:spPr>
+              <a:xfrm>
+                <a:off x="6673728" y="2626525"/>
+                <a:ext cx="522608" cy="707324"/>
+              </a:xfrm>
+              <a:prstGeom prst="rect">
+                <a:avLst/>
+              </a:prstGeom>
+              <a:noFill/>
+              <a:ln w="12700">
+                <a:noFill/>
+              </a:ln>
+            </p:spPr>
+            <p:txBody>
+              <a:bodyPr vert="horz" wrap="none" lIns="143963" tIns="107972" rIns="143963" bIns="107972" rtlCol="0">
+                <a:spAutoFit/>
+              </a:bodyPr>
+              <a:lstStyle/>
+              <a:p>
+                <a:pPr algn="ctr" eaLnBrk="0" hangingPunct="0">
+                  <a:lnSpc>
+                    <a:spcPct val="110000"/>
+                  </a:lnSpc>
+                  <a:buClr>
+                    <a:schemeClr val="accent5">
+                      <a:lumMod val="40000"/>
+                      <a:lumOff val="60000"/>
+                    </a:schemeClr>
+                  </a:buClr>
+                  <a:buSzPct val="70000"/>
+                </a:pPr>
+                <a:r>
+                  <a:rPr lang="en-GB" sz="2399" dirty="0"/>
+                  <a:t>4</a:t>
+                </a:r>
+                <a:endParaRPr lang="en-US" sz="2399" dirty="0"/>
+              </a:p>
+            </p:txBody>
+          </p:sp>
+        </p:grpSp>
+        <p:sp>
+          <p:nvSpPr>
+            <p:cNvPr id="26" name="TextBox 25">
+              <a:extLst>
+                <a:ext uri="{FF2B5EF4-FFF2-40B4-BE49-F238E27FC236}">
+                  <a16:creationId xmlns:a16="http://schemas.microsoft.com/office/drawing/2014/main" id="{67FD55D7-6509-1AF7-D2C7-CD2E49AA698F}"/>
+                </a:ext>
+              </a:extLst>
+            </p:cNvPr>
+            <p:cNvSpPr txBox="1"/>
+            <p:nvPr/>
+          </p:nvSpPr>
+          <p:spPr>
+            <a:xfrm>
+              <a:off x="305055" y="4464001"/>
+              <a:ext cx="4575603" cy="1061766"/>
+            </a:xfrm>
+            <a:prstGeom prst="rect">
+              <a:avLst/>
+            </a:prstGeom>
+            <a:noFill/>
+            <a:ln w="12700">
+              <a:noFill/>
+            </a:ln>
+          </p:spPr>
+          <p:txBody>
+            <a:bodyPr vert="horz" wrap="none" lIns="143963" tIns="107972" rIns="143963" bIns="107972" rtlCol="0" anchor="t">
+              <a:spAutoFit/>
+            </a:bodyPr>
+            <a:lstStyle/>
+            <a:p>
+              <a:pPr algn="ctr" eaLnBrk="0" hangingPunct="0">
+                <a:lnSpc>
+                  <a:spcPct val="110000"/>
+                </a:lnSpc>
+                <a:buClr>
+                  <a:schemeClr val="accent5">
+                    <a:lumMod val="40000"/>
+                    <a:lumOff val="60000"/>
+                  </a:schemeClr>
+                </a:buClr>
+                <a:buSzPct val="70000"/>
+              </a:pPr>
+              <a:r>
+                <a:rPr lang="en-US" sz="2750" b="1" dirty="0" err="1"/>
+                <a:t>Масив</a:t>
+              </a:r>
+              <a:r>
+                <a:rPr lang="en-US" sz="2750" b="1" dirty="0"/>
+                <a:t>/</a:t>
+              </a:r>
+              <a:r>
+                <a:rPr lang="en-US" sz="2750" b="1" dirty="0" err="1"/>
+                <a:t>Списък</a:t>
+              </a:r>
+              <a:br>
+                <a:rPr lang="en-US" sz="2750" dirty="0"/>
+              </a:br>
+              <a:r>
+                <a:rPr lang="en-US" sz="2350" dirty="0"/>
+                <a:t>(</a:t>
+              </a:r>
+              <a:r>
+                <a:rPr lang="en-US" sz="2350" dirty="0" err="1"/>
+                <a:t>индексирана</a:t>
+              </a:r>
+              <a:r>
+                <a:rPr lang="en-US" sz="2350" dirty="0"/>
+                <a:t> </a:t>
+              </a:r>
+              <a:r>
+                <a:rPr lang="en-US" sz="2350" dirty="0" err="1"/>
+                <a:t>група</a:t>
+              </a:r>
+              <a:r>
+                <a:rPr lang="en-US" sz="2350" dirty="0"/>
+                <a:t> </a:t>
+              </a:r>
+              <a:r>
+                <a:rPr lang="en-US" sz="2350" dirty="0" err="1"/>
+                <a:t>от</a:t>
+              </a:r>
+              <a:r>
+                <a:rPr lang="en-US" sz="2350" dirty="0"/>
+                <a:t> </a:t>
+              </a:r>
+              <a:r>
+                <a:rPr lang="en-US" sz="2350" dirty="0" err="1"/>
+                <a:t>елементи</a:t>
+              </a:r>
+              <a:r>
+                <a:rPr lang="en-US" sz="2350" dirty="0"/>
+                <a:t>)</a:t>
+              </a:r>
+            </a:p>
+          </p:txBody>
+        </p:sp>
+      </p:grpSp>
+      <p:grpSp>
+        <p:nvGrpSpPr>
+          <p:cNvPr id="37" name="Group 36">
+            <a:extLst>
+              <a:ext uri="{FF2B5EF4-FFF2-40B4-BE49-F238E27FC236}">
+                <a16:creationId xmlns:a16="http://schemas.microsoft.com/office/drawing/2014/main" id="{DF489C37-6B95-69C1-005F-D7B367E8D124}"/>
+              </a:ext>
+            </a:extLst>
+          </p:cNvPr>
+          <p:cNvGrpSpPr/>
+          <p:nvPr/>
+        </p:nvGrpSpPr>
+        <p:grpSpPr>
+          <a:xfrm>
+            <a:off x="5514276" y="3818638"/>
+            <a:ext cx="6558558" cy="1642178"/>
+            <a:chOff x="4550001" y="3873461"/>
+            <a:chExt cx="6844577" cy="1642605"/>
+          </a:xfrm>
+        </p:grpSpPr>
+        <p:pic>
+          <p:nvPicPr>
+            <p:cNvPr id="38" name="Picture 37">
+              <a:extLst>
+                <a:ext uri="{FF2B5EF4-FFF2-40B4-BE49-F238E27FC236}">
+                  <a16:creationId xmlns:a16="http://schemas.microsoft.com/office/drawing/2014/main" id="{CC908851-8B03-B4E6-E715-D99F0B13C09D}"/>
+                </a:ext>
+              </a:extLst>
+            </p:cNvPr>
+            <p:cNvPicPr>
+              <a:picLocks noChangeAspect="1"/>
+            </p:cNvPicPr>
+            <p:nvPr/>
+          </p:nvPicPr>
+          <p:blipFill>
+            <a:blip r:embed="rId2"/>
+            <a:stretch>
+              <a:fillRect/>
+            </a:stretch>
+          </p:blipFill>
+          <p:spPr>
+            <a:xfrm>
+              <a:off x="4550001" y="3873461"/>
+              <a:ext cx="6844577" cy="550639"/>
+            </a:xfrm>
+            <a:prstGeom prst="rect">
+              <a:avLst/>
+            </a:prstGeom>
+          </p:spPr>
+        </p:pic>
+        <p:sp>
+          <p:nvSpPr>
+            <p:cNvPr id="39" name="TextBox 38">
+              <a:extLst>
+                <a:ext uri="{FF2B5EF4-FFF2-40B4-BE49-F238E27FC236}">
+                  <a16:creationId xmlns:a16="http://schemas.microsoft.com/office/drawing/2014/main" id="{A129B3C0-4877-2EBE-5ADE-B7462D75B62D}"/>
+                </a:ext>
+              </a:extLst>
+            </p:cNvPr>
+            <p:cNvSpPr txBox="1"/>
+            <p:nvPr/>
+          </p:nvSpPr>
+          <p:spPr>
+            <a:xfrm>
+              <a:off x="5807506" y="4454301"/>
+              <a:ext cx="4329573" cy="1061765"/>
+            </a:xfrm>
+            <a:prstGeom prst="rect">
+              <a:avLst/>
+            </a:prstGeom>
+            <a:noFill/>
+            <a:ln w="12700">
+              <a:noFill/>
+            </a:ln>
+          </p:spPr>
+          <p:txBody>
+            <a:bodyPr vert="horz" wrap="none" lIns="143963" tIns="107972" rIns="143963" bIns="107972" rtlCol="0" anchor="t">
+              <a:spAutoFit/>
+            </a:bodyPr>
+            <a:lstStyle/>
+            <a:p>
+              <a:pPr algn="ctr">
+                <a:lnSpc>
+                  <a:spcPct val="110000"/>
+                </a:lnSpc>
+              </a:pPr>
+              <a:r>
+                <a:rPr lang="en-US" sz="2750" b="1" dirty="0"/>
+                <a:t>Свързан </a:t>
+              </a:r>
+              <a:r>
+                <a:rPr lang="en-US" sz="2750" b="1" dirty="0" err="1"/>
+                <a:t>списък</a:t>
+              </a:r>
+              <a:endParaRPr lang="bg-BG" sz="2350" dirty="0" err="1"/>
+            </a:p>
+            <a:p>
+              <a:pPr algn="ctr">
+                <a:lnSpc>
+                  <a:spcPct val="110000"/>
+                </a:lnSpc>
+              </a:pPr>
+              <a:r>
+                <a:rPr lang="en-US" sz="2350" dirty="0"/>
+                <a:t>(</a:t>
+              </a:r>
+              <a:r>
+                <a:rPr lang="en-US" sz="2350" dirty="0" err="1"/>
+                <a:t>редица</a:t>
+              </a:r>
+              <a:r>
+                <a:rPr lang="en-US" sz="2350" dirty="0"/>
+                <a:t> </a:t>
+              </a:r>
+              <a:r>
+                <a:rPr lang="en-US" sz="2350" dirty="0" err="1"/>
+                <a:t>от</a:t>
+              </a:r>
+              <a:r>
+                <a:rPr lang="en-US" sz="2350" dirty="0"/>
+                <a:t> </a:t>
+              </a:r>
+              <a:r>
+                <a:rPr lang="en-US" sz="2350" dirty="0" err="1"/>
+                <a:t>свързани</a:t>
+              </a:r>
+              <a:r>
+                <a:rPr lang="en-US" sz="2350" dirty="0"/>
+                <a:t> </a:t>
+              </a:r>
+              <a:r>
+                <a:rPr lang="en-US" sz="2350" dirty="0" err="1"/>
+                <a:t>елементи</a:t>
+              </a:r>
+              <a:r>
+                <a:rPr lang="en-US" sz="2350" dirty="0"/>
+                <a:t>)</a:t>
+              </a:r>
+              <a:endParaRPr lang="bg-BG" sz="2350" dirty="0">
+                <a:cs typeface="Calibri"/>
+              </a:endParaRPr>
+            </a:p>
+          </p:txBody>
+        </p:sp>
+      </p:grpSp>
+      <p:grpSp>
+        <p:nvGrpSpPr>
+          <p:cNvPr id="40" name="Group 39">
+            <a:extLst>
+              <a:ext uri="{FF2B5EF4-FFF2-40B4-BE49-F238E27FC236}">
+                <a16:creationId xmlns:a16="http://schemas.microsoft.com/office/drawing/2014/main" id="{C73E34C7-52BF-268E-06E1-17B25D5B658F}"/>
+              </a:ext>
+            </a:extLst>
+          </p:cNvPr>
+          <p:cNvGrpSpPr/>
+          <p:nvPr/>
+        </p:nvGrpSpPr>
+        <p:grpSpPr>
+          <a:xfrm>
+            <a:off x="762147" y="5053747"/>
+            <a:ext cx="3786364" cy="1422804"/>
+            <a:chOff x="831000" y="5366287"/>
+            <a:chExt cx="3787350" cy="1423175"/>
+          </a:xfrm>
+        </p:grpSpPr>
+        <p:pic>
+          <p:nvPicPr>
+            <p:cNvPr id="41" name="Picture 4" descr="Javascript Data Structures - Queues &amp; Priority Queues - Way2Net">
+              <a:extLst>
+                <a:ext uri="{FF2B5EF4-FFF2-40B4-BE49-F238E27FC236}">
+                  <a16:creationId xmlns:a16="http://schemas.microsoft.com/office/drawing/2014/main" id="{BFE50B2E-2AFD-C4E8-A14E-E7D7B8D29CF3}"/>
+                </a:ext>
+              </a:extLst>
+            </p:cNvPr>
+            <p:cNvPicPr>
+              <a:picLocks noChangeAspect="1" noChangeArrowheads="1"/>
+            </p:cNvPicPr>
+            <p:nvPr/>
+          </p:nvPicPr>
+          <p:blipFill>
+            <a:blip r:embed="rId3">
+              <a:clrChange>
+                <a:clrFrom>
+                  <a:srgbClr val="FFFFFF"/>
+                </a:clrFrom>
+                <a:clrTo>
+                  <a:srgbClr val="FFFFFF">
+                    <a:alpha val="0"/>
+                  </a:srgbClr>
+                </a:clrTo>
+              </a:clrChange>
+              <a:extLst>
+                <a:ext uri="{28A0092B-C50C-407E-A947-70E740481C1C}">
+                  <a14:useLocalDpi xmlns:a14="http://schemas.microsoft.com/office/drawing/2010/main" val="0"/>
+                </a:ext>
+              </a:extLst>
+            </a:blip>
+            <a:srcRect/>
+            <a:stretch>
+              <a:fillRect/>
+            </a:stretch>
+          </p:blipFill>
+          <p:spPr bwMode="auto">
+            <a:xfrm>
+              <a:off x="831000" y="5366287"/>
+              <a:ext cx="3787350" cy="1257713"/>
+            </a:xfrm>
+            <a:prstGeom prst="rect">
+              <a:avLst/>
+            </a:prstGeom>
+            <a:noFill/>
+            <a:extLst>
+              <a:ext uri="{909E8E84-426E-40DD-AFC4-6F175D3DCCD1}">
+                <a14:hiddenFill xmlns:a14="http://schemas.microsoft.com/office/drawing/2010/main">
+                  <a:solidFill>
+                    <a:srgbClr val="FFFFFF"/>
+                  </a:solidFill>
+                </a14:hiddenFill>
+              </a:ext>
+            </a:extLst>
+          </p:spPr>
+        </p:pic>
+        <p:sp>
+          <p:nvSpPr>
+            <p:cNvPr id="42" name="TextBox 41">
+              <a:extLst>
+                <a:ext uri="{FF2B5EF4-FFF2-40B4-BE49-F238E27FC236}">
+                  <a16:creationId xmlns:a16="http://schemas.microsoft.com/office/drawing/2014/main" id="{049CB820-8A6A-6072-3D76-F47DF5D0E44A}"/>
+                </a:ext>
+              </a:extLst>
+            </p:cNvPr>
+            <p:cNvSpPr txBox="1"/>
+            <p:nvPr/>
+          </p:nvSpPr>
+          <p:spPr>
+            <a:xfrm>
+              <a:off x="1889933" y="6129000"/>
+              <a:ext cx="1508132" cy="660462"/>
+            </a:xfrm>
+            <a:prstGeom prst="rect">
+              <a:avLst/>
+            </a:prstGeom>
+            <a:noFill/>
+            <a:ln w="12700">
+              <a:noFill/>
+            </a:ln>
+          </p:spPr>
+          <p:txBody>
+            <a:bodyPr vert="horz" wrap="none" lIns="143963" tIns="107972" rIns="143963" bIns="107972" rtlCol="0" anchor="t">
+              <a:spAutoFit/>
+            </a:bodyPr>
+            <a:lstStyle/>
+            <a:p>
+              <a:pPr algn="ctr">
+                <a:lnSpc>
+                  <a:spcPct val="110000"/>
+                </a:lnSpc>
+              </a:pPr>
+              <a:r>
+                <a:rPr lang="en-US" sz="2750" b="1" dirty="0" err="1"/>
+                <a:t>Опашка</a:t>
+              </a:r>
+              <a:endParaRPr lang="en-US" sz="2750" b="1" dirty="0" err="1">
+                <a:cs typeface="Calibri"/>
+              </a:endParaRPr>
+            </a:p>
+          </p:txBody>
+        </p:sp>
+      </p:grpSp>
+    </p:spTree>
+    <p:extLst>
+      <p:ext uri="{BB962C8B-B14F-4D97-AF65-F5344CB8AC3E}">
+        <p14:creationId xmlns:p14="http://schemas.microsoft.com/office/powerpoint/2010/main" val="3140046874"/>
+      </p:ext>
+    </p:extLst>
+  </p:cSld>
+  <p:clrMapOvr>
+    <a:masterClrMapping/>
+  </p:clrMapOvr>
+  <mc:AlternateContent xmlns:mc="http://schemas.openxmlformats.org/markup-compatibility/2006" xmlns:p14="http://schemas.microsoft.com/office/powerpoint/2010/main">
+    <mc:Choice Requires="p14">
+      <p:transition spd="slow" p14:dur="2000" advClick="0" advTm="5000"/>
+    </mc:Choice>
+    <mc:Fallback xmlns="">
+      <p:transition spd="slow" advClick="0" advTm="5000"/>
+    </mc:Fallback>
+  </mc:AlternateContent>
+  <p:timing>
+    <p:tnLst>
+      <p:par>
+        <p:cTn id="1" dur="indefinite" restart="never" nodeType="tmRoot">
+          <p:childTnLst>
+            <p:seq concurrent="1" nextAc="seek">
+              <p:cTn id="2" dur="indefinite" nodeType="mainSeq">
+                <p:childTnLst>
+                  <p:par>
+                    <p:cTn id="3" fill="hold">
+                      <p:stCondLst>
+                        <p:cond delay="indefinite"/>
+                      </p:stCondLst>
+                      <p:childTnLst>
+                        <p:par>
+                          <p:cTn id="4" fill="hold">
+                            <p:stCondLst>
+                              <p:cond delay="0"/>
+                            </p:stCondLst>
+                            <p:childTnLst>
+                              <p:par>
+                                <p:cTn id="5" presetID="1" presetClass="entr" presetSubtype="0" fill="hold" nodeType="clickEffect">
+                                  <p:stCondLst>
+                                    <p:cond delay="0"/>
+                                  </p:stCondLst>
+                                  <p:childTnLst>
+                                    <p:set>
+                                      <p:cBhvr>
+                                        <p:cTn id="6" dur="1" fill="hold">
+                                          <p:stCondLst>
+                                            <p:cond delay="0"/>
+                                          </p:stCondLst>
+                                        </p:cTn>
+                                        <p:tgtEl>
+                                          <p:spTgt spid="24"/>
+                                        </p:tgtEl>
+                                        <p:attrNameLst>
+                                          <p:attrName>style.visibility</p:attrName>
+                                        </p:attrNameLst>
+                                      </p:cBhvr>
+                                      <p:to>
+                                        <p:strVal val="visible"/>
+                                      </p:to>
+                                    </p:set>
+                                  </p:childTnLst>
+                                </p:cTn>
+                              </p:par>
+                            </p:childTnLst>
+                          </p:cTn>
+                        </p:par>
+                      </p:childTnLst>
+                    </p:cTn>
+                  </p:par>
+                  <p:par>
+                    <p:cTn id="7" fill="hold">
+                      <p:stCondLst>
+                        <p:cond delay="indefinite"/>
+                      </p:stCondLst>
+                      <p:childTnLst>
+                        <p:par>
+                          <p:cTn id="8" fill="hold">
+                            <p:stCondLst>
+                              <p:cond delay="0"/>
+                            </p:stCondLst>
+                            <p:childTnLst>
+                              <p:par>
+                                <p:cTn id="9" presetID="1" presetClass="entr" presetSubtype="0" fill="hold" nodeType="clickEffect">
+                                  <p:stCondLst>
+                                    <p:cond delay="0"/>
+                                  </p:stCondLst>
+                                  <p:childTnLst>
+                                    <p:set>
+                                      <p:cBhvr>
+                                        <p:cTn id="10" dur="1" fill="hold">
+                                          <p:stCondLst>
+                                            <p:cond delay="0"/>
+                                          </p:stCondLst>
+                                        </p:cTn>
+                                        <p:tgtEl>
+                                          <p:spTgt spid="40"/>
+                                        </p:tgtEl>
+                                        <p:attrNameLst>
+                                          <p:attrName>style.visibility</p:attrName>
+                                        </p:attrNameLst>
+                                      </p:cBhvr>
+                                      <p:to>
+                                        <p:strVal val="visible"/>
+                                      </p:to>
+                                    </p:set>
+                                  </p:childTnLst>
+                                </p:cTn>
+                              </p:par>
+                            </p:childTnLst>
+                          </p:cTn>
+                        </p:par>
+                      </p:childTnLst>
+                    </p:cTn>
+                  </p:par>
+                  <p:par>
+                    <p:cTn id="11" fill="hold">
+                      <p:stCondLst>
+                        <p:cond delay="indefinite"/>
+                      </p:stCondLst>
+                      <p:childTnLst>
+                        <p:par>
+                          <p:cTn id="12" fill="hold">
+                            <p:stCondLst>
+                              <p:cond delay="0"/>
+                            </p:stCondLst>
+                            <p:childTnLst>
+                              <p:par>
+                                <p:cTn id="13" presetID="1" presetClass="entr" presetSubtype="0" fill="hold" nodeType="clickEffect">
+                                  <p:stCondLst>
+                                    <p:cond delay="0"/>
+                                  </p:stCondLst>
+                                  <p:childTnLst>
+                                    <p:set>
+                                      <p:cBhvr>
+                                        <p:cTn id="14" dur="1" fill="hold">
+                                          <p:stCondLst>
+                                            <p:cond delay="0"/>
+                                          </p:stCondLst>
+                                        </p:cTn>
+                                        <p:tgtEl>
+                                          <p:spTgt spid="37"/>
+                                        </p:tgtEl>
+                                        <p:attrNameLst>
+                                          <p:attrName>style.visibility</p:attrName>
+                                        </p:attrNameLst>
+                                      </p:cBhvr>
+                                      <p:to>
+                                        <p:strVal val="visible"/>
+                                      </p:to>
+                                    </p:set>
+                                  </p:childTnLst>
+                                </p:cTn>
+                              </p:par>
+                            </p:childTnLst>
+                          </p:cTn>
+                        </p:par>
+                      </p:childTnLst>
+                    </p:cTn>
+                  </p:par>
+                </p:childTnLst>
+              </p:cTn>
+              <p:prevCondLst>
+                <p:cond evt="onPrev" delay="0">
+                  <p:tgtEl>
+                    <p:sldTgt/>
+                  </p:tgtEl>
+                </p:cond>
+              </p:prevCondLst>
+              <p:nextCondLst>
+                <p:cond evt="onNext" delay="0">
+                  <p:tgtEl>
+                    <p:sldTgt/>
+                  </p:tgtEl>
+                </p:cond>
+              </p:nextCondLst>
+            </p:seq>
+          </p:childTnLst>
+        </p:cTn>
+      </p:par>
+    </p:tnLst>
+  </p:timing>
+</p:sld>
+</file>
+
+<file path=ppt/slides/slide7.xml><?xml version="1.0" encoding="utf-8"?>
+<p:sld xmlns:a="http://schemas.openxmlformats.org/drawingml/2006/main" xmlns:r="http://schemas.openxmlformats.org/officeDocument/2006/relationships" xmlns:p="http://schemas.openxmlformats.org/presentationml/2006/main">
+  <p:cSld>
+    <p:spTree>
+      <p:nvGrpSpPr>
+        <p:cNvPr id="1" name=""/>
+        <p:cNvGrpSpPr/>
+        <p:nvPr/>
+      </p:nvGrpSpPr>
+      <p:grpSpPr>
+        <a:xfrm>
+          <a:off x="0" y="0"/>
+          <a:ext cx="0" cy="0"/>
+          <a:chOff x="0" y="0"/>
+          <a:chExt cx="0" cy="0"/>
+        </a:xfrm>
+      </p:grpSpPr>
+      <p:sp>
+        <p:nvSpPr>
           <p:cNvPr id="3" name="Content Placeholder 2"/>
           <p:cNvSpPr>
             <a:spLocks noGrp="1"/>
@@ -44501,10 +45001,13 @@
             <a:endParaRPr lang="en-US" sz="1800" dirty="0"/>
           </a:p>
           <a:p>
-            <a:pPr marL="456565" indent="-456565">
+            <a:pPr marL="96565" indent="-456565">
               <a:lnSpc>
                 <a:spcPct val="90000"/>
               </a:lnSpc>
+              <a:spcBef>
+                <a:spcPts val="0"/>
+              </a:spcBef>
             </a:pPr>
             <a:r>
               <a:rPr lang="en-US" sz="3400" dirty="0" err="1">
@@ -44605,11 +45108,7 @@
               <a:t> </a:t>
             </a:r>
             <a:r>
-              <a:rPr lang="en-US" sz="3400" b="1" dirty="0" err="1">
-                <a:solidFill>
-                  <a:schemeClr val="bg1"/>
-                </a:solidFill>
-              </a:rPr>
+              <a:rPr lang="en-US" sz="3400" dirty="0" err="1"/>
               <a:t>на</a:t>
             </a:r>
             <a:r>
@@ -44712,8 +45211,12 @@
               <a:t> – </a:t>
             </a:r>
             <a:r>
+              <a:rPr lang="bg-BG" sz="3950" dirty="0"/>
+              <a:t>п</a:t>
+            </a:r>
+            <a:r>
               <a:rPr lang="en-US" sz="3950" dirty="0" err="1"/>
-              <a:t>Пример</a:t>
+              <a:t>ример</a:t>
             </a:r>
             <a:endParaRPr lang="bg-BG" dirty="0" err="1"/>
           </a:p>
@@ -44729,7 +45232,7 @@
         </p:nvSpPr>
         <p:spPr>
           <a:xfrm>
-            <a:off x="767409" y="2237597"/>
+            <a:off x="767407" y="2305322"/>
             <a:ext cx="4535605" cy="1925255"/>
           </a:xfrm>
           <a:prstGeom prst="rect">
@@ -46114,7 +46617,7 @@
         </p:nvSpPr>
         <p:spPr>
           <a:xfrm>
-            <a:off x="767409" y="4929466"/>
+            <a:off x="767408" y="4910744"/>
             <a:ext cx="4535605" cy="587160"/>
           </a:xfrm>
           <a:prstGeom prst="rect">
@@ -46542,7 +47045,7 @@
         </p:nvSpPr>
         <p:spPr>
           <a:xfrm>
-            <a:off x="767409" y="6135943"/>
+            <a:off x="767408" y="6178071"/>
             <a:ext cx="4535605" cy="587160"/>
           </a:xfrm>
           <a:prstGeom prst="rect">
@@ -46739,7 +47242,7 @@
             <a:fld id="{2BF067CD-8E6B-4360-9AA8-C5DF2A48A6D1}" type="slidenum">
               <a:rPr lang="en-US" noProof="0" smtClean="0"/>
               <a:pPr/>
-              <a:t>6</a:t>
+              <a:t>7</a:t>
             </a:fld>
             <a:endParaRPr lang="en-US" noProof="0" dirty="0"/>
           </a:p>
@@ -47070,953 +47573,6 @@
 </p:sld>
 </file>
 
-<file path=ppt/slides/slide7.xml><?xml version="1.0" encoding="utf-8"?>
-<p:sld xmlns:a="http://schemas.openxmlformats.org/drawingml/2006/main" xmlns:r="http://schemas.openxmlformats.org/officeDocument/2006/relationships" xmlns:p="http://schemas.openxmlformats.org/presentationml/2006/main">
-  <p:cSld>
-    <p:spTree>
-      <p:nvGrpSpPr>
-        <p:cNvPr id="1" name=""/>
-        <p:cNvGrpSpPr/>
-        <p:nvPr/>
-      </p:nvGrpSpPr>
-      <p:grpSpPr>
-        <a:xfrm>
-          <a:off x="0" y="0"/>
-          <a:ext cx="0" cy="0"/>
-          <a:chOff x="0" y="0"/>
-          <a:chExt cx="0" cy="0"/>
-        </a:xfrm>
-      </p:grpSpPr>
-      <p:sp>
-        <p:nvSpPr>
-          <p:cNvPr id="7" name="Content Placeholder 6"/>
-          <p:cNvSpPr>
-            <a:spLocks noGrp="1"/>
-          </p:cNvSpPr>
-          <p:nvPr>
-            <p:ph type="body" sz="quarter" idx="10"/>
-          </p:nvPr>
-        </p:nvSpPr>
-        <p:spPr/>
-        <p:txBody>
-          <a:bodyPr vert="horz" lIns="108000" tIns="36000" rIns="108000" bIns="36000" rtlCol="0" anchor="t">
-            <a:normAutofit/>
-          </a:bodyPr>
-          <a:lstStyle/>
-          <a:p>
-            <a:pPr marL="360045" indent="-360045">
-              <a:buClr>
-                <a:schemeClr val="tx1"/>
-              </a:buClr>
-            </a:pPr>
-            <a:r>
-              <a:rPr lang="bg-BG" b="1" dirty="0">
-                <a:solidFill>
-                  <a:schemeClr val="bg1"/>
-                </a:solidFill>
-              </a:rPr>
-              <a:t>Структурата от данни</a:t>
-            </a:r>
-            <a:r>
-              <a:rPr lang="en-US" b="1" dirty="0">
-                <a:solidFill>
-                  <a:schemeClr val="bg1"/>
-                </a:solidFill>
-              </a:rPr>
-              <a:t> </a:t>
-            </a:r>
-            <a:r>
-              <a:rPr lang="bg-BG" dirty="0"/>
-              <a:t>и </a:t>
-            </a:r>
-            <a:r>
-              <a:rPr lang="bg-BG" dirty="0" err="1"/>
-              <a:t>алогоритмите</a:t>
-            </a:r>
-            <a:r>
-              <a:rPr lang="bg-BG" dirty="0"/>
-              <a:t> са основата на програмирането</a:t>
-            </a:r>
-          </a:p>
-          <a:p>
-            <a:pPr marL="360045" indent="-360045">
-              <a:buClr>
-                <a:schemeClr val="tx1"/>
-              </a:buClr>
-            </a:pPr>
-            <a:r>
-              <a:rPr lang="en-US" sz="3150" dirty="0" err="1">
-                <a:ea typeface="+mn-lt"/>
-                <a:cs typeface="+mn-lt"/>
-              </a:rPr>
-              <a:t>Ал</a:t>
-            </a:r>
-            <a:r>
-              <a:rPr lang="bg-BG" sz="3150" dirty="0">
-                <a:ea typeface="+mn-lt"/>
-                <a:cs typeface="+mn-lt"/>
-              </a:rPr>
-              <a:t>г</a:t>
-            </a:r>
-            <a:r>
-              <a:rPr lang="en-US" sz="3150" dirty="0" err="1">
-                <a:ea typeface="+mn-lt"/>
-                <a:cs typeface="+mn-lt"/>
-              </a:rPr>
-              <a:t>оритмичното</a:t>
-            </a:r>
-            <a:r>
-              <a:rPr lang="en-US" sz="3150" dirty="0">
-                <a:ea typeface="+mn-lt"/>
-                <a:cs typeface="+mn-lt"/>
-              </a:rPr>
-              <a:t> </a:t>
-            </a:r>
-            <a:r>
-              <a:rPr lang="en-US" sz="3150" dirty="0" err="1">
-                <a:ea typeface="+mn-lt"/>
-                <a:cs typeface="+mn-lt"/>
-              </a:rPr>
-              <a:t>мислене</a:t>
-            </a:r>
-            <a:r>
-              <a:rPr lang="en-US" sz="3150" dirty="0">
-                <a:ea typeface="+mn-lt"/>
-                <a:cs typeface="+mn-lt"/>
-              </a:rPr>
-              <a:t>, </a:t>
-            </a:r>
-            <a:r>
-              <a:rPr lang="en-US" sz="3150" dirty="0" err="1">
-                <a:ea typeface="+mn-lt"/>
-                <a:cs typeface="+mn-lt"/>
-              </a:rPr>
-              <a:t>решаването</a:t>
-            </a:r>
-            <a:r>
-              <a:rPr lang="en-US" sz="3150" dirty="0">
-                <a:ea typeface="+mn-lt"/>
-                <a:cs typeface="+mn-lt"/>
-              </a:rPr>
-              <a:t> </a:t>
-            </a:r>
-            <a:r>
-              <a:rPr lang="en-US" sz="3150" dirty="0" err="1">
-                <a:ea typeface="+mn-lt"/>
-                <a:cs typeface="+mn-lt"/>
-              </a:rPr>
-              <a:t>на</a:t>
-            </a:r>
-            <a:r>
-              <a:rPr lang="en-US" sz="3150" dirty="0">
-                <a:ea typeface="+mn-lt"/>
-                <a:cs typeface="+mn-lt"/>
-              </a:rPr>
-              <a:t> </a:t>
-            </a:r>
-            <a:r>
-              <a:rPr lang="en-US" sz="3150" dirty="0" err="1">
-                <a:ea typeface="+mn-lt"/>
-                <a:cs typeface="+mn-lt"/>
-              </a:rPr>
-              <a:t>задачи</a:t>
-            </a:r>
-            <a:r>
-              <a:rPr lang="en-US" sz="3150" dirty="0">
-                <a:ea typeface="+mn-lt"/>
-                <a:cs typeface="+mn-lt"/>
-              </a:rPr>
-              <a:t> и </a:t>
-            </a:r>
-            <a:r>
-              <a:rPr lang="en-US" sz="3150" dirty="0" err="1">
-                <a:ea typeface="+mn-lt"/>
-                <a:cs typeface="+mn-lt"/>
-              </a:rPr>
-              <a:t>стуктурата</a:t>
-            </a:r>
-            <a:r>
-              <a:rPr lang="en-US" sz="3150" dirty="0">
-                <a:ea typeface="+mn-lt"/>
-                <a:cs typeface="+mn-lt"/>
-              </a:rPr>
-              <a:t> </a:t>
-            </a:r>
-            <a:r>
-              <a:rPr lang="en-US" sz="3150" dirty="0" err="1">
-                <a:ea typeface="+mn-lt"/>
-                <a:cs typeface="+mn-lt"/>
-              </a:rPr>
-              <a:t>от</a:t>
-            </a:r>
-            <a:r>
-              <a:rPr lang="en-US" sz="3150" dirty="0">
-                <a:ea typeface="+mn-lt"/>
-                <a:cs typeface="+mn-lt"/>
-              </a:rPr>
-              <a:t> </a:t>
-            </a:r>
-            <a:r>
-              <a:rPr lang="en-US" sz="3150" dirty="0" err="1">
-                <a:ea typeface="+mn-lt"/>
-                <a:cs typeface="+mn-lt"/>
-              </a:rPr>
-              <a:t>данни</a:t>
-            </a:r>
-            <a:r>
-              <a:rPr lang="en-US" sz="3150" dirty="0">
-                <a:ea typeface="+mn-lt"/>
-                <a:cs typeface="+mn-lt"/>
-              </a:rPr>
-              <a:t> </a:t>
-            </a:r>
-            <a:r>
-              <a:rPr lang="en-US" sz="3150" dirty="0" err="1">
-                <a:ea typeface="+mn-lt"/>
-                <a:cs typeface="+mn-lt"/>
-              </a:rPr>
-              <a:t>са</a:t>
-            </a:r>
-            <a:r>
-              <a:rPr lang="en-US" sz="3150" dirty="0">
-                <a:ea typeface="+mn-lt"/>
-                <a:cs typeface="+mn-lt"/>
-              </a:rPr>
-              <a:t> </a:t>
-            </a:r>
-            <a:r>
-              <a:rPr lang="en-US" sz="3150" dirty="0" err="1">
-                <a:ea typeface="+mn-lt"/>
-                <a:cs typeface="+mn-lt"/>
-              </a:rPr>
-              <a:t>важни</a:t>
-            </a:r>
-            <a:r>
-              <a:rPr lang="en-US" sz="3150" dirty="0">
-                <a:ea typeface="+mn-lt"/>
-                <a:cs typeface="+mn-lt"/>
-              </a:rPr>
-              <a:t> </a:t>
-            </a:r>
-            <a:r>
-              <a:rPr lang="en-US" sz="3150" dirty="0" err="1">
-                <a:ea typeface="+mn-lt"/>
-                <a:cs typeface="+mn-lt"/>
-              </a:rPr>
-              <a:t>за</a:t>
-            </a:r>
-            <a:r>
-              <a:rPr lang="en-US" sz="3150" dirty="0">
-                <a:ea typeface="+mn-lt"/>
-                <a:cs typeface="+mn-lt"/>
-              </a:rPr>
-              <a:t> </a:t>
-            </a:r>
-            <a:r>
-              <a:rPr lang="en-US" sz="3150" dirty="0" err="1">
-                <a:ea typeface="+mn-lt"/>
-                <a:cs typeface="+mn-lt"/>
-              </a:rPr>
-              <a:t>софтуерните</a:t>
-            </a:r>
-            <a:r>
-              <a:rPr lang="en-US" sz="3150" dirty="0">
-                <a:ea typeface="+mn-lt"/>
-                <a:cs typeface="+mn-lt"/>
-              </a:rPr>
-              <a:t> </a:t>
-            </a:r>
-            <a:r>
-              <a:rPr lang="en-US" sz="3150" dirty="0" err="1">
-                <a:ea typeface="+mn-lt"/>
-                <a:cs typeface="+mn-lt"/>
-              </a:rPr>
-              <a:t>инженери</a:t>
-            </a:r>
-            <a:r>
-              <a:rPr lang="en-US" sz="3350" dirty="0">
-                <a:ea typeface="+mn-lt"/>
-                <a:cs typeface="+mn-lt"/>
-              </a:rPr>
-              <a:t> </a:t>
-            </a:r>
-          </a:p>
-          <a:p>
-            <a:pPr lvl="1" indent="-360045">
-              <a:buClr>
-                <a:schemeClr val="tx1"/>
-              </a:buClr>
-            </a:pPr>
-            <a:r>
-              <a:rPr lang="en-US" sz="3150" dirty="0"/>
-              <a:t>C# </a:t>
-            </a:r>
-            <a:r>
-              <a:rPr lang="en-US" sz="3150" dirty="0" err="1"/>
-              <a:t>програмистите</a:t>
-            </a:r>
-            <a:r>
-              <a:rPr lang="en-US" sz="3150" dirty="0"/>
-              <a:t> </a:t>
-            </a:r>
-            <a:r>
-              <a:rPr lang="en-US" sz="3150" dirty="0" err="1"/>
-              <a:t>трябва</a:t>
-            </a:r>
-            <a:r>
-              <a:rPr lang="en-US" sz="3150" dirty="0"/>
-              <a:t> </a:t>
-            </a:r>
-            <a:r>
-              <a:rPr lang="en-US" sz="3150" dirty="0" err="1"/>
-              <a:t>да</a:t>
-            </a:r>
-            <a:r>
-              <a:rPr lang="en-US" sz="3150" dirty="0"/>
-              <a:t> </a:t>
-            </a:r>
-            <a:r>
-              <a:rPr lang="en-US" sz="3150" dirty="0" err="1"/>
-              <a:t>зная</a:t>
-            </a:r>
-            <a:r>
-              <a:rPr lang="bg-BG" sz="3150" dirty="0"/>
-              <a:t>т</a:t>
-            </a:r>
-            <a:r>
-              <a:rPr lang="en-US" sz="3150" dirty="0"/>
-              <a:t> </a:t>
-            </a:r>
-            <a:r>
-              <a:rPr lang="en-US" sz="3150" dirty="0" err="1"/>
-              <a:t>кога</a:t>
-            </a:r>
-            <a:r>
-              <a:rPr lang="en-US" sz="3150" dirty="0"/>
-              <a:t> </a:t>
-            </a:r>
-            <a:r>
-              <a:rPr lang="en-US" sz="3150" dirty="0" err="1"/>
-              <a:t>да</a:t>
-            </a:r>
-            <a:r>
-              <a:rPr lang="en-US" sz="3150" dirty="0">
-                <a:solidFill>
-                  <a:srgbClr val="234465"/>
-                </a:solidFill>
-                <a:latin typeface="Calibri"/>
-                <a:cs typeface="Calibri"/>
-              </a:rPr>
-              <a:t> </a:t>
-            </a:r>
-            <a:r>
-              <a:rPr lang="en-US" sz="3150" dirty="0" err="1">
-                <a:solidFill>
-                  <a:srgbClr val="234465"/>
-                </a:solidFill>
-                <a:latin typeface="Calibri"/>
-                <a:cs typeface="Calibri"/>
-              </a:rPr>
-              <a:t>използват</a:t>
-            </a:r>
-            <a:r>
-              <a:rPr lang="en-US" sz="3150" dirty="0">
-                <a:solidFill>
-                  <a:srgbClr val="234465"/>
-                </a:solidFill>
-                <a:latin typeface="Calibri"/>
-                <a:cs typeface="Calibri"/>
-              </a:rPr>
-              <a:t> </a:t>
-            </a:r>
-            <a:r>
-              <a:rPr lang="en-US" sz="3150" b="1" noProof="1">
-                <a:solidFill>
-                  <a:schemeClr val="bg1"/>
-                </a:solidFill>
-                <a:latin typeface="Consolas"/>
-                <a:cs typeface="Consolas" pitchFamily="49" charset="0"/>
-              </a:rPr>
-              <a:t>T[]</a:t>
-            </a:r>
-            <a:r>
-              <a:rPr lang="en-US" sz="3150" dirty="0">
-                <a:solidFill>
-                  <a:schemeClr val="bg1"/>
-                </a:solidFill>
-              </a:rPr>
-              <a:t>, </a:t>
-            </a:r>
-            <a:r>
-              <a:rPr lang="en-US" sz="3150" b="1" noProof="1">
-                <a:solidFill>
-                  <a:schemeClr val="bg1"/>
-                </a:solidFill>
-                <a:latin typeface="Consolas"/>
-                <a:cs typeface="Consolas" pitchFamily="49" charset="0"/>
-              </a:rPr>
-              <a:t>LinkedList&lt;T&gt;</a:t>
-            </a:r>
-            <a:r>
-              <a:rPr lang="en-US" sz="3150" dirty="0"/>
-              <a:t>, </a:t>
-            </a:r>
-            <a:r>
-              <a:rPr lang="en-US" sz="3150" b="1" noProof="1">
-                <a:solidFill>
-                  <a:schemeClr val="bg1"/>
-                </a:solidFill>
-                <a:latin typeface="Consolas"/>
-                <a:cs typeface="Consolas" pitchFamily="49" charset="0"/>
-              </a:rPr>
-              <a:t>List&lt;T&gt;</a:t>
-            </a:r>
-            <a:r>
-              <a:rPr lang="en-US" sz="3150" dirty="0"/>
-              <a:t>, </a:t>
-            </a:r>
-            <a:r>
-              <a:rPr lang="en-US" sz="3150" b="1" noProof="1">
-                <a:solidFill>
-                  <a:schemeClr val="bg1"/>
-                </a:solidFill>
-                <a:latin typeface="Consolas"/>
-                <a:cs typeface="Consolas" pitchFamily="49" charset="0"/>
-              </a:rPr>
-              <a:t>Stack&lt;T&gt;</a:t>
-            </a:r>
-            <a:r>
-              <a:rPr lang="en-US" sz="3150" dirty="0"/>
-              <a:t>, </a:t>
-            </a:r>
-            <a:r>
-              <a:rPr lang="en-US" sz="3150" b="1" noProof="1">
-                <a:solidFill>
-                  <a:schemeClr val="bg1"/>
-                </a:solidFill>
-                <a:latin typeface="Consolas"/>
-                <a:cs typeface="Consolas" pitchFamily="49" charset="0"/>
-              </a:rPr>
-              <a:t>Queue&lt;T&gt;</a:t>
-            </a:r>
-            <a:r>
-              <a:rPr lang="en-US" sz="3150" dirty="0"/>
-              <a:t>, </a:t>
-            </a:r>
-            <a:r>
-              <a:rPr lang="en-US" sz="3150" b="1" noProof="1">
-                <a:solidFill>
-                  <a:schemeClr val="bg1"/>
-                </a:solidFill>
-                <a:latin typeface="Consolas"/>
-                <a:cs typeface="Consolas" pitchFamily="49" charset="0"/>
-              </a:rPr>
-              <a:t>Dictionary&lt;K,</a:t>
-            </a:r>
-            <a:r>
-              <a:rPr lang="en-US" sz="3150" b="1" noProof="1">
-                <a:solidFill>
-                  <a:schemeClr val="bg1"/>
-                </a:solidFill>
-                <a:cs typeface="Consolas" pitchFamily="49" charset="0"/>
-              </a:rPr>
-              <a:t> </a:t>
-            </a:r>
-            <a:r>
-              <a:rPr lang="en-US" sz="3150" b="1" noProof="1">
-                <a:solidFill>
-                  <a:schemeClr val="bg1"/>
-                </a:solidFill>
-                <a:latin typeface="Consolas"/>
-                <a:cs typeface="Consolas" pitchFamily="49" charset="0"/>
-              </a:rPr>
-              <a:t>T&gt;</a:t>
-            </a:r>
-            <a:r>
-              <a:rPr lang="en-US" sz="3150" dirty="0"/>
-              <a:t>, </a:t>
-            </a:r>
-            <a:r>
-              <a:rPr lang="en-US" sz="3150" b="1" noProof="1">
-                <a:solidFill>
-                  <a:schemeClr val="bg1"/>
-                </a:solidFill>
-                <a:latin typeface="Consolas"/>
-                <a:cs typeface="Consolas" pitchFamily="49" charset="0"/>
-              </a:rPr>
-              <a:t>HashSet&lt;T&gt;</a:t>
-            </a:r>
-            <a:r>
-              <a:rPr lang="en-US" sz="3150" dirty="0"/>
-              <a:t>, </a:t>
-            </a:r>
-            <a:r>
-              <a:rPr lang="en-US" sz="3150" b="1" noProof="1">
-                <a:solidFill>
-                  <a:schemeClr val="bg1"/>
-                </a:solidFill>
-                <a:latin typeface="Consolas"/>
-                <a:cs typeface="Consolas" pitchFamily="49" charset="0"/>
-              </a:rPr>
-              <a:t>SortedDictionary&lt;K,</a:t>
-            </a:r>
-            <a:r>
-              <a:rPr lang="en-US" sz="3150" b="1" noProof="1">
-                <a:solidFill>
-                  <a:schemeClr val="bg1"/>
-                </a:solidFill>
-                <a:cs typeface="Consolas" pitchFamily="49" charset="0"/>
-              </a:rPr>
-              <a:t> </a:t>
-            </a:r>
-            <a:r>
-              <a:rPr lang="en-US" sz="3150" b="1" noProof="1">
-                <a:solidFill>
-                  <a:schemeClr val="bg1"/>
-                </a:solidFill>
-                <a:latin typeface="Consolas"/>
-                <a:cs typeface="Consolas" pitchFamily="49" charset="0"/>
-              </a:rPr>
-              <a:t>T&gt;</a:t>
-            </a:r>
-            <a:r>
-              <a:rPr lang="en-US" sz="3150" dirty="0">
-                <a:solidFill>
-                  <a:schemeClr val="bg1"/>
-                </a:solidFill>
-              </a:rPr>
-              <a:t> </a:t>
-            </a:r>
-            <a:r>
-              <a:rPr lang="en-US" sz="3150" dirty="0"/>
-              <a:t>и</a:t>
-            </a:r>
-            <a:r>
-              <a:rPr lang="en-US" sz="3150" dirty="0">
-                <a:solidFill>
-                  <a:srgbClr val="234465"/>
-                </a:solidFill>
-              </a:rPr>
-              <a:t> </a:t>
-            </a:r>
-            <a:r>
-              <a:rPr lang="en-US" sz="3150" b="1" noProof="1">
-                <a:solidFill>
-                  <a:schemeClr val="bg1"/>
-                </a:solidFill>
-                <a:latin typeface="Consolas"/>
-                <a:cs typeface="Consolas" pitchFamily="49" charset="0"/>
-              </a:rPr>
-              <a:t>SortedSet&lt;T&gt;</a:t>
-            </a:r>
-          </a:p>
-          <a:p>
-            <a:pPr marL="360045" indent="-360045">
-              <a:buClr>
-                <a:schemeClr val="tx1"/>
-              </a:buClr>
-            </a:pPr>
-            <a:r>
-              <a:rPr lang="en-US" sz="3350" b="1" dirty="0" err="1"/>
-              <a:t>Програмиране</a:t>
-            </a:r>
-            <a:r>
-              <a:rPr lang="en-US" sz="3350" b="1" dirty="0"/>
-              <a:t> </a:t>
-            </a:r>
-            <a:r>
-              <a:rPr lang="en-US" sz="3350" dirty="0"/>
-              <a:t>== </a:t>
-            </a:r>
-            <a:r>
-              <a:rPr lang="en-US" sz="3350" b="1" dirty="0" err="1"/>
-              <a:t>алгоритми</a:t>
-            </a:r>
-            <a:r>
-              <a:rPr lang="en-US" sz="3350" b="1" dirty="0"/>
-              <a:t> </a:t>
-            </a:r>
-            <a:r>
-              <a:rPr lang="en-US" sz="3350" dirty="0"/>
-              <a:t>+ </a:t>
-            </a:r>
-            <a:r>
-              <a:rPr lang="en-US" sz="3350" b="1" dirty="0" err="1"/>
-              <a:t>структора</a:t>
-            </a:r>
-            <a:r>
-              <a:rPr lang="en-US" sz="3350" b="1" dirty="0"/>
-              <a:t> </a:t>
-            </a:r>
-            <a:r>
-              <a:rPr lang="en-US" sz="3350" b="1" dirty="0" err="1"/>
-              <a:t>от</a:t>
-            </a:r>
-            <a:r>
-              <a:rPr lang="en-US" sz="3350" b="1" dirty="0"/>
-              <a:t> </a:t>
-            </a:r>
-            <a:r>
-              <a:rPr lang="en-US" sz="3350" b="1" dirty="0" err="1"/>
-              <a:t>данни</a:t>
-            </a:r>
-            <a:r>
-              <a:rPr lang="en-US" sz="3350" dirty="0"/>
-              <a:t>!</a:t>
-            </a:r>
-            <a:endParaRPr lang="en-US" sz="3350" dirty="0">
-              <a:cs typeface="Calibri"/>
-            </a:endParaRPr>
-          </a:p>
-        </p:txBody>
-      </p:sp>
-      <p:sp>
-        <p:nvSpPr>
-          <p:cNvPr id="6" name="Title 5"/>
-          <p:cNvSpPr>
-            <a:spLocks noGrp="1"/>
-          </p:cNvSpPr>
-          <p:nvPr>
-            <p:ph type="title"/>
-          </p:nvPr>
-        </p:nvSpPr>
-        <p:spPr/>
-        <p:txBody>
-          <a:bodyPr>
-            <a:normAutofit fontScale="90000"/>
-          </a:bodyPr>
-          <a:lstStyle/>
-          <a:p>
-            <a:r>
-              <a:rPr lang="en-US" sz="3950" dirty="0" err="1"/>
-              <a:t>Защо</a:t>
-            </a:r>
-            <a:r>
-              <a:rPr lang="en-US" sz="3950" dirty="0"/>
-              <a:t> </a:t>
-            </a:r>
-            <a:r>
-              <a:rPr lang="en-US" sz="3950" dirty="0" err="1"/>
-              <a:t>стуктурите</a:t>
-            </a:r>
-            <a:r>
-              <a:rPr lang="en-US" sz="3950" dirty="0"/>
-              <a:t> </a:t>
-            </a:r>
-            <a:r>
-              <a:rPr lang="en-US" sz="3950" dirty="0" err="1"/>
-              <a:t>от</a:t>
-            </a:r>
-            <a:r>
-              <a:rPr lang="en-US" sz="3950" dirty="0"/>
-              <a:t> </a:t>
-            </a:r>
-            <a:r>
-              <a:rPr lang="en-US" sz="3950" dirty="0" err="1"/>
-              <a:t>данни</a:t>
-            </a:r>
-            <a:r>
-              <a:rPr lang="en-US" sz="3950" dirty="0"/>
-              <a:t> </a:t>
-            </a:r>
-            <a:r>
-              <a:rPr lang="en-US" sz="3950" dirty="0" err="1"/>
-              <a:t>са</a:t>
-            </a:r>
-            <a:r>
-              <a:rPr lang="en-US" sz="3950" dirty="0"/>
-              <a:t> </a:t>
-            </a:r>
-            <a:r>
-              <a:rPr lang="en-US" sz="3950" dirty="0" err="1"/>
-              <a:t>толкова</a:t>
-            </a:r>
-            <a:r>
-              <a:rPr lang="en-US" sz="3950" dirty="0"/>
-              <a:t> </a:t>
-            </a:r>
-            <a:r>
-              <a:rPr lang="en-US" sz="3950" dirty="0" err="1"/>
-              <a:t>важни</a:t>
-            </a:r>
-            <a:r>
-              <a:rPr lang="en-US" sz="3950" dirty="0"/>
-              <a:t>?</a:t>
-            </a:r>
-          </a:p>
-        </p:txBody>
-      </p:sp>
-      <p:sp>
-        <p:nvSpPr>
-          <p:cNvPr id="5" name="Slide Number">
-            <a:extLst>
-              <a:ext uri="{FF2B5EF4-FFF2-40B4-BE49-F238E27FC236}">
-                <a16:creationId xmlns:a16="http://schemas.microsoft.com/office/drawing/2014/main" id="{F31D3C6A-590D-4441-8EF7-0AD2F9C4FD85}"/>
-              </a:ext>
-            </a:extLst>
-          </p:cNvPr>
-          <p:cNvSpPr>
-            <a:spLocks noGrp="1"/>
-          </p:cNvSpPr>
-          <p:nvPr>
-            <p:ph type="sldNum" sz="quarter" idx="5"/>
-          </p:nvPr>
-        </p:nvSpPr>
-        <p:spPr>
-          <a:xfrm>
-            <a:off x="11753030" y="6507000"/>
-            <a:ext cx="367414" cy="297000"/>
-          </a:xfrm>
-          <a:prstGeom prst="rect">
-            <a:avLst/>
-          </a:prstGeom>
-        </p:spPr>
-        <p:txBody>
-          <a:bodyPr vert="horz" lIns="91440" tIns="45720" rIns="91440" bIns="45720" rtlCol="0" anchor="b"/>
-          <a:lstStyle>
-            <a:lvl1pPr algn="r">
-              <a:defRPr sz="1000"/>
-            </a:lvl1pPr>
-          </a:lstStyle>
-          <a:p>
-            <a:fld id="{2BF067CD-8E6B-4360-9AA8-C5DF2A48A6D1}" type="slidenum">
-              <a:rPr lang="en-US" noProof="0" smtClean="0"/>
-              <a:pPr/>
-              <a:t>7</a:t>
-            </a:fld>
-            <a:endParaRPr lang="en-US" noProof="0" dirty="0"/>
-          </a:p>
-        </p:txBody>
-      </p:sp>
-    </p:spTree>
-    <p:extLst>
-      <p:ext uri="{BB962C8B-B14F-4D97-AF65-F5344CB8AC3E}">
-        <p14:creationId xmlns:p14="http://schemas.microsoft.com/office/powerpoint/2010/main" val="2635119141"/>
-      </p:ext>
-    </p:extLst>
-  </p:cSld>
-  <p:clrMapOvr>
-    <a:masterClrMapping/>
-  </p:clrMapOvr>
-  <mc:AlternateContent xmlns:mc="http://schemas.openxmlformats.org/markup-compatibility/2006" xmlns:p14="http://schemas.microsoft.com/office/powerpoint/2010/main">
-    <mc:Choice Requires="p14">
-      <p:transition p14:dur="0" advClick="0" advTm="5000"/>
-    </mc:Choice>
-    <mc:Fallback xmlns="">
-      <p:transition advClick="0" advTm="5000"/>
-    </mc:Fallback>
-  </mc:AlternateContent>
-  <p:timing>
-    <p:tnLst>
-      <p:par>
-        <p:cTn id="1" dur="indefinite" restart="never" nodeType="tmRoot">
-          <p:childTnLst>
-            <p:seq concurrent="1" nextAc="seek">
-              <p:cTn id="2" dur="indefinite" nodeType="mainSeq">
-                <p:childTnLst>
-                  <p:par>
-                    <p:cTn id="3" fill="hold">
-                      <p:stCondLst>
-                        <p:cond delay="indefinite"/>
-                      </p:stCondLst>
-                      <p:childTnLst>
-                        <p:par>
-                          <p:cTn id="4" fill="hold">
-                            <p:stCondLst>
-                              <p:cond delay="0"/>
-                            </p:stCondLst>
-                            <p:childTnLst>
-                              <p:par>
-                                <p:cTn id="5" presetID="1" presetClass="entr" presetSubtype="0" fill="hold" nodeType="clickEffect">
-                                  <p:stCondLst>
-                                    <p:cond delay="0"/>
-                                  </p:stCondLst>
-                                  <p:childTnLst>
-                                    <p:set>
-                                      <p:cBhvr>
-                                        <p:cTn id="6" dur="1" fill="hold">
-                                          <p:stCondLst>
-                                            <p:cond delay="0"/>
-                                          </p:stCondLst>
-                                        </p:cTn>
-                                        <p:tgtEl>
-                                          <p:spTgt spid="7">
-                                            <p:txEl>
-                                              <p:pRg st="0" end="0"/>
-                                            </p:txEl>
-                                          </p:spTgt>
-                                        </p:tgtEl>
-                                        <p:attrNameLst>
-                                          <p:attrName>style.visibility</p:attrName>
-                                        </p:attrNameLst>
-                                      </p:cBhvr>
-                                      <p:to>
-                                        <p:strVal val="visible"/>
-                                      </p:to>
-                                    </p:set>
-                                  </p:childTnLst>
-                                </p:cTn>
-                              </p:par>
-                            </p:childTnLst>
-                          </p:cTn>
-                        </p:par>
-                      </p:childTnLst>
-                    </p:cTn>
-                  </p:par>
-                  <p:par>
-                    <p:cTn id="7" fill="hold">
-                      <p:stCondLst>
-                        <p:cond delay="indefinite"/>
-                      </p:stCondLst>
-                      <p:childTnLst>
-                        <p:par>
-                          <p:cTn id="8" fill="hold">
-                            <p:stCondLst>
-                              <p:cond delay="0"/>
-                            </p:stCondLst>
-                            <p:childTnLst>
-                              <p:par>
-                                <p:cTn id="9" presetID="1" presetClass="entr" presetSubtype="0" fill="hold" nodeType="clickEffect">
-                                  <p:stCondLst>
-                                    <p:cond delay="0"/>
-                                  </p:stCondLst>
-                                  <p:childTnLst>
-                                    <p:set>
-                                      <p:cBhvr>
-                                        <p:cTn id="10" dur="1" fill="hold">
-                                          <p:stCondLst>
-                                            <p:cond delay="0"/>
-                                          </p:stCondLst>
-                                        </p:cTn>
-                                        <p:tgtEl>
-                                          <p:spTgt spid="7">
-                                            <p:txEl>
-                                              <p:pRg st="1" end="1"/>
-                                            </p:txEl>
-                                          </p:spTgt>
-                                        </p:tgtEl>
-                                        <p:attrNameLst>
-                                          <p:attrName>style.visibility</p:attrName>
-                                        </p:attrNameLst>
-                                      </p:cBhvr>
-                                      <p:to>
-                                        <p:strVal val="visible"/>
-                                      </p:to>
-                                    </p:set>
-                                  </p:childTnLst>
-                                </p:cTn>
-                              </p:par>
-                              <p:par>
-                                <p:cTn id="11" presetID="1" presetClass="entr" presetSubtype="0" fill="hold" nodeType="withEffect">
-                                  <p:stCondLst>
-                                    <p:cond delay="0"/>
-                                  </p:stCondLst>
-                                  <p:childTnLst>
-                                    <p:set>
-                                      <p:cBhvr>
-                                        <p:cTn id="12" dur="1" fill="hold">
-                                          <p:stCondLst>
-                                            <p:cond delay="0"/>
-                                          </p:stCondLst>
-                                        </p:cTn>
-                                        <p:tgtEl>
-                                          <p:spTgt spid="7">
-                                            <p:txEl>
-                                              <p:pRg st="2" end="2"/>
-                                            </p:txEl>
-                                          </p:spTgt>
-                                        </p:tgtEl>
-                                        <p:attrNameLst>
-                                          <p:attrName>style.visibility</p:attrName>
-                                        </p:attrNameLst>
-                                      </p:cBhvr>
-                                      <p:to>
-                                        <p:strVal val="visible"/>
-                                      </p:to>
-                                    </p:set>
-                                  </p:childTnLst>
-                                </p:cTn>
-                              </p:par>
-                            </p:childTnLst>
-                          </p:cTn>
-                        </p:par>
-                      </p:childTnLst>
-                    </p:cTn>
-                  </p:par>
-                  <p:par>
-                    <p:cTn id="13" fill="hold">
-                      <p:stCondLst>
-                        <p:cond delay="indefinite"/>
-                      </p:stCondLst>
-                      <p:childTnLst>
-                        <p:par>
-                          <p:cTn id="14" fill="hold">
-                            <p:stCondLst>
-                              <p:cond delay="0"/>
-                            </p:stCondLst>
-                            <p:childTnLst>
-                              <p:par>
-                                <p:cTn id="15" presetID="1" presetClass="entr" presetSubtype="0" fill="hold" nodeType="clickEffect">
-                                  <p:stCondLst>
-                                    <p:cond delay="0"/>
-                                  </p:stCondLst>
-                                  <p:childTnLst>
-                                    <p:set>
-                                      <p:cBhvr>
-                                        <p:cTn id="16" dur="1" fill="hold">
-                                          <p:stCondLst>
-                                            <p:cond delay="0"/>
-                                          </p:stCondLst>
-                                        </p:cTn>
-                                        <p:tgtEl>
-                                          <p:spTgt spid="7">
-                                            <p:txEl>
-                                              <p:pRg st="3" end="3"/>
-                                            </p:txEl>
-                                          </p:spTgt>
-                                        </p:tgtEl>
-                                        <p:attrNameLst>
-                                          <p:attrName>style.visibility</p:attrName>
-                                        </p:attrNameLst>
-                                      </p:cBhvr>
-                                      <p:to>
-                                        <p:strVal val="visible"/>
-                                      </p:to>
-                                    </p:set>
-                                  </p:childTnLst>
-                                </p:cTn>
-                              </p:par>
-                            </p:childTnLst>
-                          </p:cTn>
-                        </p:par>
-                      </p:childTnLst>
-                    </p:cTn>
-                  </p:par>
-                </p:childTnLst>
-              </p:cTn>
-              <p:prevCondLst>
-                <p:cond evt="onPrev" delay="0">
-                  <p:tgtEl>
-                    <p:sldTgt/>
-                  </p:tgtEl>
-                </p:cond>
-              </p:prevCondLst>
-              <p:nextCondLst>
-                <p:cond evt="onNext" delay="0">
-                  <p:tgtEl>
-                    <p:sldTgt/>
-                  </p:tgtEl>
-                </p:cond>
-              </p:nextCondLst>
-            </p:seq>
-          </p:childTnLst>
-        </p:cTn>
-      </p:par>
-    </p:tnLst>
-  </p:timing>
-</p:sld>
-</file>
-
 <file path=ppt/slides/slide8.xml><?xml version="1.0" encoding="utf-8"?>
 <p:sld xmlns:a="http://schemas.openxmlformats.org/drawingml/2006/main" xmlns:r="http://schemas.openxmlformats.org/officeDocument/2006/relationships" xmlns:p="http://schemas.openxmlformats.org/presentationml/2006/main">
   <p:cSld>
@@ -48072,6 +47628,72 @@
       </p:pic>
       <p:sp>
         <p:nvSpPr>
+          <p:cNvPr id="14" name="Subtitle 13">
+            <a:extLst>
+              <a:ext uri="{FF2B5EF4-FFF2-40B4-BE49-F238E27FC236}">
+                <a16:creationId xmlns:a16="http://schemas.microsoft.com/office/drawing/2014/main" id="{A2E72B97-4A89-9338-8F14-D17FADFCEE2A}"/>
+              </a:ext>
+            </a:extLst>
+          </p:cNvPr>
+          <p:cNvSpPr>
+            <a:spLocks noGrp="1"/>
+          </p:cNvSpPr>
+          <p:nvPr>
+            <p:ph type="subTitle" sz="quarter" idx="11"/>
+          </p:nvPr>
+        </p:nvSpPr>
+        <p:spPr/>
+        <p:txBody>
+          <a:bodyPr/>
+          <a:lstStyle/>
+          <a:p>
+            <a:r>
+              <a:rPr lang="bg-BG" sz="3600" b="1" dirty="0" err="1">
+                <a:latin typeface="Calibri" panose="020F0502020204030204" pitchFamily="34" charset="0"/>
+                <a:cs typeface="Calibri" panose="020F0502020204030204" pitchFamily="34" charset="0"/>
+              </a:rPr>
+              <a:t>Push</a:t>
+            </a:r>
+            <a:r>
+              <a:rPr lang="bg-BG" sz="3600" b="1" dirty="0">
+                <a:latin typeface="Consolas"/>
+                <a:cs typeface="Calibri"/>
+              </a:rPr>
+              <a:t>(), </a:t>
+            </a:r>
+            <a:r>
+              <a:rPr lang="bg-BG" sz="3600" b="1" dirty="0" err="1">
+                <a:latin typeface="Consolas"/>
+                <a:cs typeface="Calibri"/>
+              </a:rPr>
+              <a:t>Peek</a:t>
+            </a:r>
+            <a:r>
+              <a:rPr lang="bg-BG" sz="3600" b="1" dirty="0">
+                <a:latin typeface="Consolas"/>
+                <a:cs typeface="Calibri"/>
+              </a:rPr>
+              <a:t>(), </a:t>
+            </a:r>
+            <a:r>
+              <a:rPr lang="bg-BG" sz="3600" b="1" dirty="0" err="1">
+                <a:latin typeface="Consolas"/>
+                <a:cs typeface="Calibri"/>
+              </a:rPr>
+              <a:t>Pop</a:t>
+            </a:r>
+            <a:r>
+              <a:rPr lang="bg-BG" sz="3600" b="1" dirty="0">
+                <a:latin typeface="Consolas"/>
+                <a:cs typeface="Calibri"/>
+              </a:rPr>
+              <a:t>()</a:t>
+            </a:r>
+          </a:p>
+        </p:txBody>
+      </p:sp>
+      <p:sp>
+        <p:nvSpPr>
           <p:cNvPr id="4" name="Title 3">
             <a:extLst>
               <a:ext uri="{FF2B5EF4-FFF2-40B4-BE49-F238E27FC236}">
@@ -48092,164 +47714,42 @@
           <a:lstStyle/>
           <a:p>
             <a:r>
-              <a:rPr lang="en-GB" sz="5350" dirty="0" err="1">
-                <a:ea typeface="+mj-lt"/>
-                <a:cs typeface="+mj-lt"/>
-              </a:rPr>
+              <a:rPr lang="en-GB" dirty="0" err="1"/>
               <a:t>Общ</a:t>
             </a:r>
             <a:r>
-              <a:rPr lang="en-GB" sz="5350" dirty="0">
-                <a:ea typeface="+mj-lt"/>
-                <a:cs typeface="+mj-lt"/>
-              </a:rPr>
+              <a:rPr lang="en-GB" dirty="0"/>
               <a:t> </a:t>
             </a:r>
             <a:r>
-              <a:rPr lang="en-GB" sz="5350" dirty="0" err="1">
-                <a:ea typeface="+mj-lt"/>
-                <a:cs typeface="+mj-lt"/>
-              </a:rPr>
+              <a:rPr lang="en-GB" dirty="0" err="1"/>
               <a:t>преглед</a:t>
             </a:r>
             <a:r>
-              <a:rPr lang="en-GB" sz="5350" dirty="0">
-                <a:ea typeface="+mj-lt"/>
-                <a:cs typeface="+mj-lt"/>
-              </a:rPr>
+              <a:rPr lang="en-GB" dirty="0"/>
               <a:t> и </a:t>
             </a:r>
             <a:r>
-              <a:rPr lang="en-GB" sz="5350" dirty="0" err="1">
-                <a:ea typeface="+mj-lt"/>
-                <a:cs typeface="+mj-lt"/>
-              </a:rPr>
+              <a:rPr lang="en-GB" dirty="0" err="1"/>
               <a:t>работа</a:t>
             </a:r>
             <a:r>
-              <a:rPr lang="en-GB" sz="5350" dirty="0">
-                <a:ea typeface="+mj-lt"/>
-                <a:cs typeface="+mj-lt"/>
-              </a:rPr>
+              <a:rPr lang="en-GB" dirty="0"/>
               <a:t> </a:t>
             </a:r>
             <a:r>
-              <a:rPr lang="en-GB" sz="5350" dirty="0" err="1">
-                <a:ea typeface="+mj-lt"/>
-                <a:cs typeface="+mj-lt"/>
-              </a:rPr>
+              <a:rPr lang="en-GB" dirty="0" err="1"/>
               <a:t>със</a:t>
             </a:r>
             <a:r>
-              <a:rPr lang="en-GB" sz="5350" dirty="0">
-                <a:ea typeface="+mj-lt"/>
-                <a:cs typeface="+mj-lt"/>
-              </a:rPr>
+              <a:rPr lang="en-GB" dirty="0"/>
               <a:t> </a:t>
             </a:r>
             <a:r>
-              <a:rPr lang="en-GB" sz="5350" dirty="0" err="1">
-                <a:ea typeface="+mj-lt"/>
-                <a:cs typeface="+mj-lt"/>
-              </a:rPr>
+              <a:rPr lang="en-GB" dirty="0" err="1"/>
               <a:t>стек</a:t>
             </a:r>
             <a:endParaRPr lang="bg-BG" dirty="0" err="1"/>
-          </a:p>
-        </p:txBody>
-      </p:sp>
-      <p:sp>
-        <p:nvSpPr>
-          <p:cNvPr id="2" name="Текстово поле 1">
-            <a:extLst>
-              <a:ext uri="{FF2B5EF4-FFF2-40B4-BE49-F238E27FC236}">
-                <a16:creationId xmlns:a16="http://schemas.microsoft.com/office/drawing/2014/main" id="{AAE9D105-0C17-31A6-2A64-7F9EDE5C6C92}"/>
-              </a:ext>
-            </a:extLst>
-          </p:cNvPr>
-          <p:cNvSpPr txBox="1"/>
-          <p:nvPr/>
-        </p:nvSpPr>
-        <p:spPr>
-          <a:xfrm>
-            <a:off x="0" y="5725885"/>
-            <a:ext cx="12191999" cy="604049"/>
-          </a:xfrm>
-          <a:prstGeom prst="rect">
-            <a:avLst/>
-          </a:prstGeom>
-          <a:solidFill>
-            <a:schemeClr val="bg2"/>
-          </a:solidFill>
-          <a:ln w="12700">
-            <a:solidFill>
-              <a:schemeClr val="bg2"/>
-            </a:solidFill>
-          </a:ln>
-        </p:spPr>
-        <p:txBody>
-          <a:bodyPr rot="0" spcFirstLastPara="0" vertOverflow="overflow" horzOverflow="overflow" vert="horz" wrap="square" lIns="144000" tIns="108000" rIns="144000" bIns="108000" numCol="1" spcCol="0" rtlCol="0" fromWordArt="0" anchor="t" anchorCtr="0" forceAA="0" compatLnSpc="1">
-            <a:prstTxWarp prst="textNoShape">
-              <a:avLst/>
-            </a:prstTxWarp>
-            <a:spAutoFit/>
-          </a:bodyPr>
-          <a:lstStyle/>
-          <a:p>
-            <a:pPr algn="ctr" eaLnBrk="0" hangingPunct="0">
-              <a:lnSpc>
-                <a:spcPct val="110000"/>
-              </a:lnSpc>
-              <a:buClr>
-                <a:schemeClr val="accent5">
-                  <a:lumMod val="40000"/>
-                  <a:lumOff val="60000"/>
-                </a:schemeClr>
-              </a:buClr>
-              <a:buSzPct val="70000"/>
-            </a:pPr>
-            <a:r>
-              <a:rPr lang="bg-BG" sz="2400" b="1" dirty="0" err="1">
-                <a:latin typeface="Consolas"/>
-                <a:cs typeface="Calibri"/>
-              </a:rPr>
-              <a:t>Push</a:t>
-            </a:r>
-            <a:r>
-              <a:rPr lang="bg-BG" sz="2400" b="1" dirty="0">
-                <a:latin typeface="Consolas"/>
-                <a:cs typeface="Calibri"/>
-              </a:rPr>
-              <a:t>(), </a:t>
-            </a:r>
-            <a:r>
-              <a:rPr lang="bg-BG" sz="2400" b="1" dirty="0" err="1">
-                <a:latin typeface="Consolas"/>
-                <a:cs typeface="Calibri"/>
-              </a:rPr>
-              <a:t>Peek</a:t>
-            </a:r>
-            <a:r>
-              <a:rPr lang="bg-BG" sz="2400" b="1" dirty="0">
-                <a:latin typeface="Consolas"/>
-                <a:cs typeface="Calibri"/>
-              </a:rPr>
-              <a:t>(), </a:t>
-            </a:r>
-            <a:r>
-              <a:rPr lang="bg-BG" sz="2400" b="1" dirty="0" err="1">
-                <a:latin typeface="Consolas"/>
-                <a:cs typeface="Calibri"/>
-              </a:rPr>
-              <a:t>Pop</a:t>
-            </a:r>
-            <a:r>
-              <a:rPr lang="bg-BG" sz="2400" b="1" dirty="0">
-                <a:latin typeface="Consolas"/>
-                <a:cs typeface="Calibri"/>
-              </a:rPr>
-              <a:t>()</a:t>
-            </a:r>
           </a:p>
         </p:txBody>
       </p:sp>
@@ -48301,12 +47801,7 @@
             <p:ph type="body" sz="quarter" idx="10"/>
           </p:nvPr>
         </p:nvSpPr>
-        <p:spPr>
-          <a:xfrm>
-            <a:off x="2067610" y="1121746"/>
-            <a:ext cx="9924553" cy="5539124"/>
-          </a:xfrm>
-        </p:spPr>
+        <p:spPr/>
         <p:txBody>
           <a:bodyPr vert="horz" lIns="108000" tIns="36000" rIns="108000" bIns="36000" rtlCol="0" anchor="t">
             <a:normAutofit/>
@@ -48621,7 +48116,7 @@
               </a:rPr>
               <a:t>данни</a:t>
             </a:r>
-            <a:endParaRPr lang="bg-BG" sz="3950">
+            <a:endParaRPr lang="bg-BG" sz="3950" dirty="0">
               <a:cs typeface="Calibri"/>
             </a:endParaRPr>
           </a:p>
@@ -48635,7 +48130,7 @@
         </p:nvGrpSpPr>
         <p:grpSpPr>
           <a:xfrm>
-            <a:off x="5215112" y="3955734"/>
+            <a:off x="2316000" y="3939443"/>
             <a:ext cx="1599783" cy="2927149"/>
             <a:chOff x="2817812" y="3733800"/>
             <a:chExt cx="1600200" cy="2927911"/>
@@ -49365,7 +48860,7 @@
         </p:nvGrpSpPr>
         <p:grpSpPr>
           <a:xfrm>
-            <a:off x="7940070" y="3955734"/>
+            <a:off x="5040958" y="3939443"/>
             <a:ext cx="1599783" cy="2910201"/>
             <a:chOff x="5881025" y="3733800"/>
             <a:chExt cx="1600200" cy="2910959"/>
@@ -50165,7 +49660,7 @@
         </p:nvGrpSpPr>
         <p:grpSpPr>
           <a:xfrm>
-            <a:off x="10337339" y="3955733"/>
+            <a:off x="7679928" y="3929802"/>
             <a:ext cx="1599783" cy="2905720"/>
             <a:chOff x="8856012" y="3733800"/>
             <a:chExt cx="1600200" cy="2906477"/>
@@ -51086,9 +50581,36 @@
                                         <p:tgtEl>
                                           <p:spTgt spid="428035">
                                             <p:txEl>
-                                              <p:pRg st="0" end="0"/>
+                                              <p:pRg st="1" end="1"/>
                                             </p:txEl>
                                           </p:spTgt>
+                                        </p:tgtEl>
+                                        <p:attrNameLst>
+                                          <p:attrName>style.visibility</p:attrName>
+                                        </p:attrNameLst>
+                                      </p:cBhvr>
+                                      <p:to>
+                                        <p:strVal val="visible"/>
+                                      </p:to>
+                                    </p:set>
+                                  </p:childTnLst>
+                                </p:cTn>
+                              </p:par>
+                              <p:par>
+                                <p:cTn id="7" presetID="1" presetClass="entr" presetSubtype="0" fill="hold" nodeType="withEffect">
+                                  <p:stCondLst>
+                                    <p:cond delay="0"/>
+                                  </p:stCondLst>
+                                  <p:childTnLst>
+                                    <p:set>
+                                      <p:cBhvr>
+                                        <p:cTn id="8" dur="1" fill="hold">
+                                          <p:stCondLst>
+                                            <p:cond delay="0"/>
+                                          </p:stCondLst>
+                                        </p:cTn>
+                                        <p:tgtEl>
+                                          <p:spTgt spid="80"/>
                                         </p:tgtEl>
                                         <p:attrNameLst>
                                           <p:attrName>style.visibility</p:attrName>
@@ -51108,26 +50630,26 @@
                     </p:cTn>
                   </p:par>
                   <p:par>
-                    <p:cTn id="7" fill="hold">
+                    <p:cTn id="9" fill="hold">
                       <p:stCondLst>
                         <p:cond delay="indefinite"/>
                       </p:stCondLst>
                       <p:childTnLst>
                         <p:par>
-                          <p:cTn id="8" fill="hold">
+                          <p:cTn id="10" fill="hold">
                             <p:stCondLst>
                               <p:cond delay="0"/>
                             </p:stCondLst>
                             <p:childTnLst>
                               <p:par>
-                                <p:cTn id="9" presetID="1" presetClass="entr" presetSubtype="0" fill="hold" nodeType="clickEffect">
+                                <p:cTn id="11" presetID="1" presetClass="entr" presetSubtype="0" fill="hold" nodeType="clickEffect">
                                   <p:stCondLst>
                                     <p:cond delay="0"/>
                                   </p:stCondLst>
                                   <p:childTnLst>
                                     <p:set>
                                       <p:cBhvr>
-                                        <p:cTn id="10" dur="1" fill="hold">
+                                        <p:cTn id="12" dur="1" fill="hold">
                                           <p:stCondLst>
                                             <p:cond delay="0"/>
                                           </p:stCondLst>
@@ -51135,7 +50657,7 @@
                                         <p:tgtEl>
                                           <p:spTgt spid="428035">
                                             <p:txEl>
-                                              <p:pRg st="1" end="1"/>
+                                              <p:pRg st="2" end="2"/>
                                             </p:txEl>
                                           </p:spTgt>
                                         </p:tgtEl>
@@ -51150,26 +50672,8 @@
                                   </p:childTnLst>
                                 </p:cTn>
                               </p:par>
-                            </p:childTnLst>
-                          </p:cTn>
-                        </p:par>
-                      </p:childTnLst>
-                    </p:cTn>
-                  </p:par>
-                  <p:par>
-                    <p:cTn id="11" fill="hold">
-                      <p:stCondLst>
-                        <p:cond delay="indefinite"/>
-                      </p:stCondLst>
-                      <p:childTnLst>
-                        <p:par>
-                          <p:cTn id="12" fill="hold">
-                            <p:stCondLst>
-                              <p:cond delay="0"/>
-                            </p:stCondLst>
-                            <p:childTnLst>
                               <p:par>
-                                <p:cTn id="13" presetID="1" presetClass="entr" presetSubtype="0" fill="hold" nodeType="clickEffect">
+                                <p:cTn id="13" presetID="1" presetClass="entr" presetSubtype="0" fill="hold" nodeType="withEffect">
                                   <p:stCondLst>
                                     <p:cond delay="0"/>
                                   </p:stCondLst>
@@ -51182,7 +50686,7 @@
                                           </p:stCondLst>
                                         </p:cTn>
                                         <p:tgtEl>
-                                          <p:spTgt spid="80"/>
+                                          <p:spTgt spid="18"/>
                                         </p:tgtEl>
                                         <p:attrNameLst>
                                           <p:attrName>style.visibility</p:attrName>
@@ -51229,7 +50733,7 @@
                                         <p:tgtEl>
                                           <p:spTgt spid="428035">
                                             <p:txEl>
-                                              <p:pRg st="2" end="2"/>
+                                              <p:pRg st="3" end="3"/>
                                             </p:txEl>
                                           </p:spTgt>
                                         </p:tgtEl>
@@ -51253,82 +50757,6 @@
                                     <p:set>
                                       <p:cBhvr>
                                         <p:cTn id="20" dur="1" fill="hold">
-                                          <p:stCondLst>
-                                            <p:cond delay="0"/>
-                                          </p:stCondLst>
-                                        </p:cTn>
-                                        <p:tgtEl>
-                                          <p:spTgt spid="18"/>
-                                        </p:tgtEl>
-                                        <p:attrNameLst>
-                                          <p:attrName>style.visibility</p:attrName>
-                                        </p:attrNameLst>
-                                      </p:cBhvr>
-                                      <p:to>
-                                        <p:strVal val="visible"/>
-                                      </p:to>
-                                    </p:set>
-                                  </p:childTnLst>
-                                </p:cTn>
-                              </p:par>
-                            </p:childTnLst>
-                          </p:cTn>
-                        </p:par>
-                      </p:childTnLst>
-                    </p:cTn>
-                  </p:par>
-                  <p:par>
-                    <p:cTn id="21" fill="hold">
-                      <p:stCondLst>
-                        <p:cond delay="indefinite"/>
-                      </p:stCondLst>
-                      <p:childTnLst>
-                        <p:par>
-                          <p:cTn id="22" fill="hold">
-                            <p:stCondLst>
-                              <p:cond delay="0"/>
-                            </p:stCondLst>
-                            <p:childTnLst>
-                              <p:par>
-                                <p:cTn id="23" presetID="1" presetClass="entr" presetSubtype="0" fill="hold" nodeType="clickEffect">
-                                  <p:stCondLst>
-                                    <p:cond delay="0"/>
-                                  </p:stCondLst>
-                                  <p:childTnLst>
-                                    <p:set>
-                                      <p:cBhvr>
-                                        <p:cTn id="24" dur="1" fill="hold">
-                                          <p:stCondLst>
-                                            <p:cond delay="0"/>
-                                          </p:stCondLst>
-                                        </p:cTn>
-                                        <p:tgtEl>
-                                          <p:spTgt spid="428035">
-                                            <p:txEl>
-                                              <p:pRg st="3" end="3"/>
-                                            </p:txEl>
-                                          </p:spTgt>
-                                        </p:tgtEl>
-                                        <p:attrNameLst>
-                                          <p:attrName>style.visibility</p:attrName>
-                                        </p:attrNameLst>
-                                      </p:cBhvr>
-                                      <p:to>
-                                        <p:strVal val="visible"/>
-                                      </p:to>
-                                    </p:set>
-                                  </p:childTnLst>
-                                </p:cTn>
-                              </p:par>
-                              <p:par>
-                                <p:cTn id="25" presetID="1" presetClass="entr" presetSubtype="0" fill="hold" nodeType="withEffect">
-                                  <p:stCondLst>
-                                    <p:cond delay="0"/>
-                                  </p:stCondLst>
-                                  <p:childTnLst>
-                                    <p:set>
-                                      <p:cBhvr>
-                                        <p:cTn id="26" dur="1" fill="hold">
                                           <p:stCondLst>
                                             <p:cond delay="0"/>
                                           </p:stCondLst>
